--- a/ds/seduc/1des/03-ler/Aula01/Levantamento de Requisitos.pptx
+++ b/ds/seduc/1des/03-ler/Aula01/Levantamento de Requisitos.pptx
@@ -5,48 +5,49 @@
     <p:sldMasterId id="2147483667" r:id="rId4"/>
   </p:sldMasterIdLst>
   <p:notesMasterIdLst>
-    <p:notesMasterId r:id="rId24"/>
+    <p:notesMasterId r:id="rId25"/>
   </p:notesMasterIdLst>
   <p:sldIdLst>
     <p:sldId id="278" r:id="rId5"/>
-    <p:sldId id="282" r:id="rId6"/>
-    <p:sldId id="1351" r:id="rId7"/>
-    <p:sldId id="1385" r:id="rId8"/>
-    <p:sldId id="1436" r:id="rId9"/>
-    <p:sldId id="1437" r:id="rId10"/>
-    <p:sldId id="1439" r:id="rId11"/>
-    <p:sldId id="1440" r:id="rId12"/>
-    <p:sldId id="1445" r:id="rId13"/>
-    <p:sldId id="1376" r:id="rId14"/>
-    <p:sldId id="1441" r:id="rId15"/>
-    <p:sldId id="1442" r:id="rId16"/>
-    <p:sldId id="1443" r:id="rId17"/>
-    <p:sldId id="1444" r:id="rId18"/>
-    <p:sldId id="1433" r:id="rId19"/>
-    <p:sldId id="1446" r:id="rId20"/>
-    <p:sldId id="1448" r:id="rId21"/>
-    <p:sldId id="1449" r:id="rId22"/>
-    <p:sldId id="1383" r:id="rId23"/>
+    <p:sldId id="1450" r:id="rId6"/>
+    <p:sldId id="282" r:id="rId7"/>
+    <p:sldId id="1351" r:id="rId8"/>
+    <p:sldId id="1385" r:id="rId9"/>
+    <p:sldId id="1436" r:id="rId10"/>
+    <p:sldId id="1437" r:id="rId11"/>
+    <p:sldId id="1439" r:id="rId12"/>
+    <p:sldId id="1440" r:id="rId13"/>
+    <p:sldId id="1445" r:id="rId14"/>
+    <p:sldId id="1376" r:id="rId15"/>
+    <p:sldId id="1441" r:id="rId16"/>
+    <p:sldId id="1442" r:id="rId17"/>
+    <p:sldId id="1443" r:id="rId18"/>
+    <p:sldId id="1444" r:id="rId19"/>
+    <p:sldId id="1433" r:id="rId20"/>
+    <p:sldId id="1446" r:id="rId21"/>
+    <p:sldId id="1448" r:id="rId22"/>
+    <p:sldId id="1449" r:id="rId23"/>
+    <p:sldId id="1383" r:id="rId24"/>
   </p:sldIdLst>
   <p:sldSz cx="20104100" cy="11309350"/>
   <p:notesSz cx="20104100" cy="11309350"/>
   <p:embeddedFontLst>
     <p:embeddedFont>
       <p:font typeface="Montserrat" panose="00000500000000000000" pitchFamily="2" charset="0"/>
-      <p:regular r:id="rId25"/>
-      <p:bold r:id="rId26"/>
-      <p:italic r:id="rId27"/>
-      <p:boldItalic r:id="rId28"/>
+      <p:regular r:id="rId26"/>
+      <p:bold r:id="rId27"/>
+      <p:italic r:id="rId28"/>
+      <p:boldItalic r:id="rId29"/>
     </p:embeddedFont>
     <p:embeddedFont>
       <p:font typeface="Montserrat ExtraBold" panose="00000900000000000000" pitchFamily="2" charset="0"/>
-      <p:bold r:id="rId29"/>
-      <p:boldItalic r:id="rId30"/>
+      <p:bold r:id="rId30"/>
+      <p:boldItalic r:id="rId31"/>
     </p:embeddedFont>
     <p:embeddedFont>
       <p:font typeface="Montserrat Light" panose="00000400000000000000" pitchFamily="2" charset="0"/>
-      <p:regular r:id="rId31"/>
-      <p:italic r:id="rId32"/>
+      <p:regular r:id="rId32"/>
+      <p:italic r:id="rId33"/>
     </p:embeddedFont>
   </p:embeddedFontLst>
   <p:defaultTextStyle>
@@ -651,6 +652,144 @@
         <p:cNvPr id="1" name="">
           <a:extLst>
             <a:ext uri="{FF2B5EF4-FFF2-40B4-BE49-F238E27FC236}">
+              <a16:creationId xmlns:a16="http://schemas.microsoft.com/office/drawing/2014/main" id="{0A37C54A-C34A-35EC-3E7D-724C5EAB56D0}"/>
+            </a:ext>
+          </a:extLst>
+        </p:cNvPr>
+        <p:cNvGrpSpPr/>
+        <p:nvPr/>
+      </p:nvGrpSpPr>
+      <p:grpSpPr>
+        <a:xfrm>
+          <a:off x="0" y="0"/>
+          <a:ext cx="0" cy="0"/>
+          <a:chOff x="0" y="0"/>
+          <a:chExt cx="0" cy="0"/>
+        </a:xfrm>
+      </p:grpSpPr>
+      <p:sp>
+        <p:nvSpPr>
+          <p:cNvPr id="2" name="Espaço Reservado para Imagem de Slide 1">
+            <a:extLst>
+              <a:ext uri="{FF2B5EF4-FFF2-40B4-BE49-F238E27FC236}">
+                <a16:creationId xmlns:a16="http://schemas.microsoft.com/office/drawing/2014/main" id="{B431480F-5A81-ACFC-B078-2872CB3ED631}"/>
+              </a:ext>
+            </a:extLst>
+          </p:cNvPr>
+          <p:cNvSpPr>
+            <a:spLocks noGrp="1" noRot="1" noChangeAspect="1"/>
+          </p:cNvSpPr>
+          <p:nvPr>
+            <p:ph type="sldImg"/>
+          </p:nvPr>
+        </p:nvSpPr>
+        <p:spPr/>
+      </p:sp>
+      <p:sp>
+        <p:nvSpPr>
+          <p:cNvPr id="3" name="Espaço Reservado para Anotações 2">
+            <a:extLst>
+              <a:ext uri="{FF2B5EF4-FFF2-40B4-BE49-F238E27FC236}">
+                <a16:creationId xmlns:a16="http://schemas.microsoft.com/office/drawing/2014/main" id="{208812EB-DB00-A9C0-FD68-416E8889987B}"/>
+              </a:ext>
+            </a:extLst>
+          </p:cNvPr>
+          <p:cNvSpPr>
+            <a:spLocks noGrp="1"/>
+          </p:cNvSpPr>
+          <p:nvPr>
+            <p:ph type="body" idx="1"/>
+          </p:nvPr>
+        </p:nvSpPr>
+        <p:spPr/>
+        <p:txBody>
+          <a:bodyPr/>
+          <a:lstStyle/>
+          <a:p>
+            <a:r>
+              <a:rPr lang="pt-BR" dirty="0"/>
+              <a:t>Weverton Ribeiro, graduado em Engenharia Elétrica, MBA em Gestão Empresarial na FGV, iniciou sua trajetória profissional atuando por 6 anos no mercado de Automação Industrial, posteriormente atuou por 2 anos como consultor industrial de otimização de processos e 1 ano de atuação na diretoria de Recursos Humanos  de uma Multinacional do setor sucroenergético tendo como principal atribuição trabalhar nos projetos de estrutura organizacional. Há 3 anos atua como especialista em Tecnologia no SENAI SP.</a:t>
+            </a:r>
+          </a:p>
+          <a:p>
+            <a:endParaRPr lang="pt-BR" dirty="0">
+              <a:cs typeface="Calibri"/>
+            </a:endParaRPr>
+          </a:p>
+          <a:p>
+            <a:r>
+              <a:rPr lang="pt-BR" dirty="0"/>
+              <a:t>Weverton Ribeiro, possui 12 anos de experiência em atuação na indústria. Desenvolveu sua carreira ao longo do tempo, atuando por 6 anos nos ramos de qualidade e comissionamento de automação industrial, posteriormente atuou como consultor industrial para otimização de processos por 2 anos, teve uma passagem de 1 ano atuando na diretoria corporativa de RH de uma multinacional do setor sucroenergético, e desde 2019 atua como especialista em Tencologia pelo SENAI SP.</a:t>
+            </a:r>
+            <a:br>
+              <a:rPr lang="pt-BR" dirty="0">
+                <a:cs typeface="+mn-lt"/>
+              </a:rPr>
+            </a:br>
+            <a:br>
+              <a:rPr lang="pt-BR" dirty="0">
+                <a:cs typeface="+mn-lt"/>
+              </a:rPr>
+            </a:br>
+            <a:r>
+              <a:rPr lang="pt-BR" dirty="0">
+                <a:cs typeface="Calibri"/>
+              </a:rPr>
+              <a:t>Possui duas formações de nível técnico, Mecatrônica e Automação, graduado em Engenharia Elétrica, MBA em Gestão empresarial pela FGV</a:t>
+            </a:r>
+          </a:p>
+        </p:txBody>
+      </p:sp>
+      <p:sp>
+        <p:nvSpPr>
+          <p:cNvPr id="4" name="Espaço Reservado para Número de Slide 3">
+            <a:extLst>
+              <a:ext uri="{FF2B5EF4-FFF2-40B4-BE49-F238E27FC236}">
+                <a16:creationId xmlns:a16="http://schemas.microsoft.com/office/drawing/2014/main" id="{52060B7B-3235-9738-7AEE-F18198BDDA96}"/>
+              </a:ext>
+            </a:extLst>
+          </p:cNvPr>
+          <p:cNvSpPr>
+            <a:spLocks noGrp="1"/>
+          </p:cNvSpPr>
+          <p:nvPr>
+            <p:ph type="sldNum" sz="quarter" idx="5"/>
+          </p:nvPr>
+        </p:nvSpPr>
+        <p:spPr/>
+        <p:txBody>
+          <a:bodyPr/>
+          <a:lstStyle/>
+          <a:p>
+            <a:fld id="{11625586-B76B-45BD-812B-997E365A3729}" type="slidenum">
+              <a:rPr lang="pt-BR" smtClean="0"/>
+              <a:t>10</a:t>
+            </a:fld>
+            <a:endParaRPr lang="pt-BR"/>
+          </a:p>
+        </p:txBody>
+      </p:sp>
+    </p:spTree>
+    <p:extLst>
+      <p:ext uri="{BB962C8B-B14F-4D97-AF65-F5344CB8AC3E}">
+        <p14:creationId xmlns:p14="http://schemas.microsoft.com/office/powerpoint/2010/main" val="4034532268"/>
+      </p:ext>
+    </p:extLst>
+  </p:cSld>
+  <p:clrMapOvr>
+    <a:masterClrMapping/>
+  </p:clrMapOvr>
+</p:notes>
+</file>
+
+<file path=ppt/notesSlides/notesSlide11.xml><?xml version="1.0" encoding="utf-8"?>
+<p:notes xmlns:a="http://schemas.openxmlformats.org/drawingml/2006/main" xmlns:r="http://schemas.openxmlformats.org/officeDocument/2006/relationships" xmlns:p="http://schemas.openxmlformats.org/presentationml/2006/main">
+  <p:cSld>
+    <p:spTree>
+      <p:nvGrpSpPr>
+        <p:cNvPr id="1" name="">
+          <a:extLst>
+            <a:ext uri="{FF2B5EF4-FFF2-40B4-BE49-F238E27FC236}">
               <a16:creationId xmlns:a16="http://schemas.microsoft.com/office/drawing/2014/main" id="{540D3F72-BD2C-7833-A759-E4F7D82B4106}"/>
             </a:ext>
           </a:extLst>
@@ -732,7 +871,7 @@
           <a:p>
             <a:fld id="{11625586-B76B-45BD-812B-997E365A3729}" type="slidenum">
               <a:rPr lang="pt-BR" smtClean="0"/>
-              <a:t>10</a:t>
+              <a:t>11</a:t>
             </a:fld>
             <a:endParaRPr lang="pt-BR"/>
           </a:p>
@@ -751,7 +890,7 @@
 </p:notes>
 </file>
 
-<file path=ppt/notesSlides/notesSlide11.xml><?xml version="1.0" encoding="utf-8"?>
+<file path=ppt/notesSlides/notesSlide12.xml><?xml version="1.0" encoding="utf-8"?>
 <p:notes xmlns:a="http://schemas.openxmlformats.org/drawingml/2006/main" xmlns:r="http://schemas.openxmlformats.org/officeDocument/2006/relationships" xmlns:p="http://schemas.openxmlformats.org/presentationml/2006/main">
   <p:cSld>
     <p:spTree>
@@ -870,7 +1009,7 @@
           <a:p>
             <a:fld id="{11625586-B76B-45BD-812B-997E365A3729}" type="slidenum">
               <a:rPr lang="pt-BR" smtClean="0"/>
-              <a:t>11</a:t>
+              <a:t>12</a:t>
             </a:fld>
             <a:endParaRPr lang="pt-BR"/>
           </a:p>
@@ -889,7 +1028,7 @@
 </p:notes>
 </file>
 
-<file path=ppt/notesSlides/notesSlide12.xml><?xml version="1.0" encoding="utf-8"?>
+<file path=ppt/notesSlides/notesSlide13.xml><?xml version="1.0" encoding="utf-8"?>
 <p:notes xmlns:a="http://schemas.openxmlformats.org/drawingml/2006/main" xmlns:r="http://schemas.openxmlformats.org/officeDocument/2006/relationships" xmlns:p="http://schemas.openxmlformats.org/presentationml/2006/main">
   <p:cSld>
     <p:spTree>
@@ -1008,7 +1147,7 @@
           <a:p>
             <a:fld id="{11625586-B76B-45BD-812B-997E365A3729}" type="slidenum">
               <a:rPr lang="pt-BR" smtClean="0"/>
-              <a:t>12</a:t>
+              <a:t>13</a:t>
             </a:fld>
             <a:endParaRPr lang="pt-BR"/>
           </a:p>
@@ -1027,7 +1166,7 @@
 </p:notes>
 </file>
 
-<file path=ppt/notesSlides/notesSlide13.xml><?xml version="1.0" encoding="utf-8"?>
+<file path=ppt/notesSlides/notesSlide14.xml><?xml version="1.0" encoding="utf-8"?>
 <p:notes xmlns:a="http://schemas.openxmlformats.org/drawingml/2006/main" xmlns:r="http://schemas.openxmlformats.org/officeDocument/2006/relationships" xmlns:p="http://schemas.openxmlformats.org/presentationml/2006/main">
   <p:cSld>
     <p:spTree>
@@ -1146,7 +1285,7 @@
           <a:p>
             <a:fld id="{11625586-B76B-45BD-812B-997E365A3729}" type="slidenum">
               <a:rPr lang="pt-BR" smtClean="0"/>
-              <a:t>13</a:t>
+              <a:t>14</a:t>
             </a:fld>
             <a:endParaRPr lang="pt-BR"/>
           </a:p>
@@ -1165,7 +1304,7 @@
 </p:notes>
 </file>
 
-<file path=ppt/notesSlides/notesSlide14.xml><?xml version="1.0" encoding="utf-8"?>
+<file path=ppt/notesSlides/notesSlide15.xml><?xml version="1.0" encoding="utf-8"?>
 <p:notes xmlns:a="http://schemas.openxmlformats.org/drawingml/2006/main" xmlns:r="http://schemas.openxmlformats.org/officeDocument/2006/relationships" xmlns:p="http://schemas.openxmlformats.org/presentationml/2006/main">
   <p:cSld>
     <p:spTree>
@@ -1284,7 +1423,7 @@
           <a:p>
             <a:fld id="{11625586-B76B-45BD-812B-997E365A3729}" type="slidenum">
               <a:rPr lang="pt-BR" smtClean="0"/>
-              <a:t>14</a:t>
+              <a:t>15</a:t>
             </a:fld>
             <a:endParaRPr lang="pt-BR"/>
           </a:p>
@@ -1303,7 +1442,7 @@
 </p:notes>
 </file>
 
-<file path=ppt/notesSlides/notesSlide15.xml><?xml version="1.0" encoding="utf-8"?>
+<file path=ppt/notesSlides/notesSlide16.xml><?xml version="1.0" encoding="utf-8"?>
 <p:notes xmlns:a="http://schemas.openxmlformats.org/drawingml/2006/main" xmlns:r="http://schemas.openxmlformats.org/officeDocument/2006/relationships" xmlns:p="http://schemas.openxmlformats.org/presentationml/2006/main">
   <p:cSld>
     <p:spTree>
@@ -1392,7 +1531,7 @@
           <a:p>
             <a:fld id="{11625586-B76B-45BD-812B-997E365A3729}" type="slidenum">
               <a:rPr lang="pt-BR" smtClean="0"/>
-              <a:t>15</a:t>
+              <a:t>16</a:t>
             </a:fld>
             <a:endParaRPr lang="pt-BR"/>
           </a:p>
@@ -1411,7 +1550,7 @@
 </p:notes>
 </file>
 
-<file path=ppt/notesSlides/notesSlide16.xml><?xml version="1.0" encoding="utf-8"?>
+<file path=ppt/notesSlides/notesSlide17.xml><?xml version="1.0" encoding="utf-8"?>
 <p:notes xmlns:a="http://schemas.openxmlformats.org/drawingml/2006/main" xmlns:r="http://schemas.openxmlformats.org/officeDocument/2006/relationships" xmlns:p="http://schemas.openxmlformats.org/presentationml/2006/main">
   <p:cSld>
     <p:spTree>
@@ -1500,7 +1639,7 @@
           <a:p>
             <a:fld id="{11625586-B76B-45BD-812B-997E365A3729}" type="slidenum">
               <a:rPr lang="pt-BR" smtClean="0"/>
-              <a:t>16</a:t>
+              <a:t>17</a:t>
             </a:fld>
             <a:endParaRPr lang="pt-BR"/>
           </a:p>
@@ -1519,7 +1658,7 @@
 </p:notes>
 </file>
 
-<file path=ppt/notesSlides/notesSlide17.xml><?xml version="1.0" encoding="utf-8"?>
+<file path=ppt/notesSlides/notesSlide18.xml><?xml version="1.0" encoding="utf-8"?>
 <p:notes xmlns:a="http://schemas.openxmlformats.org/drawingml/2006/main" xmlns:r="http://schemas.openxmlformats.org/officeDocument/2006/relationships" xmlns:p="http://schemas.openxmlformats.org/presentationml/2006/main">
   <p:cSld>
     <p:spTree>
@@ -1608,7 +1747,7 @@
           <a:p>
             <a:fld id="{11625586-B76B-45BD-812B-997E365A3729}" type="slidenum">
               <a:rPr lang="pt-BR" smtClean="0"/>
-              <a:t>17</a:t>
+              <a:t>18</a:t>
             </a:fld>
             <a:endParaRPr lang="pt-BR"/>
           </a:p>
@@ -1627,7 +1766,7 @@
 </p:notes>
 </file>
 
-<file path=ppt/notesSlides/notesSlide18.xml><?xml version="1.0" encoding="utf-8"?>
+<file path=ppt/notesSlides/notesSlide19.xml><?xml version="1.0" encoding="utf-8"?>
 <p:notes xmlns:a="http://schemas.openxmlformats.org/drawingml/2006/main" xmlns:r="http://schemas.openxmlformats.org/officeDocument/2006/relationships" xmlns:p="http://schemas.openxmlformats.org/presentationml/2006/main">
   <p:cSld>
     <p:spTree>
@@ -1716,7 +1855,7 @@
           <a:p>
             <a:fld id="{11625586-B76B-45BD-812B-997E365A3729}" type="slidenum">
               <a:rPr lang="pt-BR" smtClean="0"/>
-              <a:t>18</a:t>
+              <a:t>19</a:t>
             </a:fld>
             <a:endParaRPr lang="pt-BR"/>
           </a:p>
@@ -1735,7 +1874,115 @@
 </p:notes>
 </file>
 
-<file path=ppt/notesSlides/notesSlide19.xml><?xml version="1.0" encoding="utf-8"?>
+<file path=ppt/notesSlides/notesSlide2.xml><?xml version="1.0" encoding="utf-8"?>
+<p:notes xmlns:a="http://schemas.openxmlformats.org/drawingml/2006/main" xmlns:r="http://schemas.openxmlformats.org/officeDocument/2006/relationships" xmlns:p="http://schemas.openxmlformats.org/presentationml/2006/main">
+  <p:cSld>
+    <p:spTree>
+      <p:nvGrpSpPr>
+        <p:cNvPr id="1" name="">
+          <a:extLst>
+            <a:ext uri="{FF2B5EF4-FFF2-40B4-BE49-F238E27FC236}">
+              <a16:creationId xmlns:a16="http://schemas.microsoft.com/office/drawing/2014/main" id="{34FB0C93-8C4D-D342-0751-DFAFFC3A0BFF}"/>
+            </a:ext>
+          </a:extLst>
+        </p:cNvPr>
+        <p:cNvGrpSpPr/>
+        <p:nvPr/>
+      </p:nvGrpSpPr>
+      <p:grpSpPr>
+        <a:xfrm>
+          <a:off x="0" y="0"/>
+          <a:ext cx="0" cy="0"/>
+          <a:chOff x="0" y="0"/>
+          <a:chExt cx="0" cy="0"/>
+        </a:xfrm>
+      </p:grpSpPr>
+      <p:sp>
+        <p:nvSpPr>
+          <p:cNvPr id="2" name="Espaço Reservado para Imagem de Slide 1">
+            <a:extLst>
+              <a:ext uri="{FF2B5EF4-FFF2-40B4-BE49-F238E27FC236}">
+                <a16:creationId xmlns:a16="http://schemas.microsoft.com/office/drawing/2014/main" id="{AAD4DA30-F33C-A2F7-F92A-DB0DDF4797C3}"/>
+              </a:ext>
+            </a:extLst>
+          </p:cNvPr>
+          <p:cNvSpPr>
+            <a:spLocks noGrp="1" noRot="1" noChangeAspect="1"/>
+          </p:cNvSpPr>
+          <p:nvPr>
+            <p:ph type="sldImg"/>
+          </p:nvPr>
+        </p:nvSpPr>
+        <p:spPr/>
+      </p:sp>
+      <p:sp>
+        <p:nvSpPr>
+          <p:cNvPr id="3" name="Espaço Reservado para Anotações 2">
+            <a:extLst>
+              <a:ext uri="{FF2B5EF4-FFF2-40B4-BE49-F238E27FC236}">
+                <a16:creationId xmlns:a16="http://schemas.microsoft.com/office/drawing/2014/main" id="{AEFC1E1E-52E2-0E7D-856E-315F556A6E89}"/>
+              </a:ext>
+            </a:extLst>
+          </p:cNvPr>
+          <p:cNvSpPr>
+            <a:spLocks noGrp="1"/>
+          </p:cNvSpPr>
+          <p:nvPr>
+            <p:ph type="body" idx="1"/>
+          </p:nvPr>
+        </p:nvSpPr>
+        <p:spPr/>
+        <p:txBody>
+          <a:bodyPr/>
+          <a:lstStyle/>
+          <a:p>
+            <a:endParaRPr lang="pt-BR" dirty="0"/>
+          </a:p>
+        </p:txBody>
+      </p:sp>
+      <p:sp>
+        <p:nvSpPr>
+          <p:cNvPr id="4" name="Espaço Reservado para Número de Slide 3">
+            <a:extLst>
+              <a:ext uri="{FF2B5EF4-FFF2-40B4-BE49-F238E27FC236}">
+                <a16:creationId xmlns:a16="http://schemas.microsoft.com/office/drawing/2014/main" id="{152ECF61-001D-548A-6B73-EF7A0CE53D22}"/>
+              </a:ext>
+            </a:extLst>
+          </p:cNvPr>
+          <p:cNvSpPr>
+            <a:spLocks noGrp="1"/>
+          </p:cNvSpPr>
+          <p:nvPr>
+            <p:ph type="sldNum" sz="quarter" idx="5"/>
+          </p:nvPr>
+        </p:nvSpPr>
+        <p:spPr/>
+        <p:txBody>
+          <a:bodyPr/>
+          <a:lstStyle/>
+          <a:p>
+            <a:fld id="{11625586-B76B-45BD-812B-997E365A3729}" type="slidenum">
+              <a:rPr lang="pt-BR" smtClean="0"/>
+              <a:t>2</a:t>
+            </a:fld>
+            <a:endParaRPr lang="pt-BR"/>
+          </a:p>
+        </p:txBody>
+      </p:sp>
+    </p:spTree>
+    <p:extLst>
+      <p:ext uri="{BB962C8B-B14F-4D97-AF65-F5344CB8AC3E}">
+        <p14:creationId xmlns:p14="http://schemas.microsoft.com/office/powerpoint/2010/main" val="1507902578"/>
+      </p:ext>
+    </p:extLst>
+  </p:cSld>
+  <p:clrMapOvr>
+    <a:masterClrMapping/>
+  </p:clrMapOvr>
+</p:notes>
+</file>
+
+<file path=ppt/notesSlides/notesSlide20.xml><?xml version="1.0" encoding="utf-8"?>
 <p:notes xmlns:a="http://schemas.openxmlformats.org/drawingml/2006/main" xmlns:r="http://schemas.openxmlformats.org/officeDocument/2006/relationships" xmlns:p="http://schemas.openxmlformats.org/presentationml/2006/main">
   <p:cSld>
     <p:spTree>
@@ -1824,7 +2071,7 @@
           <a:p>
             <a:fld id="{11625586-B76B-45BD-812B-997E365A3729}" type="slidenum">
               <a:rPr lang="pt-BR" smtClean="0"/>
-              <a:t>19</a:t>
+              <a:t>20</a:t>
             </a:fld>
             <a:endParaRPr lang="pt-BR"/>
           </a:p>
@@ -1843,7 +2090,7 @@
 </p:notes>
 </file>
 
-<file path=ppt/notesSlides/notesSlide2.xml><?xml version="1.0" encoding="utf-8"?>
+<file path=ppt/notesSlides/notesSlide3.xml><?xml version="1.0" encoding="utf-8"?>
 <p:notes xmlns:a="http://schemas.openxmlformats.org/drawingml/2006/main" xmlns:r="http://schemas.openxmlformats.org/officeDocument/2006/relationships" xmlns:p="http://schemas.openxmlformats.org/presentationml/2006/main">
   <p:cSld>
     <p:spTree>
@@ -1908,7 +2155,7 @@
           <a:p>
             <a:fld id="{11625586-B76B-45BD-812B-997E365A3729}" type="slidenum">
               <a:rPr lang="pt-BR" smtClean="0"/>
-              <a:t>2</a:t>
+              <a:t>3</a:t>
             </a:fld>
             <a:endParaRPr lang="pt-BR"/>
           </a:p>
@@ -1927,7 +2174,7 @@
 </p:notes>
 </file>
 
-<file path=ppt/notesSlides/notesSlide3.xml><?xml version="1.0" encoding="utf-8"?>
+<file path=ppt/notesSlides/notesSlide4.xml><?xml version="1.0" encoding="utf-8"?>
 <p:notes xmlns:a="http://schemas.openxmlformats.org/drawingml/2006/main" xmlns:r="http://schemas.openxmlformats.org/officeDocument/2006/relationships" xmlns:p="http://schemas.openxmlformats.org/presentationml/2006/main">
   <p:cSld>
     <p:spTree>
@@ -2046,7 +2293,7 @@
           <a:p>
             <a:fld id="{11625586-B76B-45BD-812B-997E365A3729}" type="slidenum">
               <a:rPr lang="pt-BR" smtClean="0"/>
-              <a:t>3</a:t>
+              <a:t>4</a:t>
             </a:fld>
             <a:endParaRPr lang="pt-BR"/>
           </a:p>
@@ -2065,7 +2312,7 @@
 </p:notes>
 </file>
 
-<file path=ppt/notesSlides/notesSlide4.xml><?xml version="1.0" encoding="utf-8"?>
+<file path=ppt/notesSlides/notesSlide5.xml><?xml version="1.0" encoding="utf-8"?>
 <p:notes xmlns:a="http://schemas.openxmlformats.org/drawingml/2006/main" xmlns:r="http://schemas.openxmlformats.org/officeDocument/2006/relationships" xmlns:p="http://schemas.openxmlformats.org/presentationml/2006/main">
   <p:cSld>
     <p:spTree>
@@ -2184,7 +2431,7 @@
           <a:p>
             <a:fld id="{11625586-B76B-45BD-812B-997E365A3729}" type="slidenum">
               <a:rPr lang="pt-BR" smtClean="0"/>
-              <a:t>4</a:t>
+              <a:t>5</a:t>
             </a:fld>
             <a:endParaRPr lang="pt-BR"/>
           </a:p>
@@ -2203,7 +2450,7 @@
 </p:notes>
 </file>
 
-<file path=ppt/notesSlides/notesSlide5.xml><?xml version="1.0" encoding="utf-8"?>
+<file path=ppt/notesSlides/notesSlide6.xml><?xml version="1.0" encoding="utf-8"?>
 <p:notes xmlns:a="http://schemas.openxmlformats.org/drawingml/2006/main" xmlns:r="http://schemas.openxmlformats.org/officeDocument/2006/relationships" xmlns:p="http://schemas.openxmlformats.org/presentationml/2006/main">
   <p:cSld>
     <p:spTree>
@@ -2322,7 +2569,7 @@
           <a:p>
             <a:fld id="{11625586-B76B-45BD-812B-997E365A3729}" type="slidenum">
               <a:rPr lang="pt-BR" smtClean="0"/>
-              <a:t>5</a:t>
+              <a:t>6</a:t>
             </a:fld>
             <a:endParaRPr lang="pt-BR"/>
           </a:p>
@@ -2341,7 +2588,7 @@
 </p:notes>
 </file>
 
-<file path=ppt/notesSlides/notesSlide6.xml><?xml version="1.0" encoding="utf-8"?>
+<file path=ppt/notesSlides/notesSlide7.xml><?xml version="1.0" encoding="utf-8"?>
 <p:notes xmlns:a="http://schemas.openxmlformats.org/drawingml/2006/main" xmlns:r="http://schemas.openxmlformats.org/officeDocument/2006/relationships" xmlns:p="http://schemas.openxmlformats.org/presentationml/2006/main">
   <p:cSld>
     <p:spTree>
@@ -2460,7 +2707,7 @@
           <a:p>
             <a:fld id="{11625586-B76B-45BD-812B-997E365A3729}" type="slidenum">
               <a:rPr lang="pt-BR" smtClean="0"/>
-              <a:t>6</a:t>
+              <a:t>7</a:t>
             </a:fld>
             <a:endParaRPr lang="pt-BR"/>
           </a:p>
@@ -2479,7 +2726,7 @@
 </p:notes>
 </file>
 
-<file path=ppt/notesSlides/notesSlide7.xml><?xml version="1.0" encoding="utf-8"?>
+<file path=ppt/notesSlides/notesSlide8.xml><?xml version="1.0" encoding="utf-8"?>
 <p:notes xmlns:a="http://schemas.openxmlformats.org/drawingml/2006/main" xmlns:r="http://schemas.openxmlformats.org/officeDocument/2006/relationships" xmlns:p="http://schemas.openxmlformats.org/presentationml/2006/main">
   <p:cSld>
     <p:spTree>
@@ -2598,7 +2845,7 @@
           <a:p>
             <a:fld id="{11625586-B76B-45BD-812B-997E365A3729}" type="slidenum">
               <a:rPr lang="pt-BR" smtClean="0"/>
-              <a:t>7</a:t>
+              <a:t>8</a:t>
             </a:fld>
             <a:endParaRPr lang="pt-BR"/>
           </a:p>
@@ -2617,7 +2864,7 @@
 </p:notes>
 </file>
 
-<file path=ppt/notesSlides/notesSlide8.xml><?xml version="1.0" encoding="utf-8"?>
+<file path=ppt/notesSlides/notesSlide9.xml><?xml version="1.0" encoding="utf-8"?>
 <p:notes xmlns:a="http://schemas.openxmlformats.org/drawingml/2006/main" xmlns:r="http://schemas.openxmlformats.org/officeDocument/2006/relationships" xmlns:p="http://schemas.openxmlformats.org/presentationml/2006/main">
   <p:cSld>
     <p:spTree>
@@ -2736,7 +2983,7 @@
           <a:p>
             <a:fld id="{11625586-B76B-45BD-812B-997E365A3729}" type="slidenum">
               <a:rPr lang="pt-BR" smtClean="0"/>
-              <a:t>8</a:t>
+              <a:t>9</a:t>
             </a:fld>
             <a:endParaRPr lang="pt-BR"/>
           </a:p>
@@ -2746,144 +2993,6 @@
     <p:extLst>
       <p:ext uri="{BB962C8B-B14F-4D97-AF65-F5344CB8AC3E}">
         <p14:creationId xmlns:p14="http://schemas.microsoft.com/office/powerpoint/2010/main" val="882468083"/>
-      </p:ext>
-    </p:extLst>
-  </p:cSld>
-  <p:clrMapOvr>
-    <a:masterClrMapping/>
-  </p:clrMapOvr>
-</p:notes>
-</file>
-
-<file path=ppt/notesSlides/notesSlide9.xml><?xml version="1.0" encoding="utf-8"?>
-<p:notes xmlns:a="http://schemas.openxmlformats.org/drawingml/2006/main" xmlns:r="http://schemas.openxmlformats.org/officeDocument/2006/relationships" xmlns:p="http://schemas.openxmlformats.org/presentationml/2006/main">
-  <p:cSld>
-    <p:spTree>
-      <p:nvGrpSpPr>
-        <p:cNvPr id="1" name="">
-          <a:extLst>
-            <a:ext uri="{FF2B5EF4-FFF2-40B4-BE49-F238E27FC236}">
-              <a16:creationId xmlns:a16="http://schemas.microsoft.com/office/drawing/2014/main" id="{0A37C54A-C34A-35EC-3E7D-724C5EAB56D0}"/>
-            </a:ext>
-          </a:extLst>
-        </p:cNvPr>
-        <p:cNvGrpSpPr/>
-        <p:nvPr/>
-      </p:nvGrpSpPr>
-      <p:grpSpPr>
-        <a:xfrm>
-          <a:off x="0" y="0"/>
-          <a:ext cx="0" cy="0"/>
-          <a:chOff x="0" y="0"/>
-          <a:chExt cx="0" cy="0"/>
-        </a:xfrm>
-      </p:grpSpPr>
-      <p:sp>
-        <p:nvSpPr>
-          <p:cNvPr id="2" name="Espaço Reservado para Imagem de Slide 1">
-            <a:extLst>
-              <a:ext uri="{FF2B5EF4-FFF2-40B4-BE49-F238E27FC236}">
-                <a16:creationId xmlns:a16="http://schemas.microsoft.com/office/drawing/2014/main" id="{B431480F-5A81-ACFC-B078-2872CB3ED631}"/>
-              </a:ext>
-            </a:extLst>
-          </p:cNvPr>
-          <p:cNvSpPr>
-            <a:spLocks noGrp="1" noRot="1" noChangeAspect="1"/>
-          </p:cNvSpPr>
-          <p:nvPr>
-            <p:ph type="sldImg"/>
-          </p:nvPr>
-        </p:nvSpPr>
-        <p:spPr/>
-      </p:sp>
-      <p:sp>
-        <p:nvSpPr>
-          <p:cNvPr id="3" name="Espaço Reservado para Anotações 2">
-            <a:extLst>
-              <a:ext uri="{FF2B5EF4-FFF2-40B4-BE49-F238E27FC236}">
-                <a16:creationId xmlns:a16="http://schemas.microsoft.com/office/drawing/2014/main" id="{208812EB-DB00-A9C0-FD68-416E8889987B}"/>
-              </a:ext>
-            </a:extLst>
-          </p:cNvPr>
-          <p:cNvSpPr>
-            <a:spLocks noGrp="1"/>
-          </p:cNvSpPr>
-          <p:nvPr>
-            <p:ph type="body" idx="1"/>
-          </p:nvPr>
-        </p:nvSpPr>
-        <p:spPr/>
-        <p:txBody>
-          <a:bodyPr/>
-          <a:lstStyle/>
-          <a:p>
-            <a:r>
-              <a:rPr lang="pt-BR" dirty="0"/>
-              <a:t>Weverton Ribeiro, graduado em Engenharia Elétrica, MBA em Gestão Empresarial na FGV, iniciou sua trajetória profissional atuando por 6 anos no mercado de Automação Industrial, posteriormente atuou por 2 anos como consultor industrial de otimização de processos e 1 ano de atuação na diretoria de Recursos Humanos  de uma Multinacional do setor sucroenergético tendo como principal atribuição trabalhar nos projetos de estrutura organizacional. Há 3 anos atua como especialista em Tecnologia no SENAI SP.</a:t>
-            </a:r>
-          </a:p>
-          <a:p>
-            <a:endParaRPr lang="pt-BR" dirty="0">
-              <a:cs typeface="Calibri"/>
-            </a:endParaRPr>
-          </a:p>
-          <a:p>
-            <a:r>
-              <a:rPr lang="pt-BR" dirty="0"/>
-              <a:t>Weverton Ribeiro, possui 12 anos de experiência em atuação na indústria. Desenvolveu sua carreira ao longo do tempo, atuando por 6 anos nos ramos de qualidade e comissionamento de automação industrial, posteriormente atuou como consultor industrial para otimização de processos por 2 anos, teve uma passagem de 1 ano atuando na diretoria corporativa de RH de uma multinacional do setor sucroenergético, e desde 2019 atua como especialista em Tencologia pelo SENAI SP.</a:t>
-            </a:r>
-            <a:br>
-              <a:rPr lang="pt-BR" dirty="0">
-                <a:cs typeface="+mn-lt"/>
-              </a:rPr>
-            </a:br>
-            <a:br>
-              <a:rPr lang="pt-BR" dirty="0">
-                <a:cs typeface="+mn-lt"/>
-              </a:rPr>
-            </a:br>
-            <a:r>
-              <a:rPr lang="pt-BR" dirty="0">
-                <a:cs typeface="Calibri"/>
-              </a:rPr>
-              <a:t>Possui duas formações de nível técnico, Mecatrônica e Automação, graduado em Engenharia Elétrica, MBA em Gestão empresarial pela FGV</a:t>
-            </a:r>
-          </a:p>
-        </p:txBody>
-      </p:sp>
-      <p:sp>
-        <p:nvSpPr>
-          <p:cNvPr id="4" name="Espaço Reservado para Número de Slide 3">
-            <a:extLst>
-              <a:ext uri="{FF2B5EF4-FFF2-40B4-BE49-F238E27FC236}">
-                <a16:creationId xmlns:a16="http://schemas.microsoft.com/office/drawing/2014/main" id="{52060B7B-3235-9738-7AEE-F18198BDDA96}"/>
-              </a:ext>
-            </a:extLst>
-          </p:cNvPr>
-          <p:cNvSpPr>
-            <a:spLocks noGrp="1"/>
-          </p:cNvSpPr>
-          <p:nvPr>
-            <p:ph type="sldNum" sz="quarter" idx="5"/>
-          </p:nvPr>
-        </p:nvSpPr>
-        <p:spPr/>
-        <p:txBody>
-          <a:bodyPr/>
-          <a:lstStyle/>
-          <a:p>
-            <a:fld id="{11625586-B76B-45BD-812B-997E365A3729}" type="slidenum">
-              <a:rPr lang="pt-BR" smtClean="0"/>
-              <a:t>9</a:t>
-            </a:fld>
-            <a:endParaRPr lang="pt-BR"/>
-          </a:p>
-        </p:txBody>
-      </p:sp>
-    </p:spTree>
-    <p:extLst>
-      <p:ext uri="{BB962C8B-B14F-4D97-AF65-F5344CB8AC3E}">
-        <p14:creationId xmlns:p14="http://schemas.microsoft.com/office/powerpoint/2010/main" val="4034532268"/>
       </p:ext>
     </p:extLst>
   </p:cSld>
@@ -6832,6 +6941,961 @@
         <p:cNvPr id="1" name="">
           <a:extLst>
             <a:ext uri="{FF2B5EF4-FFF2-40B4-BE49-F238E27FC236}">
+              <a16:creationId xmlns:a16="http://schemas.microsoft.com/office/drawing/2014/main" id="{FEA02BDF-731E-8384-C96F-B683068CEC98}"/>
+            </a:ext>
+          </a:extLst>
+        </p:cNvPr>
+        <p:cNvGrpSpPr/>
+        <p:nvPr/>
+      </p:nvGrpSpPr>
+      <p:grpSpPr>
+        <a:xfrm>
+          <a:off x="0" y="0"/>
+          <a:ext cx="0" cy="0"/>
+          <a:chOff x="0" y="0"/>
+          <a:chExt cx="0" cy="0"/>
+        </a:xfrm>
+      </p:grpSpPr>
+      <p:grpSp>
+        <p:nvGrpSpPr>
+          <p:cNvPr id="3" name="object 3">
+            <a:extLst>
+              <a:ext uri="{FF2B5EF4-FFF2-40B4-BE49-F238E27FC236}">
+                <a16:creationId xmlns:a16="http://schemas.microsoft.com/office/drawing/2014/main" id="{C1F49C39-B26F-1916-E23C-53F93C3F077E}"/>
+              </a:ext>
+            </a:extLst>
+          </p:cNvPr>
+          <p:cNvGrpSpPr/>
+          <p:nvPr/>
+        </p:nvGrpSpPr>
+        <p:grpSpPr>
+          <a:xfrm>
+            <a:off x="15364003" y="1047088"/>
+            <a:ext cx="3693160" cy="942975"/>
+            <a:chOff x="15364003" y="1047088"/>
+            <a:chExt cx="3693160" cy="942975"/>
+          </a:xfrm>
+        </p:grpSpPr>
+        <p:sp>
+          <p:nvSpPr>
+            <p:cNvPr id="4" name="object 4">
+              <a:extLst>
+                <a:ext uri="{FF2B5EF4-FFF2-40B4-BE49-F238E27FC236}">
+                  <a16:creationId xmlns:a16="http://schemas.microsoft.com/office/drawing/2014/main" id="{1F829799-90D3-ECE0-61D4-58DAC689DF5C}"/>
+                </a:ext>
+              </a:extLst>
+            </p:cNvPr>
+            <p:cNvSpPr/>
+            <p:nvPr/>
+          </p:nvSpPr>
+          <p:spPr>
+            <a:xfrm>
+              <a:off x="15364066" y="1047088"/>
+              <a:ext cx="3693160" cy="942975"/>
+            </a:xfrm>
+            <a:custGeom>
+              <a:avLst/>
+              <a:gdLst/>
+              <a:ahLst/>
+              <a:cxnLst/>
+              <a:rect l="l" t="t" r="r" b="b"/>
+              <a:pathLst>
+                <a:path w="3693159" h="942975">
+                  <a:moveTo>
+                    <a:pt x="3692945" y="0"/>
+                  </a:moveTo>
+                  <a:lnTo>
+                    <a:pt x="0" y="0"/>
+                  </a:lnTo>
+                  <a:lnTo>
+                    <a:pt x="0" y="942379"/>
+                  </a:lnTo>
+                  <a:lnTo>
+                    <a:pt x="3692945" y="942379"/>
+                  </a:lnTo>
+                  <a:lnTo>
+                    <a:pt x="3692945" y="0"/>
+                  </a:lnTo>
+                  <a:close/>
+                </a:path>
+              </a:pathLst>
+            </a:custGeom>
+            <a:solidFill>
+              <a:srgbClr val="E21013"/>
+            </a:solidFill>
+          </p:spPr>
+          <p:txBody>
+            <a:bodyPr wrap="square" lIns="0" tIns="0" rIns="0" bIns="0" rtlCol="0"/>
+            <a:lstStyle/>
+            <a:p>
+              <a:endParaRPr/>
+            </a:p>
+          </p:txBody>
+        </p:sp>
+        <p:sp>
+          <p:nvSpPr>
+            <p:cNvPr id="5" name="object 5">
+              <a:extLst>
+                <a:ext uri="{FF2B5EF4-FFF2-40B4-BE49-F238E27FC236}">
+                  <a16:creationId xmlns:a16="http://schemas.microsoft.com/office/drawing/2014/main" id="{7424D621-A0C9-F36F-59C2-7D762EB82EFE}"/>
+                </a:ext>
+              </a:extLst>
+            </p:cNvPr>
+            <p:cNvSpPr/>
+            <p:nvPr/>
+          </p:nvSpPr>
+          <p:spPr>
+            <a:xfrm>
+              <a:off x="15364003" y="1167618"/>
+              <a:ext cx="3693160" cy="700405"/>
+            </a:xfrm>
+            <a:custGeom>
+              <a:avLst/>
+              <a:gdLst/>
+              <a:ahLst/>
+              <a:cxnLst/>
+              <a:rect l="l" t="t" r="r" b="b"/>
+              <a:pathLst>
+                <a:path w="3693159" h="700405">
+                  <a:moveTo>
+                    <a:pt x="198348" y="660984"/>
+                  </a:moveTo>
+                  <a:lnTo>
+                    <a:pt x="0" y="660984"/>
+                  </a:lnTo>
+                  <a:lnTo>
+                    <a:pt x="0" y="685812"/>
+                  </a:lnTo>
+                  <a:lnTo>
+                    <a:pt x="198348" y="685812"/>
+                  </a:lnTo>
+                  <a:lnTo>
+                    <a:pt x="198348" y="660984"/>
+                  </a:lnTo>
+                  <a:close/>
+                </a:path>
+                <a:path w="3693159" h="700405">
+                  <a:moveTo>
+                    <a:pt x="198348" y="502246"/>
+                  </a:moveTo>
+                  <a:lnTo>
+                    <a:pt x="0" y="502246"/>
+                  </a:lnTo>
+                  <a:lnTo>
+                    <a:pt x="0" y="527050"/>
+                  </a:lnTo>
+                  <a:lnTo>
+                    <a:pt x="198348" y="527050"/>
+                  </a:lnTo>
+                  <a:lnTo>
+                    <a:pt x="198348" y="502246"/>
+                  </a:lnTo>
+                  <a:close/>
+                </a:path>
+                <a:path w="3693159" h="700405">
+                  <a:moveTo>
+                    <a:pt x="198348" y="337540"/>
+                  </a:moveTo>
+                  <a:lnTo>
+                    <a:pt x="0" y="337540"/>
+                  </a:lnTo>
+                  <a:lnTo>
+                    <a:pt x="0" y="362356"/>
+                  </a:lnTo>
+                  <a:lnTo>
+                    <a:pt x="198348" y="362356"/>
+                  </a:lnTo>
+                  <a:lnTo>
+                    <a:pt x="198348" y="337540"/>
+                  </a:lnTo>
+                  <a:close/>
+                </a:path>
+                <a:path w="3693159" h="700405">
+                  <a:moveTo>
+                    <a:pt x="198348" y="175044"/>
+                  </a:moveTo>
+                  <a:lnTo>
+                    <a:pt x="0" y="175044"/>
+                  </a:lnTo>
+                  <a:lnTo>
+                    <a:pt x="0" y="199898"/>
+                  </a:lnTo>
+                  <a:lnTo>
+                    <a:pt x="198348" y="199898"/>
+                  </a:lnTo>
+                  <a:lnTo>
+                    <a:pt x="198348" y="175044"/>
+                  </a:lnTo>
+                  <a:close/>
+                </a:path>
+                <a:path w="3693159" h="700405">
+                  <a:moveTo>
+                    <a:pt x="198348" y="16789"/>
+                  </a:moveTo>
+                  <a:lnTo>
+                    <a:pt x="0" y="16789"/>
+                  </a:lnTo>
+                  <a:lnTo>
+                    <a:pt x="0" y="41592"/>
+                  </a:lnTo>
+                  <a:lnTo>
+                    <a:pt x="198348" y="41592"/>
+                  </a:lnTo>
+                  <a:lnTo>
+                    <a:pt x="198348" y="16789"/>
+                  </a:lnTo>
+                  <a:close/>
+                </a:path>
+                <a:path w="3693159" h="700405">
+                  <a:moveTo>
+                    <a:pt x="908519" y="161366"/>
+                  </a:moveTo>
+                  <a:lnTo>
+                    <a:pt x="906360" y="130289"/>
+                  </a:lnTo>
+                  <a:lnTo>
+                    <a:pt x="905611" y="119291"/>
+                  </a:lnTo>
+                  <a:lnTo>
+                    <a:pt x="892365" y="84505"/>
+                  </a:lnTo>
+                  <a:lnTo>
+                    <a:pt x="840524" y="34785"/>
+                  </a:lnTo>
+                  <a:lnTo>
+                    <a:pt x="804722" y="18783"/>
+                  </a:lnTo>
+                  <a:lnTo>
+                    <a:pt x="764197" y="8001"/>
+                  </a:lnTo>
+                  <a:lnTo>
+                    <a:pt x="720369" y="1905"/>
+                  </a:lnTo>
+                  <a:lnTo>
+                    <a:pt x="674636" y="0"/>
+                  </a:lnTo>
+                  <a:lnTo>
+                    <a:pt x="627634" y="1714"/>
+                  </a:lnTo>
+                  <a:lnTo>
+                    <a:pt x="580974" y="7264"/>
+                  </a:lnTo>
+                  <a:lnTo>
+                    <a:pt x="535597" y="17233"/>
+                  </a:lnTo>
+                  <a:lnTo>
+                    <a:pt x="492467" y="32207"/>
+                  </a:lnTo>
+                  <a:lnTo>
+                    <a:pt x="452539" y="52793"/>
+                  </a:lnTo>
+                  <a:lnTo>
+                    <a:pt x="416775" y="79552"/>
+                  </a:lnTo>
+                  <a:lnTo>
+                    <a:pt x="386105" y="113106"/>
+                  </a:lnTo>
+                  <a:lnTo>
+                    <a:pt x="361505" y="154012"/>
+                  </a:lnTo>
+                  <a:lnTo>
+                    <a:pt x="343928" y="202895"/>
+                  </a:lnTo>
+                  <a:lnTo>
+                    <a:pt x="339178" y="254914"/>
+                  </a:lnTo>
+                  <a:lnTo>
+                    <a:pt x="348348" y="300837"/>
+                  </a:lnTo>
+                  <a:lnTo>
+                    <a:pt x="371932" y="338734"/>
+                  </a:lnTo>
+                  <a:lnTo>
+                    <a:pt x="410464" y="366699"/>
+                  </a:lnTo>
+                  <a:lnTo>
+                    <a:pt x="460248" y="387223"/>
+                  </a:lnTo>
+                  <a:lnTo>
+                    <a:pt x="508927" y="402183"/>
+                  </a:lnTo>
+                  <a:lnTo>
+                    <a:pt x="594918" y="424510"/>
+                  </a:lnTo>
+                  <a:lnTo>
+                    <a:pt x="628230" y="436435"/>
+                  </a:lnTo>
+                  <a:lnTo>
+                    <a:pt x="652437" y="451891"/>
+                  </a:lnTo>
+                  <a:lnTo>
+                    <a:pt x="665518" y="473189"/>
+                  </a:lnTo>
+                  <a:lnTo>
+                    <a:pt x="665480" y="502577"/>
+                  </a:lnTo>
+                  <a:lnTo>
+                    <a:pt x="650036" y="531888"/>
+                  </a:lnTo>
+                  <a:lnTo>
+                    <a:pt x="622058" y="552818"/>
+                  </a:lnTo>
+                  <a:lnTo>
+                    <a:pt x="587781" y="565378"/>
+                  </a:lnTo>
+                  <a:lnTo>
+                    <a:pt x="553491" y="569556"/>
+                  </a:lnTo>
+                  <a:lnTo>
+                    <a:pt x="508863" y="563194"/>
+                  </a:lnTo>
+                  <a:lnTo>
+                    <a:pt x="477088" y="544436"/>
+                  </a:lnTo>
+                  <a:lnTo>
+                    <a:pt x="460565" y="513829"/>
+                  </a:lnTo>
+                  <a:lnTo>
+                    <a:pt x="461657" y="471868"/>
+                  </a:lnTo>
+                  <a:lnTo>
+                    <a:pt x="275513" y="471868"/>
+                  </a:lnTo>
+                  <a:lnTo>
+                    <a:pt x="269417" y="527735"/>
+                  </a:lnTo>
+                  <a:lnTo>
+                    <a:pt x="274345" y="574230"/>
+                  </a:lnTo>
+                  <a:lnTo>
+                    <a:pt x="289204" y="612089"/>
+                  </a:lnTo>
+                  <a:lnTo>
+                    <a:pt x="312864" y="642086"/>
+                  </a:lnTo>
+                  <a:lnTo>
+                    <a:pt x="344195" y="664946"/>
+                  </a:lnTo>
+                  <a:lnTo>
+                    <a:pt x="382104" y="681418"/>
+                  </a:lnTo>
+                  <a:lnTo>
+                    <a:pt x="425462" y="692264"/>
+                  </a:lnTo>
+                  <a:lnTo>
+                    <a:pt x="473138" y="698233"/>
+                  </a:lnTo>
+                  <a:lnTo>
+                    <a:pt x="524040" y="700049"/>
+                  </a:lnTo>
+                  <a:lnTo>
+                    <a:pt x="575614" y="697547"/>
+                  </a:lnTo>
+                  <a:lnTo>
+                    <a:pt x="626071" y="690016"/>
+                  </a:lnTo>
+                  <a:lnTo>
+                    <a:pt x="674395" y="677392"/>
+                  </a:lnTo>
+                  <a:lnTo>
+                    <a:pt x="719594" y="659612"/>
+                  </a:lnTo>
+                  <a:lnTo>
+                    <a:pt x="760653" y="636625"/>
+                  </a:lnTo>
+                  <a:lnTo>
+                    <a:pt x="796569" y="608368"/>
+                  </a:lnTo>
+                  <a:lnTo>
+                    <a:pt x="826338" y="574776"/>
+                  </a:lnTo>
+                  <a:lnTo>
+                    <a:pt x="829360" y="569556"/>
+                  </a:lnTo>
+                  <a:lnTo>
+                    <a:pt x="848944" y="535813"/>
+                  </a:lnTo>
+                  <a:lnTo>
+                    <a:pt x="863396" y="491388"/>
+                  </a:lnTo>
+                  <a:lnTo>
+                    <a:pt x="869175" y="436956"/>
+                  </a:lnTo>
+                  <a:lnTo>
+                    <a:pt x="862241" y="393573"/>
+                  </a:lnTo>
+                  <a:lnTo>
+                    <a:pt x="844702" y="359727"/>
+                  </a:lnTo>
+                  <a:lnTo>
+                    <a:pt x="786168" y="314388"/>
+                  </a:lnTo>
+                  <a:lnTo>
+                    <a:pt x="749376" y="299808"/>
+                  </a:lnTo>
+                  <a:lnTo>
+                    <a:pt x="710349" y="288569"/>
+                  </a:lnTo>
+                  <a:lnTo>
+                    <a:pt x="633984" y="269887"/>
+                  </a:lnTo>
+                  <a:lnTo>
+                    <a:pt x="598474" y="259105"/>
+                  </a:lnTo>
+                  <a:lnTo>
+                    <a:pt x="566496" y="244411"/>
+                  </a:lnTo>
+                  <a:lnTo>
+                    <a:pt x="545185" y="222910"/>
+                  </a:lnTo>
+                  <a:lnTo>
+                    <a:pt x="541693" y="191706"/>
+                  </a:lnTo>
+                  <a:lnTo>
+                    <a:pt x="553224" y="167970"/>
+                  </a:lnTo>
+                  <a:lnTo>
+                    <a:pt x="574852" y="148424"/>
+                  </a:lnTo>
+                  <a:lnTo>
+                    <a:pt x="603161" y="135166"/>
+                  </a:lnTo>
+                  <a:lnTo>
+                    <a:pt x="634758" y="130289"/>
+                  </a:lnTo>
+                  <a:lnTo>
+                    <a:pt x="656818" y="131673"/>
+                  </a:lnTo>
+                  <a:lnTo>
+                    <a:pt x="701903" y="151714"/>
+                  </a:lnTo>
+                  <a:lnTo>
+                    <a:pt x="716381" y="192925"/>
+                  </a:lnTo>
+                  <a:lnTo>
+                    <a:pt x="713574" y="211251"/>
+                  </a:lnTo>
+                  <a:lnTo>
+                    <a:pt x="899693" y="211251"/>
+                  </a:lnTo>
+                  <a:lnTo>
+                    <a:pt x="908519" y="161366"/>
+                  </a:lnTo>
+                  <a:close/>
+                </a:path>
+                <a:path w="3693159" h="700405">
+                  <a:moveTo>
+                    <a:pt x="1580972" y="13944"/>
+                  </a:moveTo>
+                  <a:lnTo>
+                    <a:pt x="1069098" y="13944"/>
+                  </a:lnTo>
+                  <a:lnTo>
+                    <a:pt x="926249" y="685927"/>
+                  </a:lnTo>
+                  <a:lnTo>
+                    <a:pt x="1438135" y="685927"/>
+                  </a:lnTo>
+                  <a:lnTo>
+                    <a:pt x="1465884" y="555599"/>
+                  </a:lnTo>
+                  <a:lnTo>
+                    <a:pt x="1140129" y="555599"/>
+                  </a:lnTo>
+                  <a:lnTo>
+                    <a:pt x="1170381" y="413207"/>
+                  </a:lnTo>
+                  <a:lnTo>
+                    <a:pt x="1470063" y="413207"/>
+                  </a:lnTo>
+                  <a:lnTo>
+                    <a:pt x="1497672" y="282956"/>
+                  </a:lnTo>
+                  <a:lnTo>
+                    <a:pt x="1197978" y="282956"/>
+                  </a:lnTo>
+                  <a:lnTo>
+                    <a:pt x="1227455" y="144233"/>
+                  </a:lnTo>
+                  <a:lnTo>
+                    <a:pt x="1553210" y="144233"/>
+                  </a:lnTo>
+                  <a:lnTo>
+                    <a:pt x="1580972" y="13944"/>
+                  </a:lnTo>
+                  <a:close/>
+                </a:path>
+                <a:path w="3693159" h="700405">
+                  <a:moveTo>
+                    <a:pt x="2341346" y="13944"/>
+                  </a:moveTo>
+                  <a:lnTo>
+                    <a:pt x="2173833" y="13944"/>
+                  </a:lnTo>
+                  <a:lnTo>
+                    <a:pt x="2067725" y="512775"/>
+                  </a:lnTo>
+                  <a:lnTo>
+                    <a:pt x="2065553" y="514680"/>
+                  </a:lnTo>
+                  <a:lnTo>
+                    <a:pt x="1984070" y="171272"/>
+                  </a:lnTo>
+                  <a:lnTo>
+                    <a:pt x="1946732" y="13944"/>
+                  </a:lnTo>
+                  <a:lnTo>
+                    <a:pt x="1686140" y="13944"/>
+                  </a:lnTo>
+                  <a:lnTo>
+                    <a:pt x="1543278" y="685927"/>
+                  </a:lnTo>
+                  <a:lnTo>
+                    <a:pt x="1710817" y="685927"/>
+                  </a:lnTo>
+                  <a:lnTo>
+                    <a:pt x="1820189" y="171272"/>
+                  </a:lnTo>
+                  <a:lnTo>
+                    <a:pt x="1822030" y="171272"/>
+                  </a:lnTo>
+                  <a:lnTo>
+                    <a:pt x="1940687" y="685927"/>
+                  </a:lnTo>
+                  <a:lnTo>
+                    <a:pt x="2198497" y="685927"/>
+                  </a:lnTo>
+                  <a:lnTo>
+                    <a:pt x="2234895" y="514680"/>
+                  </a:lnTo>
+                  <a:lnTo>
+                    <a:pt x="2341346" y="13944"/>
+                  </a:lnTo>
+                  <a:close/>
+                </a:path>
+                <a:path w="3693159" h="700405">
+                  <a:moveTo>
+                    <a:pt x="3024949" y="685927"/>
+                  </a:moveTo>
+                  <a:lnTo>
+                    <a:pt x="3001048" y="554685"/>
+                  </a:lnTo>
+                  <a:lnTo>
+                    <a:pt x="2977324" y="424395"/>
+                  </a:lnTo>
+                  <a:lnTo>
+                    <a:pt x="2926461" y="145148"/>
+                  </a:lnTo>
+                  <a:lnTo>
+                    <a:pt x="2902572" y="13944"/>
+                  </a:lnTo>
+                  <a:lnTo>
+                    <a:pt x="2779877" y="13944"/>
+                  </a:lnTo>
+                  <a:lnTo>
+                    <a:pt x="2779877" y="424395"/>
+                  </a:lnTo>
+                  <a:lnTo>
+                    <a:pt x="2600248" y="424395"/>
+                  </a:lnTo>
+                  <a:lnTo>
+                    <a:pt x="2750858" y="145148"/>
+                  </a:lnTo>
+                  <a:lnTo>
+                    <a:pt x="2753639" y="145148"/>
+                  </a:lnTo>
+                  <a:lnTo>
+                    <a:pt x="2779877" y="424395"/>
+                  </a:lnTo>
+                  <a:lnTo>
+                    <a:pt x="2779877" y="13944"/>
+                  </a:lnTo>
+                  <a:lnTo>
+                    <a:pt x="2675471" y="13944"/>
+                  </a:lnTo>
+                  <a:lnTo>
+                    <a:pt x="2267343" y="685927"/>
+                  </a:lnTo>
+                  <a:lnTo>
+                    <a:pt x="2453513" y="685927"/>
+                  </a:lnTo>
+                  <a:lnTo>
+                    <a:pt x="2525153" y="554685"/>
+                  </a:lnTo>
+                  <a:lnTo>
+                    <a:pt x="2797873" y="554685"/>
+                  </a:lnTo>
+                  <a:lnTo>
+                    <a:pt x="2814612" y="685927"/>
+                  </a:lnTo>
+                  <a:lnTo>
+                    <a:pt x="3024949" y="685927"/>
+                  </a:lnTo>
+                  <a:close/>
+                </a:path>
+                <a:path w="3693159" h="700405">
+                  <a:moveTo>
+                    <a:pt x="3424669" y="13944"/>
+                  </a:moveTo>
+                  <a:lnTo>
+                    <a:pt x="3238538" y="13944"/>
+                  </a:lnTo>
+                  <a:lnTo>
+                    <a:pt x="3095663" y="685927"/>
+                  </a:lnTo>
+                  <a:lnTo>
+                    <a:pt x="3281819" y="685927"/>
+                  </a:lnTo>
+                  <a:lnTo>
+                    <a:pt x="3424669" y="13944"/>
+                  </a:lnTo>
+                  <a:close/>
+                </a:path>
+                <a:path w="3693159" h="700405">
+                  <a:moveTo>
+                    <a:pt x="3692918" y="660984"/>
+                  </a:moveTo>
+                  <a:lnTo>
+                    <a:pt x="3494570" y="660984"/>
+                  </a:lnTo>
+                  <a:lnTo>
+                    <a:pt x="3494570" y="685812"/>
+                  </a:lnTo>
+                  <a:lnTo>
+                    <a:pt x="3692918" y="685812"/>
+                  </a:lnTo>
+                  <a:lnTo>
+                    <a:pt x="3692918" y="660984"/>
+                  </a:lnTo>
+                  <a:close/>
+                </a:path>
+                <a:path w="3693159" h="700405">
+                  <a:moveTo>
+                    <a:pt x="3692918" y="502246"/>
+                  </a:moveTo>
+                  <a:lnTo>
+                    <a:pt x="3494570" y="502246"/>
+                  </a:lnTo>
+                  <a:lnTo>
+                    <a:pt x="3494570" y="527050"/>
+                  </a:lnTo>
+                  <a:lnTo>
+                    <a:pt x="3692918" y="527050"/>
+                  </a:lnTo>
+                  <a:lnTo>
+                    <a:pt x="3692918" y="502246"/>
+                  </a:lnTo>
+                  <a:close/>
+                </a:path>
+                <a:path w="3693159" h="700405">
+                  <a:moveTo>
+                    <a:pt x="3692918" y="337540"/>
+                  </a:moveTo>
+                  <a:lnTo>
+                    <a:pt x="3494570" y="337540"/>
+                  </a:lnTo>
+                  <a:lnTo>
+                    <a:pt x="3494570" y="362356"/>
+                  </a:lnTo>
+                  <a:lnTo>
+                    <a:pt x="3692918" y="362356"/>
+                  </a:lnTo>
+                  <a:lnTo>
+                    <a:pt x="3692918" y="337540"/>
+                  </a:lnTo>
+                  <a:close/>
+                </a:path>
+                <a:path w="3693159" h="700405">
+                  <a:moveTo>
+                    <a:pt x="3692918" y="175044"/>
+                  </a:moveTo>
+                  <a:lnTo>
+                    <a:pt x="3494570" y="175044"/>
+                  </a:lnTo>
+                  <a:lnTo>
+                    <a:pt x="3494570" y="199898"/>
+                  </a:lnTo>
+                  <a:lnTo>
+                    <a:pt x="3692918" y="199898"/>
+                  </a:lnTo>
+                  <a:lnTo>
+                    <a:pt x="3692918" y="175044"/>
+                  </a:lnTo>
+                  <a:close/>
+                </a:path>
+                <a:path w="3693159" h="700405">
+                  <a:moveTo>
+                    <a:pt x="3692918" y="16789"/>
+                  </a:moveTo>
+                  <a:lnTo>
+                    <a:pt x="3494570" y="16789"/>
+                  </a:lnTo>
+                  <a:lnTo>
+                    <a:pt x="3494570" y="41592"/>
+                  </a:lnTo>
+                  <a:lnTo>
+                    <a:pt x="3692918" y="41592"/>
+                  </a:lnTo>
+                  <a:lnTo>
+                    <a:pt x="3692918" y="16789"/>
+                  </a:lnTo>
+                  <a:close/>
+                </a:path>
+              </a:pathLst>
+            </a:custGeom>
+            <a:solidFill>
+              <a:srgbClr val="FFFFFF"/>
+            </a:solidFill>
+          </p:spPr>
+          <p:txBody>
+            <a:bodyPr wrap="square" lIns="0" tIns="0" rIns="0" bIns="0" rtlCol="0"/>
+            <a:lstStyle/>
+            <a:p>
+              <a:endParaRPr/>
+            </a:p>
+          </p:txBody>
+        </p:sp>
+      </p:grpSp>
+      <p:sp>
+        <p:nvSpPr>
+          <p:cNvPr id="6" name="object 6">
+            <a:extLst>
+              <a:ext uri="{FF2B5EF4-FFF2-40B4-BE49-F238E27FC236}">
+                <a16:creationId xmlns:a16="http://schemas.microsoft.com/office/drawing/2014/main" id="{6D6CA1DE-B624-7988-9395-E9F9FD5AFC38}"/>
+              </a:ext>
+            </a:extLst>
+          </p:cNvPr>
+          <p:cNvSpPr/>
+          <p:nvPr/>
+        </p:nvSpPr>
+        <p:spPr>
+          <a:xfrm>
+            <a:off x="1047088" y="1047088"/>
+            <a:ext cx="0" cy="1466215"/>
+          </a:xfrm>
+          <a:custGeom>
+            <a:avLst/>
+            <a:gdLst/>
+            <a:ahLst/>
+            <a:cxnLst/>
+            <a:rect l="l" t="t" r="r" b="b"/>
+            <a:pathLst>
+              <a:path h="1466214">
+                <a:moveTo>
+                  <a:pt x="0" y="0"/>
+                </a:moveTo>
+                <a:lnTo>
+                  <a:pt x="0" y="1465923"/>
+                </a:lnTo>
+              </a:path>
+            </a:pathLst>
+          </a:custGeom>
+          <a:ln w="104708">
+            <a:solidFill>
+              <a:srgbClr val="C1272C"/>
+            </a:solidFill>
+          </a:ln>
+        </p:spPr>
+        <p:txBody>
+          <a:bodyPr wrap="square" lIns="0" tIns="0" rIns="0" bIns="0" rtlCol="0"/>
+          <a:lstStyle/>
+          <a:p>
+            <a:endParaRPr/>
+          </a:p>
+        </p:txBody>
+      </p:sp>
+      <p:sp>
+        <p:nvSpPr>
+          <p:cNvPr id="7" name="object 7">
+            <a:extLst>
+              <a:ext uri="{FF2B5EF4-FFF2-40B4-BE49-F238E27FC236}">
+                <a16:creationId xmlns:a16="http://schemas.microsoft.com/office/drawing/2014/main" id="{09C8175D-10AE-2599-5DC1-90698FFC6FDC}"/>
+              </a:ext>
+            </a:extLst>
+          </p:cNvPr>
+          <p:cNvSpPr/>
+          <p:nvPr/>
+        </p:nvSpPr>
+        <p:spPr>
+          <a:xfrm>
+            <a:off x="0" y="11151492"/>
+            <a:ext cx="20104100" cy="157480"/>
+          </a:xfrm>
+          <a:custGeom>
+            <a:avLst/>
+            <a:gdLst/>
+            <a:ahLst/>
+            <a:cxnLst/>
+            <a:rect l="l" t="t" r="r" b="b"/>
+            <a:pathLst>
+              <a:path w="20104100" h="157479">
+                <a:moveTo>
+                  <a:pt x="20104099" y="0"/>
+                </a:moveTo>
+                <a:lnTo>
+                  <a:pt x="0" y="0"/>
+                </a:lnTo>
+                <a:lnTo>
+                  <a:pt x="0" y="157063"/>
+                </a:lnTo>
+                <a:lnTo>
+                  <a:pt x="20104099" y="157063"/>
+                </a:lnTo>
+                <a:lnTo>
+                  <a:pt x="20104099" y="0"/>
+                </a:lnTo>
+                <a:close/>
+              </a:path>
+            </a:pathLst>
+          </a:custGeom>
+          <a:solidFill>
+            <a:srgbClr val="C1272C"/>
+          </a:solidFill>
+        </p:spPr>
+        <p:txBody>
+          <a:bodyPr wrap="square" lIns="0" tIns="0" rIns="0" bIns="0" rtlCol="0"/>
+          <a:lstStyle/>
+          <a:p>
+            <a:endParaRPr/>
+          </a:p>
+        </p:txBody>
+      </p:sp>
+      <p:sp>
+        <p:nvSpPr>
+          <p:cNvPr id="15" name="object 15">
+            <a:extLst>
+              <a:ext uri="{FF2B5EF4-FFF2-40B4-BE49-F238E27FC236}">
+                <a16:creationId xmlns:a16="http://schemas.microsoft.com/office/drawing/2014/main" id="{BEC099FE-2F8F-B26D-8373-E4D614D284E7}"/>
+              </a:ext>
+            </a:extLst>
+          </p:cNvPr>
+          <p:cNvSpPr txBox="1">
+            <a:spLocks noGrp="1"/>
+          </p:cNvSpPr>
+          <p:nvPr>
+            <p:ph type="title"/>
+          </p:nvPr>
+        </p:nvSpPr>
+        <p:spPr>
+          <a:xfrm>
+            <a:off x="1526490" y="1167618"/>
+            <a:ext cx="12411753" cy="768800"/>
+          </a:xfrm>
+          <a:prstGeom prst="rect">
+            <a:avLst/>
+          </a:prstGeom>
+        </p:spPr>
+        <p:txBody>
+          <a:bodyPr vert="horz" wrap="square" lIns="0" tIns="12065" rIns="0" bIns="0" rtlCol="0" anchor="t">
+            <a:spAutoFit/>
+          </a:bodyPr>
+          <a:lstStyle/>
+          <a:p>
+            <a:pPr marL="12700">
+              <a:lnSpc>
+                <a:spcPts val="5940"/>
+              </a:lnSpc>
+              <a:spcBef>
+                <a:spcPts val="95"/>
+              </a:spcBef>
+            </a:pPr>
+            <a:r>
+              <a:rPr lang="pt-BR" sz="5400" b="1" dirty="0">
+                <a:latin typeface="Montserrat ExtraBold" panose="00000900000000000000" pitchFamily="2" charset="0"/>
+              </a:rPr>
+              <a:t>Regras de negócios</a:t>
+            </a:r>
+            <a:endParaRPr lang="pt-BR" sz="4950" b="1" spc="-15" dirty="0">
+              <a:latin typeface="Montserrat ExtraBold" panose="00000900000000000000" pitchFamily="2" charset="0"/>
+              <a:cs typeface="Montserrat ExtraBold"/>
+            </a:endParaRPr>
+          </a:p>
+        </p:txBody>
+      </p:sp>
+      <p:sp>
+        <p:nvSpPr>
+          <p:cNvPr id="10" name="CaixaDeTexto 9">
+            <a:extLst>
+              <a:ext uri="{FF2B5EF4-FFF2-40B4-BE49-F238E27FC236}">
+                <a16:creationId xmlns:a16="http://schemas.microsoft.com/office/drawing/2014/main" id="{78DB7CDA-2A9E-9F53-3A81-C08815B1CA16}"/>
+              </a:ext>
+            </a:extLst>
+          </p:cNvPr>
+          <p:cNvSpPr txBox="1"/>
+          <p:nvPr/>
+        </p:nvSpPr>
+        <p:spPr>
+          <a:xfrm>
+            <a:off x="1526491" y="3063875"/>
+            <a:ext cx="16911842" cy="4401205"/>
+          </a:xfrm>
+          <a:prstGeom prst="rect">
+            <a:avLst/>
+          </a:prstGeom>
+          <a:noFill/>
+        </p:spPr>
+        <p:txBody>
+          <a:bodyPr wrap="square" rtlCol="0">
+            <a:spAutoFit/>
+          </a:bodyPr>
+          <a:lstStyle/>
+          <a:p>
+            <a:r>
+              <a:rPr lang="pt-BR" sz="4000" dirty="0"/>
+              <a:t>São diretrizes, políticas, leis, regulamentos ou definições que restringem ou ditam como uma organização opera. Elas representam a inteligência e a lógica da empresa.</a:t>
+            </a:r>
+            <a:br>
+              <a:rPr lang="pt-BR" sz="4000" dirty="0"/>
+            </a:br>
+            <a:endParaRPr lang="pt-BR" sz="4000" dirty="0"/>
+          </a:p>
+          <a:p>
+            <a:r>
+              <a:rPr lang="pt-BR" sz="4000" dirty="0"/>
+              <a:t>O ponto chave é: </a:t>
+            </a:r>
+            <a:r>
+              <a:rPr lang="pt-BR" sz="4000" b="1" dirty="0"/>
+              <a:t>A Regra de Negócio existe mesmo se o software não existir.</a:t>
+            </a:r>
+            <a:br>
+              <a:rPr lang="pt-BR" sz="4000" b="1" dirty="0"/>
+            </a:br>
+            <a:br>
+              <a:rPr lang="pt-BR" sz="4000" b="1" dirty="0"/>
+            </a:br>
+            <a:r>
+              <a:rPr lang="pt-BR" sz="4000" b="1" dirty="0"/>
+              <a:t>Exemplo: </a:t>
+            </a:r>
+            <a:r>
+              <a:rPr lang="pt-BR" sz="4000" dirty="0"/>
+              <a:t>Meia entrada somente com carteira de estudante.</a:t>
+            </a:r>
+          </a:p>
+        </p:txBody>
+      </p:sp>
+    </p:spTree>
+    <p:extLst>
+      <p:ext uri="{BB962C8B-B14F-4D97-AF65-F5344CB8AC3E}">
+        <p14:creationId xmlns:p14="http://schemas.microsoft.com/office/powerpoint/2010/main" val="3775333069"/>
+      </p:ext>
+    </p:extLst>
+  </p:cSld>
+  <p:clrMapOvr>
+    <a:masterClrMapping/>
+  </p:clrMapOvr>
+</p:sld>
+</file>
+
+<file path=ppt/slides/slide11.xml><?xml version="1.0" encoding="utf-8"?>
+<p:sld xmlns:a="http://schemas.openxmlformats.org/drawingml/2006/main" xmlns:r="http://schemas.openxmlformats.org/officeDocument/2006/relationships" xmlns:p="http://schemas.openxmlformats.org/presentationml/2006/main">
+  <p:cSld>
+    <p:spTree>
+      <p:nvGrpSpPr>
+        <p:cNvPr id="1" name="">
+          <a:extLst>
+            <a:ext uri="{FF2B5EF4-FFF2-40B4-BE49-F238E27FC236}">
               <a16:creationId xmlns:a16="http://schemas.microsoft.com/office/drawing/2014/main" id="{23FCE169-0244-03A0-E180-5E8DF0463976}"/>
             </a:ext>
           </a:extLst>
@@ -10225,7 +11289,7 @@
 </p:sld>
 </file>
 
-<file path=ppt/slides/slide11.xml><?xml version="1.0" encoding="utf-8"?>
+<file path=ppt/slides/slide12.xml><?xml version="1.0" encoding="utf-8"?>
 <p:sld xmlns:a="http://schemas.openxmlformats.org/drawingml/2006/main" xmlns:r="http://schemas.openxmlformats.org/officeDocument/2006/relationships" xmlns:p="http://schemas.openxmlformats.org/presentationml/2006/main">
   <p:cSld>
     <p:spTree>
@@ -11252,7 +12316,7 @@
 </p:sld>
 </file>
 
-<file path=ppt/slides/slide12.xml><?xml version="1.0" encoding="utf-8"?>
+<file path=ppt/slides/slide13.xml><?xml version="1.0" encoding="utf-8"?>
 <p:sld xmlns:a="http://schemas.openxmlformats.org/drawingml/2006/main" xmlns:r="http://schemas.openxmlformats.org/officeDocument/2006/relationships" xmlns:p="http://schemas.openxmlformats.org/presentationml/2006/main">
   <p:cSld>
     <p:spTree>
@@ -12279,7 +13343,7 @@
 </p:sld>
 </file>
 
-<file path=ppt/slides/slide13.xml><?xml version="1.0" encoding="utf-8"?>
+<file path=ppt/slides/slide14.xml><?xml version="1.0" encoding="utf-8"?>
 <p:sld xmlns:a="http://schemas.openxmlformats.org/drawingml/2006/main" xmlns:r="http://schemas.openxmlformats.org/officeDocument/2006/relationships" xmlns:p="http://schemas.openxmlformats.org/presentationml/2006/main">
   <p:cSld>
     <p:spTree>
@@ -13298,7 +14362,7 @@
 </p:sld>
 </file>
 
-<file path=ppt/slides/slide14.xml><?xml version="1.0" encoding="utf-8"?>
+<file path=ppt/slides/slide15.xml><?xml version="1.0" encoding="utf-8"?>
 <p:sld xmlns:a="http://schemas.openxmlformats.org/drawingml/2006/main" xmlns:r="http://schemas.openxmlformats.org/officeDocument/2006/relationships" xmlns:p="http://schemas.openxmlformats.org/presentationml/2006/main">
   <p:cSld>
     <p:spTree>
@@ -14251,7 +15315,7 @@
 </p:sld>
 </file>
 
-<file path=ppt/slides/slide15.xml><?xml version="1.0" encoding="utf-8"?>
+<file path=ppt/slides/slide16.xml><?xml version="1.0" encoding="utf-8"?>
 <p:sld xmlns:a="http://schemas.openxmlformats.org/drawingml/2006/main" xmlns:r="http://schemas.openxmlformats.org/officeDocument/2006/relationships" xmlns:p="http://schemas.openxmlformats.org/presentationml/2006/main">
   <p:cSld>
     <p:spTree>
@@ -17731,7 +18795,7 @@
 </p:sld>
 </file>
 
-<file path=ppt/slides/slide16.xml><?xml version="1.0" encoding="utf-8"?>
+<file path=ppt/slides/slide17.xml><?xml version="1.0" encoding="utf-8"?>
 <p:sld xmlns:a="http://schemas.openxmlformats.org/drawingml/2006/main" xmlns:r="http://schemas.openxmlformats.org/officeDocument/2006/relationships" xmlns:p="http://schemas.openxmlformats.org/presentationml/2006/main">
   <p:cSld>
     <p:spTree>
@@ -21354,7 +22418,7 @@
 </p:sld>
 </file>
 
-<file path=ppt/slides/slide17.xml><?xml version="1.0" encoding="utf-8"?>
+<file path=ppt/slides/slide18.xml><?xml version="1.0" encoding="utf-8"?>
 <p:sld xmlns:a="http://schemas.openxmlformats.org/drawingml/2006/main" xmlns:r="http://schemas.openxmlformats.org/officeDocument/2006/relationships" xmlns:p="http://schemas.openxmlformats.org/presentationml/2006/main">
   <p:cSld>
     <p:spTree>
@@ -24981,7 +26045,7 @@
 </p:sld>
 </file>
 
-<file path=ppt/slides/slide18.xml><?xml version="1.0" encoding="utf-8"?>
+<file path=ppt/slides/slide19.xml><?xml version="1.0" encoding="utf-8"?>
 <p:sld xmlns:a="http://schemas.openxmlformats.org/drawingml/2006/main" xmlns:r="http://schemas.openxmlformats.org/officeDocument/2006/relationships" xmlns:p="http://schemas.openxmlformats.org/presentationml/2006/main">
   <p:cSld>
     <p:spTree>
@@ -28580,7 +29644,3224 @@
 </p:sld>
 </file>
 
-<file path=ppt/slides/slide19.xml><?xml version="1.0" encoding="utf-8"?>
+<file path=ppt/slides/slide2.xml><?xml version="1.0" encoding="utf-8"?>
+<p:sld xmlns:a="http://schemas.openxmlformats.org/drawingml/2006/main" xmlns:r="http://schemas.openxmlformats.org/officeDocument/2006/relationships" xmlns:p="http://schemas.openxmlformats.org/presentationml/2006/main">
+  <p:cSld>
+    <p:spTree>
+      <p:nvGrpSpPr>
+        <p:cNvPr id="1" name="">
+          <a:extLst>
+            <a:ext uri="{FF2B5EF4-FFF2-40B4-BE49-F238E27FC236}">
+              <a16:creationId xmlns:a16="http://schemas.microsoft.com/office/drawing/2014/main" id="{DD27EE7E-4B9E-84FC-A879-3D23CF0BFB5D}"/>
+            </a:ext>
+          </a:extLst>
+        </p:cNvPr>
+        <p:cNvGrpSpPr/>
+        <p:nvPr/>
+      </p:nvGrpSpPr>
+      <p:grpSpPr>
+        <a:xfrm>
+          <a:off x="0" y="0"/>
+          <a:ext cx="0" cy="0"/>
+          <a:chOff x="0" y="0"/>
+          <a:chExt cx="0" cy="0"/>
+        </a:xfrm>
+      </p:grpSpPr>
+      <p:sp>
+        <p:nvSpPr>
+          <p:cNvPr id="2" name="object 2">
+            <a:extLst>
+              <a:ext uri="{FF2B5EF4-FFF2-40B4-BE49-F238E27FC236}">
+                <a16:creationId xmlns:a16="http://schemas.microsoft.com/office/drawing/2014/main" id="{201EAD97-7E48-D804-DF8E-E8432D9ABDDD}"/>
+              </a:ext>
+            </a:extLst>
+          </p:cNvPr>
+          <p:cNvSpPr/>
+          <p:nvPr/>
+        </p:nvSpPr>
+        <p:spPr>
+          <a:xfrm>
+            <a:off x="-14817" y="-378"/>
+            <a:ext cx="20104100" cy="11151870"/>
+          </a:xfrm>
+          <a:custGeom>
+            <a:avLst/>
+            <a:gdLst/>
+            <a:ahLst/>
+            <a:cxnLst/>
+            <a:rect l="l" t="t" r="r" b="b"/>
+            <a:pathLst>
+              <a:path w="20104100" h="11151870">
+                <a:moveTo>
+                  <a:pt x="0" y="11151492"/>
+                </a:moveTo>
+                <a:lnTo>
+                  <a:pt x="20104099" y="11151492"/>
+                </a:lnTo>
+                <a:lnTo>
+                  <a:pt x="20104099" y="0"/>
+                </a:lnTo>
+                <a:lnTo>
+                  <a:pt x="0" y="0"/>
+                </a:lnTo>
+                <a:lnTo>
+                  <a:pt x="0" y="11151492"/>
+                </a:lnTo>
+                <a:close/>
+              </a:path>
+            </a:pathLst>
+          </a:custGeom>
+          <a:solidFill>
+            <a:srgbClr val="1A1A1A"/>
+          </a:solidFill>
+        </p:spPr>
+        <p:txBody>
+          <a:bodyPr wrap="square" lIns="0" tIns="0" rIns="0" bIns="0" rtlCol="0"/>
+          <a:lstStyle/>
+          <a:p>
+            <a:endParaRPr/>
+          </a:p>
+        </p:txBody>
+      </p:sp>
+      <p:grpSp>
+        <p:nvGrpSpPr>
+          <p:cNvPr id="3" name="object 3">
+            <a:extLst>
+              <a:ext uri="{FF2B5EF4-FFF2-40B4-BE49-F238E27FC236}">
+                <a16:creationId xmlns:a16="http://schemas.microsoft.com/office/drawing/2014/main" id="{FE147C2A-AEFD-A4B1-12B7-EAE2931EBD14}"/>
+              </a:ext>
+            </a:extLst>
+          </p:cNvPr>
+          <p:cNvGrpSpPr/>
+          <p:nvPr/>
+        </p:nvGrpSpPr>
+        <p:grpSpPr>
+          <a:xfrm>
+            <a:off x="15364003" y="1047088"/>
+            <a:ext cx="3693160" cy="942975"/>
+            <a:chOff x="15364003" y="1047088"/>
+            <a:chExt cx="3693160" cy="942975"/>
+          </a:xfrm>
+        </p:grpSpPr>
+        <p:sp>
+          <p:nvSpPr>
+            <p:cNvPr id="4" name="object 4">
+              <a:extLst>
+                <a:ext uri="{FF2B5EF4-FFF2-40B4-BE49-F238E27FC236}">
+                  <a16:creationId xmlns:a16="http://schemas.microsoft.com/office/drawing/2014/main" id="{80C93F40-920B-99B6-DD14-BF409634303F}"/>
+                </a:ext>
+              </a:extLst>
+            </p:cNvPr>
+            <p:cNvSpPr/>
+            <p:nvPr/>
+          </p:nvSpPr>
+          <p:spPr>
+            <a:xfrm>
+              <a:off x="15364066" y="1047088"/>
+              <a:ext cx="3693160" cy="942975"/>
+            </a:xfrm>
+            <a:custGeom>
+              <a:avLst/>
+              <a:gdLst/>
+              <a:ahLst/>
+              <a:cxnLst/>
+              <a:rect l="l" t="t" r="r" b="b"/>
+              <a:pathLst>
+                <a:path w="3693159" h="942975">
+                  <a:moveTo>
+                    <a:pt x="3692945" y="0"/>
+                  </a:moveTo>
+                  <a:lnTo>
+                    <a:pt x="0" y="0"/>
+                  </a:lnTo>
+                  <a:lnTo>
+                    <a:pt x="0" y="942379"/>
+                  </a:lnTo>
+                  <a:lnTo>
+                    <a:pt x="3692945" y="942379"/>
+                  </a:lnTo>
+                  <a:lnTo>
+                    <a:pt x="3692945" y="0"/>
+                  </a:lnTo>
+                  <a:close/>
+                </a:path>
+              </a:pathLst>
+            </a:custGeom>
+            <a:solidFill>
+              <a:srgbClr val="E21013"/>
+            </a:solidFill>
+          </p:spPr>
+          <p:txBody>
+            <a:bodyPr wrap="square" lIns="0" tIns="0" rIns="0" bIns="0" rtlCol="0"/>
+            <a:lstStyle/>
+            <a:p>
+              <a:endParaRPr/>
+            </a:p>
+          </p:txBody>
+        </p:sp>
+        <p:sp>
+          <p:nvSpPr>
+            <p:cNvPr id="5" name="object 5">
+              <a:extLst>
+                <a:ext uri="{FF2B5EF4-FFF2-40B4-BE49-F238E27FC236}">
+                  <a16:creationId xmlns:a16="http://schemas.microsoft.com/office/drawing/2014/main" id="{A3AB46CB-D7AF-F4FB-625E-DB63B2FD6A17}"/>
+                </a:ext>
+              </a:extLst>
+            </p:cNvPr>
+            <p:cNvSpPr/>
+            <p:nvPr/>
+          </p:nvSpPr>
+          <p:spPr>
+            <a:xfrm>
+              <a:off x="15364003" y="1167618"/>
+              <a:ext cx="3693160" cy="700405"/>
+            </a:xfrm>
+            <a:custGeom>
+              <a:avLst/>
+              <a:gdLst/>
+              <a:ahLst/>
+              <a:cxnLst/>
+              <a:rect l="l" t="t" r="r" b="b"/>
+              <a:pathLst>
+                <a:path w="3693159" h="700405">
+                  <a:moveTo>
+                    <a:pt x="198348" y="660984"/>
+                  </a:moveTo>
+                  <a:lnTo>
+                    <a:pt x="0" y="660984"/>
+                  </a:lnTo>
+                  <a:lnTo>
+                    <a:pt x="0" y="685812"/>
+                  </a:lnTo>
+                  <a:lnTo>
+                    <a:pt x="198348" y="685812"/>
+                  </a:lnTo>
+                  <a:lnTo>
+                    <a:pt x="198348" y="660984"/>
+                  </a:lnTo>
+                  <a:close/>
+                </a:path>
+                <a:path w="3693159" h="700405">
+                  <a:moveTo>
+                    <a:pt x="198348" y="502246"/>
+                  </a:moveTo>
+                  <a:lnTo>
+                    <a:pt x="0" y="502246"/>
+                  </a:lnTo>
+                  <a:lnTo>
+                    <a:pt x="0" y="527050"/>
+                  </a:lnTo>
+                  <a:lnTo>
+                    <a:pt x="198348" y="527050"/>
+                  </a:lnTo>
+                  <a:lnTo>
+                    <a:pt x="198348" y="502246"/>
+                  </a:lnTo>
+                  <a:close/>
+                </a:path>
+                <a:path w="3693159" h="700405">
+                  <a:moveTo>
+                    <a:pt x="198348" y="337540"/>
+                  </a:moveTo>
+                  <a:lnTo>
+                    <a:pt x="0" y="337540"/>
+                  </a:lnTo>
+                  <a:lnTo>
+                    <a:pt x="0" y="362356"/>
+                  </a:lnTo>
+                  <a:lnTo>
+                    <a:pt x="198348" y="362356"/>
+                  </a:lnTo>
+                  <a:lnTo>
+                    <a:pt x="198348" y="337540"/>
+                  </a:lnTo>
+                  <a:close/>
+                </a:path>
+                <a:path w="3693159" h="700405">
+                  <a:moveTo>
+                    <a:pt x="198348" y="175044"/>
+                  </a:moveTo>
+                  <a:lnTo>
+                    <a:pt x="0" y="175044"/>
+                  </a:lnTo>
+                  <a:lnTo>
+                    <a:pt x="0" y="199898"/>
+                  </a:lnTo>
+                  <a:lnTo>
+                    <a:pt x="198348" y="199898"/>
+                  </a:lnTo>
+                  <a:lnTo>
+                    <a:pt x="198348" y="175044"/>
+                  </a:lnTo>
+                  <a:close/>
+                </a:path>
+                <a:path w="3693159" h="700405">
+                  <a:moveTo>
+                    <a:pt x="198348" y="16789"/>
+                  </a:moveTo>
+                  <a:lnTo>
+                    <a:pt x="0" y="16789"/>
+                  </a:lnTo>
+                  <a:lnTo>
+                    <a:pt x="0" y="41592"/>
+                  </a:lnTo>
+                  <a:lnTo>
+                    <a:pt x="198348" y="41592"/>
+                  </a:lnTo>
+                  <a:lnTo>
+                    <a:pt x="198348" y="16789"/>
+                  </a:lnTo>
+                  <a:close/>
+                </a:path>
+                <a:path w="3693159" h="700405">
+                  <a:moveTo>
+                    <a:pt x="908519" y="161366"/>
+                  </a:moveTo>
+                  <a:lnTo>
+                    <a:pt x="906360" y="130289"/>
+                  </a:lnTo>
+                  <a:lnTo>
+                    <a:pt x="905611" y="119291"/>
+                  </a:lnTo>
+                  <a:lnTo>
+                    <a:pt x="892365" y="84505"/>
+                  </a:lnTo>
+                  <a:lnTo>
+                    <a:pt x="840524" y="34785"/>
+                  </a:lnTo>
+                  <a:lnTo>
+                    <a:pt x="804722" y="18783"/>
+                  </a:lnTo>
+                  <a:lnTo>
+                    <a:pt x="764197" y="8001"/>
+                  </a:lnTo>
+                  <a:lnTo>
+                    <a:pt x="720369" y="1905"/>
+                  </a:lnTo>
+                  <a:lnTo>
+                    <a:pt x="674636" y="0"/>
+                  </a:lnTo>
+                  <a:lnTo>
+                    <a:pt x="627634" y="1714"/>
+                  </a:lnTo>
+                  <a:lnTo>
+                    <a:pt x="580974" y="7264"/>
+                  </a:lnTo>
+                  <a:lnTo>
+                    <a:pt x="535597" y="17233"/>
+                  </a:lnTo>
+                  <a:lnTo>
+                    <a:pt x="492467" y="32207"/>
+                  </a:lnTo>
+                  <a:lnTo>
+                    <a:pt x="452539" y="52793"/>
+                  </a:lnTo>
+                  <a:lnTo>
+                    <a:pt x="416775" y="79552"/>
+                  </a:lnTo>
+                  <a:lnTo>
+                    <a:pt x="386105" y="113106"/>
+                  </a:lnTo>
+                  <a:lnTo>
+                    <a:pt x="361505" y="154012"/>
+                  </a:lnTo>
+                  <a:lnTo>
+                    <a:pt x="343928" y="202895"/>
+                  </a:lnTo>
+                  <a:lnTo>
+                    <a:pt x="339178" y="254914"/>
+                  </a:lnTo>
+                  <a:lnTo>
+                    <a:pt x="348348" y="300837"/>
+                  </a:lnTo>
+                  <a:lnTo>
+                    <a:pt x="371932" y="338734"/>
+                  </a:lnTo>
+                  <a:lnTo>
+                    <a:pt x="410464" y="366699"/>
+                  </a:lnTo>
+                  <a:lnTo>
+                    <a:pt x="460248" y="387223"/>
+                  </a:lnTo>
+                  <a:lnTo>
+                    <a:pt x="508927" y="402183"/>
+                  </a:lnTo>
+                  <a:lnTo>
+                    <a:pt x="594918" y="424510"/>
+                  </a:lnTo>
+                  <a:lnTo>
+                    <a:pt x="628230" y="436435"/>
+                  </a:lnTo>
+                  <a:lnTo>
+                    <a:pt x="652437" y="451891"/>
+                  </a:lnTo>
+                  <a:lnTo>
+                    <a:pt x="665518" y="473189"/>
+                  </a:lnTo>
+                  <a:lnTo>
+                    <a:pt x="665480" y="502577"/>
+                  </a:lnTo>
+                  <a:lnTo>
+                    <a:pt x="650036" y="531888"/>
+                  </a:lnTo>
+                  <a:lnTo>
+                    <a:pt x="622058" y="552818"/>
+                  </a:lnTo>
+                  <a:lnTo>
+                    <a:pt x="587781" y="565378"/>
+                  </a:lnTo>
+                  <a:lnTo>
+                    <a:pt x="553491" y="569556"/>
+                  </a:lnTo>
+                  <a:lnTo>
+                    <a:pt x="508863" y="563194"/>
+                  </a:lnTo>
+                  <a:lnTo>
+                    <a:pt x="477088" y="544436"/>
+                  </a:lnTo>
+                  <a:lnTo>
+                    <a:pt x="460565" y="513829"/>
+                  </a:lnTo>
+                  <a:lnTo>
+                    <a:pt x="461657" y="471868"/>
+                  </a:lnTo>
+                  <a:lnTo>
+                    <a:pt x="275513" y="471868"/>
+                  </a:lnTo>
+                  <a:lnTo>
+                    <a:pt x="269417" y="527735"/>
+                  </a:lnTo>
+                  <a:lnTo>
+                    <a:pt x="274345" y="574230"/>
+                  </a:lnTo>
+                  <a:lnTo>
+                    <a:pt x="289204" y="612089"/>
+                  </a:lnTo>
+                  <a:lnTo>
+                    <a:pt x="312864" y="642086"/>
+                  </a:lnTo>
+                  <a:lnTo>
+                    <a:pt x="344195" y="664946"/>
+                  </a:lnTo>
+                  <a:lnTo>
+                    <a:pt x="382104" y="681418"/>
+                  </a:lnTo>
+                  <a:lnTo>
+                    <a:pt x="425462" y="692264"/>
+                  </a:lnTo>
+                  <a:lnTo>
+                    <a:pt x="473138" y="698233"/>
+                  </a:lnTo>
+                  <a:lnTo>
+                    <a:pt x="524040" y="700049"/>
+                  </a:lnTo>
+                  <a:lnTo>
+                    <a:pt x="575614" y="697547"/>
+                  </a:lnTo>
+                  <a:lnTo>
+                    <a:pt x="626071" y="690016"/>
+                  </a:lnTo>
+                  <a:lnTo>
+                    <a:pt x="674395" y="677392"/>
+                  </a:lnTo>
+                  <a:lnTo>
+                    <a:pt x="719594" y="659612"/>
+                  </a:lnTo>
+                  <a:lnTo>
+                    <a:pt x="760653" y="636625"/>
+                  </a:lnTo>
+                  <a:lnTo>
+                    <a:pt x="796569" y="608368"/>
+                  </a:lnTo>
+                  <a:lnTo>
+                    <a:pt x="826338" y="574776"/>
+                  </a:lnTo>
+                  <a:lnTo>
+                    <a:pt x="829360" y="569556"/>
+                  </a:lnTo>
+                  <a:lnTo>
+                    <a:pt x="848944" y="535813"/>
+                  </a:lnTo>
+                  <a:lnTo>
+                    <a:pt x="863396" y="491388"/>
+                  </a:lnTo>
+                  <a:lnTo>
+                    <a:pt x="869175" y="436956"/>
+                  </a:lnTo>
+                  <a:lnTo>
+                    <a:pt x="862241" y="393573"/>
+                  </a:lnTo>
+                  <a:lnTo>
+                    <a:pt x="844702" y="359727"/>
+                  </a:lnTo>
+                  <a:lnTo>
+                    <a:pt x="786168" y="314388"/>
+                  </a:lnTo>
+                  <a:lnTo>
+                    <a:pt x="749376" y="299808"/>
+                  </a:lnTo>
+                  <a:lnTo>
+                    <a:pt x="710349" y="288569"/>
+                  </a:lnTo>
+                  <a:lnTo>
+                    <a:pt x="633984" y="269887"/>
+                  </a:lnTo>
+                  <a:lnTo>
+                    <a:pt x="598474" y="259105"/>
+                  </a:lnTo>
+                  <a:lnTo>
+                    <a:pt x="566496" y="244411"/>
+                  </a:lnTo>
+                  <a:lnTo>
+                    <a:pt x="545185" y="222910"/>
+                  </a:lnTo>
+                  <a:lnTo>
+                    <a:pt x="541693" y="191706"/>
+                  </a:lnTo>
+                  <a:lnTo>
+                    <a:pt x="553224" y="167970"/>
+                  </a:lnTo>
+                  <a:lnTo>
+                    <a:pt x="574852" y="148424"/>
+                  </a:lnTo>
+                  <a:lnTo>
+                    <a:pt x="603161" y="135166"/>
+                  </a:lnTo>
+                  <a:lnTo>
+                    <a:pt x="634758" y="130289"/>
+                  </a:lnTo>
+                  <a:lnTo>
+                    <a:pt x="656818" y="131673"/>
+                  </a:lnTo>
+                  <a:lnTo>
+                    <a:pt x="701903" y="151714"/>
+                  </a:lnTo>
+                  <a:lnTo>
+                    <a:pt x="716381" y="192925"/>
+                  </a:lnTo>
+                  <a:lnTo>
+                    <a:pt x="713574" y="211251"/>
+                  </a:lnTo>
+                  <a:lnTo>
+                    <a:pt x="899693" y="211251"/>
+                  </a:lnTo>
+                  <a:lnTo>
+                    <a:pt x="908519" y="161366"/>
+                  </a:lnTo>
+                  <a:close/>
+                </a:path>
+                <a:path w="3693159" h="700405">
+                  <a:moveTo>
+                    <a:pt x="1580972" y="13944"/>
+                  </a:moveTo>
+                  <a:lnTo>
+                    <a:pt x="1069098" y="13944"/>
+                  </a:lnTo>
+                  <a:lnTo>
+                    <a:pt x="926249" y="685927"/>
+                  </a:lnTo>
+                  <a:lnTo>
+                    <a:pt x="1438135" y="685927"/>
+                  </a:lnTo>
+                  <a:lnTo>
+                    <a:pt x="1465884" y="555599"/>
+                  </a:lnTo>
+                  <a:lnTo>
+                    <a:pt x="1140129" y="555599"/>
+                  </a:lnTo>
+                  <a:lnTo>
+                    <a:pt x="1170381" y="413207"/>
+                  </a:lnTo>
+                  <a:lnTo>
+                    <a:pt x="1470063" y="413207"/>
+                  </a:lnTo>
+                  <a:lnTo>
+                    <a:pt x="1497672" y="282956"/>
+                  </a:lnTo>
+                  <a:lnTo>
+                    <a:pt x="1197978" y="282956"/>
+                  </a:lnTo>
+                  <a:lnTo>
+                    <a:pt x="1227455" y="144233"/>
+                  </a:lnTo>
+                  <a:lnTo>
+                    <a:pt x="1553210" y="144233"/>
+                  </a:lnTo>
+                  <a:lnTo>
+                    <a:pt x="1580972" y="13944"/>
+                  </a:lnTo>
+                  <a:close/>
+                </a:path>
+                <a:path w="3693159" h="700405">
+                  <a:moveTo>
+                    <a:pt x="2341346" y="13944"/>
+                  </a:moveTo>
+                  <a:lnTo>
+                    <a:pt x="2173833" y="13944"/>
+                  </a:lnTo>
+                  <a:lnTo>
+                    <a:pt x="2067725" y="512775"/>
+                  </a:lnTo>
+                  <a:lnTo>
+                    <a:pt x="2065553" y="514680"/>
+                  </a:lnTo>
+                  <a:lnTo>
+                    <a:pt x="1984070" y="171272"/>
+                  </a:lnTo>
+                  <a:lnTo>
+                    <a:pt x="1946732" y="13944"/>
+                  </a:lnTo>
+                  <a:lnTo>
+                    <a:pt x="1686140" y="13944"/>
+                  </a:lnTo>
+                  <a:lnTo>
+                    <a:pt x="1543278" y="685927"/>
+                  </a:lnTo>
+                  <a:lnTo>
+                    <a:pt x="1710817" y="685927"/>
+                  </a:lnTo>
+                  <a:lnTo>
+                    <a:pt x="1820189" y="171272"/>
+                  </a:lnTo>
+                  <a:lnTo>
+                    <a:pt x="1822030" y="171272"/>
+                  </a:lnTo>
+                  <a:lnTo>
+                    <a:pt x="1940687" y="685927"/>
+                  </a:lnTo>
+                  <a:lnTo>
+                    <a:pt x="2198497" y="685927"/>
+                  </a:lnTo>
+                  <a:lnTo>
+                    <a:pt x="2234895" y="514680"/>
+                  </a:lnTo>
+                  <a:lnTo>
+                    <a:pt x="2341346" y="13944"/>
+                  </a:lnTo>
+                  <a:close/>
+                </a:path>
+                <a:path w="3693159" h="700405">
+                  <a:moveTo>
+                    <a:pt x="3024949" y="685927"/>
+                  </a:moveTo>
+                  <a:lnTo>
+                    <a:pt x="3001048" y="554685"/>
+                  </a:lnTo>
+                  <a:lnTo>
+                    <a:pt x="2977324" y="424395"/>
+                  </a:lnTo>
+                  <a:lnTo>
+                    <a:pt x="2926461" y="145148"/>
+                  </a:lnTo>
+                  <a:lnTo>
+                    <a:pt x="2902572" y="13944"/>
+                  </a:lnTo>
+                  <a:lnTo>
+                    <a:pt x="2779877" y="13944"/>
+                  </a:lnTo>
+                  <a:lnTo>
+                    <a:pt x="2779877" y="424395"/>
+                  </a:lnTo>
+                  <a:lnTo>
+                    <a:pt x="2600248" y="424395"/>
+                  </a:lnTo>
+                  <a:lnTo>
+                    <a:pt x="2750858" y="145148"/>
+                  </a:lnTo>
+                  <a:lnTo>
+                    <a:pt x="2753639" y="145148"/>
+                  </a:lnTo>
+                  <a:lnTo>
+                    <a:pt x="2779877" y="424395"/>
+                  </a:lnTo>
+                  <a:lnTo>
+                    <a:pt x="2779877" y="13944"/>
+                  </a:lnTo>
+                  <a:lnTo>
+                    <a:pt x="2675471" y="13944"/>
+                  </a:lnTo>
+                  <a:lnTo>
+                    <a:pt x="2267343" y="685927"/>
+                  </a:lnTo>
+                  <a:lnTo>
+                    <a:pt x="2453513" y="685927"/>
+                  </a:lnTo>
+                  <a:lnTo>
+                    <a:pt x="2525153" y="554685"/>
+                  </a:lnTo>
+                  <a:lnTo>
+                    <a:pt x="2797873" y="554685"/>
+                  </a:lnTo>
+                  <a:lnTo>
+                    <a:pt x="2814612" y="685927"/>
+                  </a:lnTo>
+                  <a:lnTo>
+                    <a:pt x="3024949" y="685927"/>
+                  </a:lnTo>
+                  <a:close/>
+                </a:path>
+                <a:path w="3693159" h="700405">
+                  <a:moveTo>
+                    <a:pt x="3424669" y="13944"/>
+                  </a:moveTo>
+                  <a:lnTo>
+                    <a:pt x="3238538" y="13944"/>
+                  </a:lnTo>
+                  <a:lnTo>
+                    <a:pt x="3095663" y="685927"/>
+                  </a:lnTo>
+                  <a:lnTo>
+                    <a:pt x="3281819" y="685927"/>
+                  </a:lnTo>
+                  <a:lnTo>
+                    <a:pt x="3424669" y="13944"/>
+                  </a:lnTo>
+                  <a:close/>
+                </a:path>
+                <a:path w="3693159" h="700405">
+                  <a:moveTo>
+                    <a:pt x="3692918" y="660984"/>
+                  </a:moveTo>
+                  <a:lnTo>
+                    <a:pt x="3494570" y="660984"/>
+                  </a:lnTo>
+                  <a:lnTo>
+                    <a:pt x="3494570" y="685812"/>
+                  </a:lnTo>
+                  <a:lnTo>
+                    <a:pt x="3692918" y="685812"/>
+                  </a:lnTo>
+                  <a:lnTo>
+                    <a:pt x="3692918" y="660984"/>
+                  </a:lnTo>
+                  <a:close/>
+                </a:path>
+                <a:path w="3693159" h="700405">
+                  <a:moveTo>
+                    <a:pt x="3692918" y="502246"/>
+                  </a:moveTo>
+                  <a:lnTo>
+                    <a:pt x="3494570" y="502246"/>
+                  </a:lnTo>
+                  <a:lnTo>
+                    <a:pt x="3494570" y="527050"/>
+                  </a:lnTo>
+                  <a:lnTo>
+                    <a:pt x="3692918" y="527050"/>
+                  </a:lnTo>
+                  <a:lnTo>
+                    <a:pt x="3692918" y="502246"/>
+                  </a:lnTo>
+                  <a:close/>
+                </a:path>
+                <a:path w="3693159" h="700405">
+                  <a:moveTo>
+                    <a:pt x="3692918" y="337540"/>
+                  </a:moveTo>
+                  <a:lnTo>
+                    <a:pt x="3494570" y="337540"/>
+                  </a:lnTo>
+                  <a:lnTo>
+                    <a:pt x="3494570" y="362356"/>
+                  </a:lnTo>
+                  <a:lnTo>
+                    <a:pt x="3692918" y="362356"/>
+                  </a:lnTo>
+                  <a:lnTo>
+                    <a:pt x="3692918" y="337540"/>
+                  </a:lnTo>
+                  <a:close/>
+                </a:path>
+                <a:path w="3693159" h="700405">
+                  <a:moveTo>
+                    <a:pt x="3692918" y="175044"/>
+                  </a:moveTo>
+                  <a:lnTo>
+                    <a:pt x="3494570" y="175044"/>
+                  </a:lnTo>
+                  <a:lnTo>
+                    <a:pt x="3494570" y="199898"/>
+                  </a:lnTo>
+                  <a:lnTo>
+                    <a:pt x="3692918" y="199898"/>
+                  </a:lnTo>
+                  <a:lnTo>
+                    <a:pt x="3692918" y="175044"/>
+                  </a:lnTo>
+                  <a:close/>
+                </a:path>
+                <a:path w="3693159" h="700405">
+                  <a:moveTo>
+                    <a:pt x="3692918" y="16789"/>
+                  </a:moveTo>
+                  <a:lnTo>
+                    <a:pt x="3494570" y="16789"/>
+                  </a:lnTo>
+                  <a:lnTo>
+                    <a:pt x="3494570" y="41592"/>
+                  </a:lnTo>
+                  <a:lnTo>
+                    <a:pt x="3692918" y="41592"/>
+                  </a:lnTo>
+                  <a:lnTo>
+                    <a:pt x="3692918" y="16789"/>
+                  </a:lnTo>
+                  <a:close/>
+                </a:path>
+              </a:pathLst>
+            </a:custGeom>
+            <a:solidFill>
+              <a:srgbClr val="FFFFFF"/>
+            </a:solidFill>
+          </p:spPr>
+          <p:txBody>
+            <a:bodyPr wrap="square" lIns="0" tIns="0" rIns="0" bIns="0" rtlCol="0"/>
+            <a:lstStyle/>
+            <a:p>
+              <a:endParaRPr/>
+            </a:p>
+          </p:txBody>
+        </p:sp>
+      </p:grpSp>
+      <p:sp>
+        <p:nvSpPr>
+          <p:cNvPr id="6" name="object 6">
+            <a:extLst>
+              <a:ext uri="{FF2B5EF4-FFF2-40B4-BE49-F238E27FC236}">
+                <a16:creationId xmlns:a16="http://schemas.microsoft.com/office/drawing/2014/main" id="{A8847225-EA29-B263-4AAB-7A6A07F4A722}"/>
+              </a:ext>
+            </a:extLst>
+          </p:cNvPr>
+          <p:cNvSpPr/>
+          <p:nvPr/>
+        </p:nvSpPr>
+        <p:spPr>
+          <a:xfrm>
+            <a:off x="1047088" y="1047088"/>
+            <a:ext cx="0" cy="1466215"/>
+          </a:xfrm>
+          <a:custGeom>
+            <a:avLst/>
+            <a:gdLst/>
+            <a:ahLst/>
+            <a:cxnLst/>
+            <a:rect l="l" t="t" r="r" b="b"/>
+            <a:pathLst>
+              <a:path h="1466214">
+                <a:moveTo>
+                  <a:pt x="0" y="0"/>
+                </a:moveTo>
+                <a:lnTo>
+                  <a:pt x="0" y="1465923"/>
+                </a:lnTo>
+              </a:path>
+            </a:pathLst>
+          </a:custGeom>
+          <a:ln w="104708">
+            <a:solidFill>
+              <a:srgbClr val="C1272C"/>
+            </a:solidFill>
+          </a:ln>
+        </p:spPr>
+        <p:txBody>
+          <a:bodyPr wrap="square" lIns="0" tIns="0" rIns="0" bIns="0" rtlCol="0"/>
+          <a:lstStyle/>
+          <a:p>
+            <a:endParaRPr/>
+          </a:p>
+        </p:txBody>
+      </p:sp>
+      <p:sp>
+        <p:nvSpPr>
+          <p:cNvPr id="7" name="object 7">
+            <a:extLst>
+              <a:ext uri="{FF2B5EF4-FFF2-40B4-BE49-F238E27FC236}">
+                <a16:creationId xmlns:a16="http://schemas.microsoft.com/office/drawing/2014/main" id="{FBC0A9A9-0832-B2FC-B348-49820B93E2C8}"/>
+              </a:ext>
+            </a:extLst>
+          </p:cNvPr>
+          <p:cNvSpPr/>
+          <p:nvPr/>
+        </p:nvSpPr>
+        <p:spPr>
+          <a:xfrm>
+            <a:off x="0" y="11151492"/>
+            <a:ext cx="20104100" cy="157480"/>
+          </a:xfrm>
+          <a:custGeom>
+            <a:avLst/>
+            <a:gdLst/>
+            <a:ahLst/>
+            <a:cxnLst/>
+            <a:rect l="l" t="t" r="r" b="b"/>
+            <a:pathLst>
+              <a:path w="20104100" h="157479">
+                <a:moveTo>
+                  <a:pt x="20104099" y="0"/>
+                </a:moveTo>
+                <a:lnTo>
+                  <a:pt x="0" y="0"/>
+                </a:lnTo>
+                <a:lnTo>
+                  <a:pt x="0" y="157063"/>
+                </a:lnTo>
+                <a:lnTo>
+                  <a:pt x="20104099" y="157063"/>
+                </a:lnTo>
+                <a:lnTo>
+                  <a:pt x="20104099" y="0"/>
+                </a:lnTo>
+                <a:close/>
+              </a:path>
+            </a:pathLst>
+          </a:custGeom>
+          <a:solidFill>
+            <a:srgbClr val="C1272C"/>
+          </a:solidFill>
+        </p:spPr>
+        <p:txBody>
+          <a:bodyPr wrap="square" lIns="0" tIns="0" rIns="0" bIns="0" rtlCol="0"/>
+          <a:lstStyle/>
+          <a:p>
+            <a:endParaRPr/>
+          </a:p>
+        </p:txBody>
+      </p:sp>
+      <p:sp>
+        <p:nvSpPr>
+          <p:cNvPr id="8" name="object 8">
+            <a:extLst>
+              <a:ext uri="{FF2B5EF4-FFF2-40B4-BE49-F238E27FC236}">
+                <a16:creationId xmlns:a16="http://schemas.microsoft.com/office/drawing/2014/main" id="{5F5C4AF6-1144-D15E-8D31-C4DDA4EDC3D4}"/>
+              </a:ext>
+            </a:extLst>
+          </p:cNvPr>
+          <p:cNvSpPr/>
+          <p:nvPr/>
+        </p:nvSpPr>
+        <p:spPr>
+          <a:xfrm>
+            <a:off x="17957569" y="10366176"/>
+            <a:ext cx="52705" cy="52705"/>
+          </a:xfrm>
+          <a:custGeom>
+            <a:avLst/>
+            <a:gdLst/>
+            <a:ahLst/>
+            <a:cxnLst/>
+            <a:rect l="l" t="t" r="r" b="b"/>
+            <a:pathLst>
+              <a:path w="52705" h="52704">
+                <a:moveTo>
+                  <a:pt x="26177" y="0"/>
+                </a:moveTo>
+                <a:lnTo>
+                  <a:pt x="15986" y="2056"/>
+                </a:lnTo>
+                <a:lnTo>
+                  <a:pt x="7665" y="7665"/>
+                </a:lnTo>
+                <a:lnTo>
+                  <a:pt x="2056" y="15986"/>
+                </a:lnTo>
+                <a:lnTo>
+                  <a:pt x="0" y="26177"/>
+                </a:lnTo>
+                <a:lnTo>
+                  <a:pt x="2056" y="36367"/>
+                </a:lnTo>
+                <a:lnTo>
+                  <a:pt x="7665" y="44688"/>
+                </a:lnTo>
+                <a:lnTo>
+                  <a:pt x="15986" y="50297"/>
+                </a:lnTo>
+                <a:lnTo>
+                  <a:pt x="26177" y="52354"/>
+                </a:lnTo>
+                <a:lnTo>
+                  <a:pt x="36367" y="50297"/>
+                </a:lnTo>
+                <a:lnTo>
+                  <a:pt x="44688" y="44688"/>
+                </a:lnTo>
+                <a:lnTo>
+                  <a:pt x="50297" y="36367"/>
+                </a:lnTo>
+                <a:lnTo>
+                  <a:pt x="52354" y="26177"/>
+                </a:lnTo>
+                <a:lnTo>
+                  <a:pt x="50297" y="15986"/>
+                </a:lnTo>
+                <a:lnTo>
+                  <a:pt x="44688" y="7665"/>
+                </a:lnTo>
+                <a:lnTo>
+                  <a:pt x="36367" y="2056"/>
+                </a:lnTo>
+                <a:lnTo>
+                  <a:pt x="26177" y="0"/>
+                </a:lnTo>
+                <a:close/>
+              </a:path>
+            </a:pathLst>
+          </a:custGeom>
+          <a:solidFill>
+            <a:srgbClr val="C1272C"/>
+          </a:solidFill>
+        </p:spPr>
+        <p:txBody>
+          <a:bodyPr wrap="square" lIns="0" tIns="0" rIns="0" bIns="0" rtlCol="0"/>
+          <a:lstStyle/>
+          <a:p>
+            <a:endParaRPr/>
+          </a:p>
+        </p:txBody>
+      </p:sp>
+      <p:sp>
+        <p:nvSpPr>
+          <p:cNvPr id="9" name="object 9">
+            <a:extLst>
+              <a:ext uri="{FF2B5EF4-FFF2-40B4-BE49-F238E27FC236}">
+                <a16:creationId xmlns:a16="http://schemas.microsoft.com/office/drawing/2014/main" id="{14A75463-75D1-30ED-7BE3-9BB6D9872C01}"/>
+              </a:ext>
+            </a:extLst>
+          </p:cNvPr>
+          <p:cNvSpPr/>
+          <p:nvPr/>
+        </p:nvSpPr>
+        <p:spPr>
+          <a:xfrm>
+            <a:off x="17957569" y="10104404"/>
+            <a:ext cx="52705" cy="52705"/>
+          </a:xfrm>
+          <a:custGeom>
+            <a:avLst/>
+            <a:gdLst/>
+            <a:ahLst/>
+            <a:cxnLst/>
+            <a:rect l="l" t="t" r="r" b="b"/>
+            <a:pathLst>
+              <a:path w="52705" h="52704">
+                <a:moveTo>
+                  <a:pt x="26177" y="0"/>
+                </a:moveTo>
+                <a:lnTo>
+                  <a:pt x="15986" y="2056"/>
+                </a:lnTo>
+                <a:lnTo>
+                  <a:pt x="7665" y="7665"/>
+                </a:lnTo>
+                <a:lnTo>
+                  <a:pt x="2056" y="15986"/>
+                </a:lnTo>
+                <a:lnTo>
+                  <a:pt x="0" y="26177"/>
+                </a:lnTo>
+                <a:lnTo>
+                  <a:pt x="2056" y="36367"/>
+                </a:lnTo>
+                <a:lnTo>
+                  <a:pt x="7665" y="44688"/>
+                </a:lnTo>
+                <a:lnTo>
+                  <a:pt x="15986" y="50297"/>
+                </a:lnTo>
+                <a:lnTo>
+                  <a:pt x="26177" y="52354"/>
+                </a:lnTo>
+                <a:lnTo>
+                  <a:pt x="36367" y="50297"/>
+                </a:lnTo>
+                <a:lnTo>
+                  <a:pt x="44688" y="44688"/>
+                </a:lnTo>
+                <a:lnTo>
+                  <a:pt x="50297" y="36367"/>
+                </a:lnTo>
+                <a:lnTo>
+                  <a:pt x="52354" y="26177"/>
+                </a:lnTo>
+                <a:lnTo>
+                  <a:pt x="50297" y="15986"/>
+                </a:lnTo>
+                <a:lnTo>
+                  <a:pt x="44688" y="7665"/>
+                </a:lnTo>
+                <a:lnTo>
+                  <a:pt x="36367" y="2056"/>
+                </a:lnTo>
+                <a:lnTo>
+                  <a:pt x="26177" y="0"/>
+                </a:lnTo>
+                <a:close/>
+              </a:path>
+            </a:pathLst>
+          </a:custGeom>
+          <a:solidFill>
+            <a:srgbClr val="C1272C"/>
+          </a:solidFill>
+        </p:spPr>
+        <p:txBody>
+          <a:bodyPr wrap="square" lIns="0" tIns="0" rIns="0" bIns="0" rtlCol="0"/>
+          <a:lstStyle/>
+          <a:p>
+            <a:endParaRPr/>
+          </a:p>
+        </p:txBody>
+      </p:sp>
+      <p:sp>
+        <p:nvSpPr>
+          <p:cNvPr id="10" name="object 10">
+            <a:extLst>
+              <a:ext uri="{FF2B5EF4-FFF2-40B4-BE49-F238E27FC236}">
+                <a16:creationId xmlns:a16="http://schemas.microsoft.com/office/drawing/2014/main" id="{46A9B463-D921-6C9C-78FA-4B9CFED140CB}"/>
+              </a:ext>
+            </a:extLst>
+          </p:cNvPr>
+          <p:cNvSpPr/>
+          <p:nvPr/>
+        </p:nvSpPr>
+        <p:spPr>
+          <a:xfrm>
+            <a:off x="17957569" y="9842632"/>
+            <a:ext cx="52705" cy="52705"/>
+          </a:xfrm>
+          <a:custGeom>
+            <a:avLst/>
+            <a:gdLst/>
+            <a:ahLst/>
+            <a:cxnLst/>
+            <a:rect l="l" t="t" r="r" b="b"/>
+            <a:pathLst>
+              <a:path w="52705" h="52704">
+                <a:moveTo>
+                  <a:pt x="26177" y="0"/>
+                </a:moveTo>
+                <a:lnTo>
+                  <a:pt x="15986" y="2056"/>
+                </a:lnTo>
+                <a:lnTo>
+                  <a:pt x="7665" y="7665"/>
+                </a:lnTo>
+                <a:lnTo>
+                  <a:pt x="2056" y="15986"/>
+                </a:lnTo>
+                <a:lnTo>
+                  <a:pt x="0" y="26177"/>
+                </a:lnTo>
+                <a:lnTo>
+                  <a:pt x="2056" y="36367"/>
+                </a:lnTo>
+                <a:lnTo>
+                  <a:pt x="7665" y="44688"/>
+                </a:lnTo>
+                <a:lnTo>
+                  <a:pt x="15986" y="50297"/>
+                </a:lnTo>
+                <a:lnTo>
+                  <a:pt x="26177" y="52354"/>
+                </a:lnTo>
+                <a:lnTo>
+                  <a:pt x="36367" y="50297"/>
+                </a:lnTo>
+                <a:lnTo>
+                  <a:pt x="44688" y="44688"/>
+                </a:lnTo>
+                <a:lnTo>
+                  <a:pt x="50297" y="36367"/>
+                </a:lnTo>
+                <a:lnTo>
+                  <a:pt x="52354" y="26177"/>
+                </a:lnTo>
+                <a:lnTo>
+                  <a:pt x="50297" y="15986"/>
+                </a:lnTo>
+                <a:lnTo>
+                  <a:pt x="44688" y="7665"/>
+                </a:lnTo>
+                <a:lnTo>
+                  <a:pt x="36367" y="2056"/>
+                </a:lnTo>
+                <a:lnTo>
+                  <a:pt x="26177" y="0"/>
+                </a:lnTo>
+                <a:close/>
+              </a:path>
+            </a:pathLst>
+          </a:custGeom>
+          <a:solidFill>
+            <a:srgbClr val="C1272C"/>
+          </a:solidFill>
+        </p:spPr>
+        <p:txBody>
+          <a:bodyPr wrap="square" lIns="0" tIns="0" rIns="0" bIns="0" rtlCol="0"/>
+          <a:lstStyle/>
+          <a:p>
+            <a:endParaRPr/>
+          </a:p>
+        </p:txBody>
+      </p:sp>
+      <p:sp>
+        <p:nvSpPr>
+          <p:cNvPr id="11" name="object 11">
+            <a:extLst>
+              <a:ext uri="{FF2B5EF4-FFF2-40B4-BE49-F238E27FC236}">
+                <a16:creationId xmlns:a16="http://schemas.microsoft.com/office/drawing/2014/main" id="{06B2C8C6-D565-5BB4-2118-BDD5919A82CE}"/>
+              </a:ext>
+            </a:extLst>
+          </p:cNvPr>
+          <p:cNvSpPr/>
+          <p:nvPr/>
+        </p:nvSpPr>
+        <p:spPr>
+          <a:xfrm>
+            <a:off x="18219340" y="10366176"/>
+            <a:ext cx="52705" cy="52705"/>
+          </a:xfrm>
+          <a:custGeom>
+            <a:avLst/>
+            <a:gdLst/>
+            <a:ahLst/>
+            <a:cxnLst/>
+            <a:rect l="l" t="t" r="r" b="b"/>
+            <a:pathLst>
+              <a:path w="52705" h="52704">
+                <a:moveTo>
+                  <a:pt x="26177" y="0"/>
+                </a:moveTo>
+                <a:lnTo>
+                  <a:pt x="15986" y="2056"/>
+                </a:lnTo>
+                <a:lnTo>
+                  <a:pt x="7665" y="7665"/>
+                </a:lnTo>
+                <a:lnTo>
+                  <a:pt x="2056" y="15986"/>
+                </a:lnTo>
+                <a:lnTo>
+                  <a:pt x="0" y="26177"/>
+                </a:lnTo>
+                <a:lnTo>
+                  <a:pt x="2056" y="36367"/>
+                </a:lnTo>
+                <a:lnTo>
+                  <a:pt x="7665" y="44688"/>
+                </a:lnTo>
+                <a:lnTo>
+                  <a:pt x="15986" y="50297"/>
+                </a:lnTo>
+                <a:lnTo>
+                  <a:pt x="26177" y="52354"/>
+                </a:lnTo>
+                <a:lnTo>
+                  <a:pt x="36367" y="50297"/>
+                </a:lnTo>
+                <a:lnTo>
+                  <a:pt x="44688" y="44688"/>
+                </a:lnTo>
+                <a:lnTo>
+                  <a:pt x="50297" y="36367"/>
+                </a:lnTo>
+                <a:lnTo>
+                  <a:pt x="52354" y="26177"/>
+                </a:lnTo>
+                <a:lnTo>
+                  <a:pt x="50297" y="15986"/>
+                </a:lnTo>
+                <a:lnTo>
+                  <a:pt x="44688" y="7665"/>
+                </a:lnTo>
+                <a:lnTo>
+                  <a:pt x="36367" y="2056"/>
+                </a:lnTo>
+                <a:lnTo>
+                  <a:pt x="26177" y="0"/>
+                </a:lnTo>
+                <a:close/>
+              </a:path>
+            </a:pathLst>
+          </a:custGeom>
+          <a:solidFill>
+            <a:srgbClr val="C1272C"/>
+          </a:solidFill>
+        </p:spPr>
+        <p:txBody>
+          <a:bodyPr wrap="square" lIns="0" tIns="0" rIns="0" bIns="0" rtlCol="0"/>
+          <a:lstStyle/>
+          <a:p>
+            <a:endParaRPr/>
+          </a:p>
+        </p:txBody>
+      </p:sp>
+      <p:sp>
+        <p:nvSpPr>
+          <p:cNvPr id="12" name="object 12">
+            <a:extLst>
+              <a:ext uri="{FF2B5EF4-FFF2-40B4-BE49-F238E27FC236}">
+                <a16:creationId xmlns:a16="http://schemas.microsoft.com/office/drawing/2014/main" id="{A9B9CD50-41A5-5E01-1AA2-EFE2065620E1}"/>
+              </a:ext>
+            </a:extLst>
+          </p:cNvPr>
+          <p:cNvSpPr/>
+          <p:nvPr/>
+        </p:nvSpPr>
+        <p:spPr>
+          <a:xfrm>
+            <a:off x="18219340" y="10104404"/>
+            <a:ext cx="52705" cy="52705"/>
+          </a:xfrm>
+          <a:custGeom>
+            <a:avLst/>
+            <a:gdLst/>
+            <a:ahLst/>
+            <a:cxnLst/>
+            <a:rect l="l" t="t" r="r" b="b"/>
+            <a:pathLst>
+              <a:path w="52705" h="52704">
+                <a:moveTo>
+                  <a:pt x="26177" y="0"/>
+                </a:moveTo>
+                <a:lnTo>
+                  <a:pt x="15986" y="2056"/>
+                </a:lnTo>
+                <a:lnTo>
+                  <a:pt x="7665" y="7665"/>
+                </a:lnTo>
+                <a:lnTo>
+                  <a:pt x="2056" y="15986"/>
+                </a:lnTo>
+                <a:lnTo>
+                  <a:pt x="0" y="26177"/>
+                </a:lnTo>
+                <a:lnTo>
+                  <a:pt x="2056" y="36367"/>
+                </a:lnTo>
+                <a:lnTo>
+                  <a:pt x="7665" y="44688"/>
+                </a:lnTo>
+                <a:lnTo>
+                  <a:pt x="15986" y="50297"/>
+                </a:lnTo>
+                <a:lnTo>
+                  <a:pt x="26177" y="52354"/>
+                </a:lnTo>
+                <a:lnTo>
+                  <a:pt x="36367" y="50297"/>
+                </a:lnTo>
+                <a:lnTo>
+                  <a:pt x="44688" y="44688"/>
+                </a:lnTo>
+                <a:lnTo>
+                  <a:pt x="50297" y="36367"/>
+                </a:lnTo>
+                <a:lnTo>
+                  <a:pt x="52354" y="26177"/>
+                </a:lnTo>
+                <a:lnTo>
+                  <a:pt x="50297" y="15986"/>
+                </a:lnTo>
+                <a:lnTo>
+                  <a:pt x="44688" y="7665"/>
+                </a:lnTo>
+                <a:lnTo>
+                  <a:pt x="36367" y="2056"/>
+                </a:lnTo>
+                <a:lnTo>
+                  <a:pt x="26177" y="0"/>
+                </a:lnTo>
+                <a:close/>
+              </a:path>
+            </a:pathLst>
+          </a:custGeom>
+          <a:solidFill>
+            <a:srgbClr val="C1272C"/>
+          </a:solidFill>
+        </p:spPr>
+        <p:txBody>
+          <a:bodyPr wrap="square" lIns="0" tIns="0" rIns="0" bIns="0" rtlCol="0"/>
+          <a:lstStyle/>
+          <a:p>
+            <a:endParaRPr/>
+          </a:p>
+        </p:txBody>
+      </p:sp>
+      <p:sp>
+        <p:nvSpPr>
+          <p:cNvPr id="13" name="object 13">
+            <a:extLst>
+              <a:ext uri="{FF2B5EF4-FFF2-40B4-BE49-F238E27FC236}">
+                <a16:creationId xmlns:a16="http://schemas.microsoft.com/office/drawing/2014/main" id="{1D8A778E-9BD6-1B80-64AE-178F9B6F541A}"/>
+              </a:ext>
+            </a:extLst>
+          </p:cNvPr>
+          <p:cNvSpPr/>
+          <p:nvPr/>
+        </p:nvSpPr>
+        <p:spPr>
+          <a:xfrm>
+            <a:off x="18219340" y="9842632"/>
+            <a:ext cx="52705" cy="52705"/>
+          </a:xfrm>
+          <a:custGeom>
+            <a:avLst/>
+            <a:gdLst/>
+            <a:ahLst/>
+            <a:cxnLst/>
+            <a:rect l="l" t="t" r="r" b="b"/>
+            <a:pathLst>
+              <a:path w="52705" h="52704">
+                <a:moveTo>
+                  <a:pt x="26177" y="0"/>
+                </a:moveTo>
+                <a:lnTo>
+                  <a:pt x="15986" y="2056"/>
+                </a:lnTo>
+                <a:lnTo>
+                  <a:pt x="7665" y="7665"/>
+                </a:lnTo>
+                <a:lnTo>
+                  <a:pt x="2056" y="15986"/>
+                </a:lnTo>
+                <a:lnTo>
+                  <a:pt x="0" y="26177"/>
+                </a:lnTo>
+                <a:lnTo>
+                  <a:pt x="2056" y="36367"/>
+                </a:lnTo>
+                <a:lnTo>
+                  <a:pt x="7665" y="44688"/>
+                </a:lnTo>
+                <a:lnTo>
+                  <a:pt x="15986" y="50297"/>
+                </a:lnTo>
+                <a:lnTo>
+                  <a:pt x="26177" y="52354"/>
+                </a:lnTo>
+                <a:lnTo>
+                  <a:pt x="36367" y="50297"/>
+                </a:lnTo>
+                <a:lnTo>
+                  <a:pt x="44688" y="44688"/>
+                </a:lnTo>
+                <a:lnTo>
+                  <a:pt x="50297" y="36367"/>
+                </a:lnTo>
+                <a:lnTo>
+                  <a:pt x="52354" y="26177"/>
+                </a:lnTo>
+                <a:lnTo>
+                  <a:pt x="50297" y="15986"/>
+                </a:lnTo>
+                <a:lnTo>
+                  <a:pt x="44688" y="7665"/>
+                </a:lnTo>
+                <a:lnTo>
+                  <a:pt x="36367" y="2056"/>
+                </a:lnTo>
+                <a:lnTo>
+                  <a:pt x="26177" y="0"/>
+                </a:lnTo>
+                <a:close/>
+              </a:path>
+            </a:pathLst>
+          </a:custGeom>
+          <a:solidFill>
+            <a:srgbClr val="C1272C"/>
+          </a:solidFill>
+        </p:spPr>
+        <p:txBody>
+          <a:bodyPr wrap="square" lIns="0" tIns="0" rIns="0" bIns="0" rtlCol="0"/>
+          <a:lstStyle/>
+          <a:p>
+            <a:endParaRPr/>
+          </a:p>
+        </p:txBody>
+      </p:sp>
+      <p:sp>
+        <p:nvSpPr>
+          <p:cNvPr id="14" name="object 14">
+            <a:extLst>
+              <a:ext uri="{FF2B5EF4-FFF2-40B4-BE49-F238E27FC236}">
+                <a16:creationId xmlns:a16="http://schemas.microsoft.com/office/drawing/2014/main" id="{3ECCEAFB-96A9-BD83-94C2-01C46CAD6E23}"/>
+              </a:ext>
+            </a:extLst>
+          </p:cNvPr>
+          <p:cNvSpPr/>
+          <p:nvPr/>
+        </p:nvSpPr>
+        <p:spPr>
+          <a:xfrm>
+            <a:off x="18481112" y="10366176"/>
+            <a:ext cx="52705" cy="52705"/>
+          </a:xfrm>
+          <a:custGeom>
+            <a:avLst/>
+            <a:gdLst/>
+            <a:ahLst/>
+            <a:cxnLst/>
+            <a:rect l="l" t="t" r="r" b="b"/>
+            <a:pathLst>
+              <a:path w="52705" h="52704">
+                <a:moveTo>
+                  <a:pt x="26177" y="0"/>
+                </a:moveTo>
+                <a:lnTo>
+                  <a:pt x="15986" y="2056"/>
+                </a:lnTo>
+                <a:lnTo>
+                  <a:pt x="7665" y="7665"/>
+                </a:lnTo>
+                <a:lnTo>
+                  <a:pt x="2056" y="15986"/>
+                </a:lnTo>
+                <a:lnTo>
+                  <a:pt x="0" y="26177"/>
+                </a:lnTo>
+                <a:lnTo>
+                  <a:pt x="2056" y="36367"/>
+                </a:lnTo>
+                <a:lnTo>
+                  <a:pt x="7665" y="44688"/>
+                </a:lnTo>
+                <a:lnTo>
+                  <a:pt x="15986" y="50297"/>
+                </a:lnTo>
+                <a:lnTo>
+                  <a:pt x="26177" y="52354"/>
+                </a:lnTo>
+                <a:lnTo>
+                  <a:pt x="36367" y="50297"/>
+                </a:lnTo>
+                <a:lnTo>
+                  <a:pt x="44688" y="44688"/>
+                </a:lnTo>
+                <a:lnTo>
+                  <a:pt x="50297" y="36367"/>
+                </a:lnTo>
+                <a:lnTo>
+                  <a:pt x="52354" y="26177"/>
+                </a:lnTo>
+                <a:lnTo>
+                  <a:pt x="50297" y="15986"/>
+                </a:lnTo>
+                <a:lnTo>
+                  <a:pt x="44688" y="7665"/>
+                </a:lnTo>
+                <a:lnTo>
+                  <a:pt x="36367" y="2056"/>
+                </a:lnTo>
+                <a:lnTo>
+                  <a:pt x="26177" y="0"/>
+                </a:lnTo>
+                <a:close/>
+              </a:path>
+            </a:pathLst>
+          </a:custGeom>
+          <a:solidFill>
+            <a:srgbClr val="C1272C"/>
+          </a:solidFill>
+        </p:spPr>
+        <p:txBody>
+          <a:bodyPr wrap="square" lIns="0" tIns="0" rIns="0" bIns="0" rtlCol="0"/>
+          <a:lstStyle/>
+          <a:p>
+            <a:endParaRPr/>
+          </a:p>
+        </p:txBody>
+      </p:sp>
+      <p:sp>
+        <p:nvSpPr>
+          <p:cNvPr id="15" name="object 15">
+            <a:extLst>
+              <a:ext uri="{FF2B5EF4-FFF2-40B4-BE49-F238E27FC236}">
+                <a16:creationId xmlns:a16="http://schemas.microsoft.com/office/drawing/2014/main" id="{EEEC3AB2-45CC-0515-2441-B58A9C0C49F1}"/>
+              </a:ext>
+            </a:extLst>
+          </p:cNvPr>
+          <p:cNvSpPr/>
+          <p:nvPr/>
+        </p:nvSpPr>
+        <p:spPr>
+          <a:xfrm>
+            <a:off x="18481112" y="10104404"/>
+            <a:ext cx="52705" cy="52705"/>
+          </a:xfrm>
+          <a:custGeom>
+            <a:avLst/>
+            <a:gdLst/>
+            <a:ahLst/>
+            <a:cxnLst/>
+            <a:rect l="l" t="t" r="r" b="b"/>
+            <a:pathLst>
+              <a:path w="52705" h="52704">
+                <a:moveTo>
+                  <a:pt x="26177" y="0"/>
+                </a:moveTo>
+                <a:lnTo>
+                  <a:pt x="15986" y="2056"/>
+                </a:lnTo>
+                <a:lnTo>
+                  <a:pt x="7665" y="7665"/>
+                </a:lnTo>
+                <a:lnTo>
+                  <a:pt x="2056" y="15986"/>
+                </a:lnTo>
+                <a:lnTo>
+                  <a:pt x="0" y="26177"/>
+                </a:lnTo>
+                <a:lnTo>
+                  <a:pt x="2056" y="36367"/>
+                </a:lnTo>
+                <a:lnTo>
+                  <a:pt x="7665" y="44688"/>
+                </a:lnTo>
+                <a:lnTo>
+                  <a:pt x="15986" y="50297"/>
+                </a:lnTo>
+                <a:lnTo>
+                  <a:pt x="26177" y="52354"/>
+                </a:lnTo>
+                <a:lnTo>
+                  <a:pt x="36367" y="50297"/>
+                </a:lnTo>
+                <a:lnTo>
+                  <a:pt x="44688" y="44688"/>
+                </a:lnTo>
+                <a:lnTo>
+                  <a:pt x="50297" y="36367"/>
+                </a:lnTo>
+                <a:lnTo>
+                  <a:pt x="52354" y="26177"/>
+                </a:lnTo>
+                <a:lnTo>
+                  <a:pt x="50297" y="15986"/>
+                </a:lnTo>
+                <a:lnTo>
+                  <a:pt x="44688" y="7665"/>
+                </a:lnTo>
+                <a:lnTo>
+                  <a:pt x="36367" y="2056"/>
+                </a:lnTo>
+                <a:lnTo>
+                  <a:pt x="26177" y="0"/>
+                </a:lnTo>
+                <a:close/>
+              </a:path>
+            </a:pathLst>
+          </a:custGeom>
+          <a:solidFill>
+            <a:srgbClr val="C1272C"/>
+          </a:solidFill>
+        </p:spPr>
+        <p:txBody>
+          <a:bodyPr wrap="square" lIns="0" tIns="0" rIns="0" bIns="0" rtlCol="0"/>
+          <a:lstStyle/>
+          <a:p>
+            <a:endParaRPr/>
+          </a:p>
+        </p:txBody>
+      </p:sp>
+      <p:sp>
+        <p:nvSpPr>
+          <p:cNvPr id="16" name="object 16">
+            <a:extLst>
+              <a:ext uri="{FF2B5EF4-FFF2-40B4-BE49-F238E27FC236}">
+                <a16:creationId xmlns:a16="http://schemas.microsoft.com/office/drawing/2014/main" id="{B7F582F1-4263-BA22-A0B1-44D65A249821}"/>
+              </a:ext>
+            </a:extLst>
+          </p:cNvPr>
+          <p:cNvSpPr/>
+          <p:nvPr/>
+        </p:nvSpPr>
+        <p:spPr>
+          <a:xfrm>
+            <a:off x="18481112" y="9842632"/>
+            <a:ext cx="52705" cy="52705"/>
+          </a:xfrm>
+          <a:custGeom>
+            <a:avLst/>
+            <a:gdLst/>
+            <a:ahLst/>
+            <a:cxnLst/>
+            <a:rect l="l" t="t" r="r" b="b"/>
+            <a:pathLst>
+              <a:path w="52705" h="52704">
+                <a:moveTo>
+                  <a:pt x="26177" y="0"/>
+                </a:moveTo>
+                <a:lnTo>
+                  <a:pt x="15986" y="2056"/>
+                </a:lnTo>
+                <a:lnTo>
+                  <a:pt x="7665" y="7665"/>
+                </a:lnTo>
+                <a:lnTo>
+                  <a:pt x="2056" y="15986"/>
+                </a:lnTo>
+                <a:lnTo>
+                  <a:pt x="0" y="26177"/>
+                </a:lnTo>
+                <a:lnTo>
+                  <a:pt x="2056" y="36367"/>
+                </a:lnTo>
+                <a:lnTo>
+                  <a:pt x="7665" y="44688"/>
+                </a:lnTo>
+                <a:lnTo>
+                  <a:pt x="15986" y="50297"/>
+                </a:lnTo>
+                <a:lnTo>
+                  <a:pt x="26177" y="52354"/>
+                </a:lnTo>
+                <a:lnTo>
+                  <a:pt x="36367" y="50297"/>
+                </a:lnTo>
+                <a:lnTo>
+                  <a:pt x="44688" y="44688"/>
+                </a:lnTo>
+                <a:lnTo>
+                  <a:pt x="50297" y="36367"/>
+                </a:lnTo>
+                <a:lnTo>
+                  <a:pt x="52354" y="26177"/>
+                </a:lnTo>
+                <a:lnTo>
+                  <a:pt x="50297" y="15986"/>
+                </a:lnTo>
+                <a:lnTo>
+                  <a:pt x="44688" y="7665"/>
+                </a:lnTo>
+                <a:lnTo>
+                  <a:pt x="36367" y="2056"/>
+                </a:lnTo>
+                <a:lnTo>
+                  <a:pt x="26177" y="0"/>
+                </a:lnTo>
+                <a:close/>
+              </a:path>
+            </a:pathLst>
+          </a:custGeom>
+          <a:solidFill>
+            <a:srgbClr val="C1272C"/>
+          </a:solidFill>
+        </p:spPr>
+        <p:txBody>
+          <a:bodyPr wrap="square" lIns="0" tIns="0" rIns="0" bIns="0" rtlCol="0"/>
+          <a:lstStyle/>
+          <a:p>
+            <a:endParaRPr/>
+          </a:p>
+        </p:txBody>
+      </p:sp>
+      <p:sp>
+        <p:nvSpPr>
+          <p:cNvPr id="17" name="object 17">
+            <a:extLst>
+              <a:ext uri="{FF2B5EF4-FFF2-40B4-BE49-F238E27FC236}">
+                <a16:creationId xmlns:a16="http://schemas.microsoft.com/office/drawing/2014/main" id="{C2D0E1A2-61B9-5B7B-58EE-144587213048}"/>
+              </a:ext>
+            </a:extLst>
+          </p:cNvPr>
+          <p:cNvSpPr/>
+          <p:nvPr/>
+        </p:nvSpPr>
+        <p:spPr>
+          <a:xfrm>
+            <a:off x="18742885" y="10366176"/>
+            <a:ext cx="52705" cy="52705"/>
+          </a:xfrm>
+          <a:custGeom>
+            <a:avLst/>
+            <a:gdLst/>
+            <a:ahLst/>
+            <a:cxnLst/>
+            <a:rect l="l" t="t" r="r" b="b"/>
+            <a:pathLst>
+              <a:path w="52705" h="52704">
+                <a:moveTo>
+                  <a:pt x="26177" y="0"/>
+                </a:moveTo>
+                <a:lnTo>
+                  <a:pt x="15986" y="2056"/>
+                </a:lnTo>
+                <a:lnTo>
+                  <a:pt x="7665" y="7665"/>
+                </a:lnTo>
+                <a:lnTo>
+                  <a:pt x="2056" y="15986"/>
+                </a:lnTo>
+                <a:lnTo>
+                  <a:pt x="0" y="26177"/>
+                </a:lnTo>
+                <a:lnTo>
+                  <a:pt x="2056" y="36367"/>
+                </a:lnTo>
+                <a:lnTo>
+                  <a:pt x="7665" y="44688"/>
+                </a:lnTo>
+                <a:lnTo>
+                  <a:pt x="15986" y="50297"/>
+                </a:lnTo>
+                <a:lnTo>
+                  <a:pt x="26177" y="52354"/>
+                </a:lnTo>
+                <a:lnTo>
+                  <a:pt x="36367" y="50297"/>
+                </a:lnTo>
+                <a:lnTo>
+                  <a:pt x="44688" y="44688"/>
+                </a:lnTo>
+                <a:lnTo>
+                  <a:pt x="50297" y="36367"/>
+                </a:lnTo>
+                <a:lnTo>
+                  <a:pt x="52354" y="26177"/>
+                </a:lnTo>
+                <a:lnTo>
+                  <a:pt x="50297" y="15986"/>
+                </a:lnTo>
+                <a:lnTo>
+                  <a:pt x="44688" y="7665"/>
+                </a:lnTo>
+                <a:lnTo>
+                  <a:pt x="36367" y="2056"/>
+                </a:lnTo>
+                <a:lnTo>
+                  <a:pt x="26177" y="0"/>
+                </a:lnTo>
+                <a:close/>
+              </a:path>
+            </a:pathLst>
+          </a:custGeom>
+          <a:solidFill>
+            <a:srgbClr val="C1272C"/>
+          </a:solidFill>
+        </p:spPr>
+        <p:txBody>
+          <a:bodyPr wrap="square" lIns="0" tIns="0" rIns="0" bIns="0" rtlCol="0"/>
+          <a:lstStyle/>
+          <a:p>
+            <a:endParaRPr/>
+          </a:p>
+        </p:txBody>
+      </p:sp>
+      <p:sp>
+        <p:nvSpPr>
+          <p:cNvPr id="18" name="object 18">
+            <a:extLst>
+              <a:ext uri="{FF2B5EF4-FFF2-40B4-BE49-F238E27FC236}">
+                <a16:creationId xmlns:a16="http://schemas.microsoft.com/office/drawing/2014/main" id="{73D22A34-9985-75DF-59C3-17A4E46B3C53}"/>
+              </a:ext>
+            </a:extLst>
+          </p:cNvPr>
+          <p:cNvSpPr/>
+          <p:nvPr/>
+        </p:nvSpPr>
+        <p:spPr>
+          <a:xfrm>
+            <a:off x="18742885" y="10104404"/>
+            <a:ext cx="52705" cy="52705"/>
+          </a:xfrm>
+          <a:custGeom>
+            <a:avLst/>
+            <a:gdLst/>
+            <a:ahLst/>
+            <a:cxnLst/>
+            <a:rect l="l" t="t" r="r" b="b"/>
+            <a:pathLst>
+              <a:path w="52705" h="52704">
+                <a:moveTo>
+                  <a:pt x="26177" y="0"/>
+                </a:moveTo>
+                <a:lnTo>
+                  <a:pt x="15986" y="2056"/>
+                </a:lnTo>
+                <a:lnTo>
+                  <a:pt x="7665" y="7665"/>
+                </a:lnTo>
+                <a:lnTo>
+                  <a:pt x="2056" y="15986"/>
+                </a:lnTo>
+                <a:lnTo>
+                  <a:pt x="0" y="26177"/>
+                </a:lnTo>
+                <a:lnTo>
+                  <a:pt x="2056" y="36367"/>
+                </a:lnTo>
+                <a:lnTo>
+                  <a:pt x="7665" y="44688"/>
+                </a:lnTo>
+                <a:lnTo>
+                  <a:pt x="15986" y="50297"/>
+                </a:lnTo>
+                <a:lnTo>
+                  <a:pt x="26177" y="52354"/>
+                </a:lnTo>
+                <a:lnTo>
+                  <a:pt x="36367" y="50297"/>
+                </a:lnTo>
+                <a:lnTo>
+                  <a:pt x="44688" y="44688"/>
+                </a:lnTo>
+                <a:lnTo>
+                  <a:pt x="50297" y="36367"/>
+                </a:lnTo>
+                <a:lnTo>
+                  <a:pt x="52354" y="26177"/>
+                </a:lnTo>
+                <a:lnTo>
+                  <a:pt x="50297" y="15986"/>
+                </a:lnTo>
+                <a:lnTo>
+                  <a:pt x="44688" y="7665"/>
+                </a:lnTo>
+                <a:lnTo>
+                  <a:pt x="36367" y="2056"/>
+                </a:lnTo>
+                <a:lnTo>
+                  <a:pt x="26177" y="0"/>
+                </a:lnTo>
+                <a:close/>
+              </a:path>
+            </a:pathLst>
+          </a:custGeom>
+          <a:solidFill>
+            <a:srgbClr val="C1272C"/>
+          </a:solidFill>
+        </p:spPr>
+        <p:txBody>
+          <a:bodyPr wrap="square" lIns="0" tIns="0" rIns="0" bIns="0" rtlCol="0"/>
+          <a:lstStyle/>
+          <a:p>
+            <a:endParaRPr/>
+          </a:p>
+        </p:txBody>
+      </p:sp>
+      <p:sp>
+        <p:nvSpPr>
+          <p:cNvPr id="19" name="object 19">
+            <a:extLst>
+              <a:ext uri="{FF2B5EF4-FFF2-40B4-BE49-F238E27FC236}">
+                <a16:creationId xmlns:a16="http://schemas.microsoft.com/office/drawing/2014/main" id="{D2D0A9A9-C7C7-B9C7-B43D-C26633AC6E46}"/>
+              </a:ext>
+            </a:extLst>
+          </p:cNvPr>
+          <p:cNvSpPr/>
+          <p:nvPr/>
+        </p:nvSpPr>
+        <p:spPr>
+          <a:xfrm>
+            <a:off x="18742885" y="9842632"/>
+            <a:ext cx="52705" cy="52705"/>
+          </a:xfrm>
+          <a:custGeom>
+            <a:avLst/>
+            <a:gdLst/>
+            <a:ahLst/>
+            <a:cxnLst/>
+            <a:rect l="l" t="t" r="r" b="b"/>
+            <a:pathLst>
+              <a:path w="52705" h="52704">
+                <a:moveTo>
+                  <a:pt x="26177" y="0"/>
+                </a:moveTo>
+                <a:lnTo>
+                  <a:pt x="15986" y="2056"/>
+                </a:lnTo>
+                <a:lnTo>
+                  <a:pt x="7665" y="7665"/>
+                </a:lnTo>
+                <a:lnTo>
+                  <a:pt x="2056" y="15986"/>
+                </a:lnTo>
+                <a:lnTo>
+                  <a:pt x="0" y="26177"/>
+                </a:lnTo>
+                <a:lnTo>
+                  <a:pt x="2056" y="36367"/>
+                </a:lnTo>
+                <a:lnTo>
+                  <a:pt x="7665" y="44688"/>
+                </a:lnTo>
+                <a:lnTo>
+                  <a:pt x="15986" y="50297"/>
+                </a:lnTo>
+                <a:lnTo>
+                  <a:pt x="26177" y="52354"/>
+                </a:lnTo>
+                <a:lnTo>
+                  <a:pt x="36367" y="50297"/>
+                </a:lnTo>
+                <a:lnTo>
+                  <a:pt x="44688" y="44688"/>
+                </a:lnTo>
+                <a:lnTo>
+                  <a:pt x="50297" y="36367"/>
+                </a:lnTo>
+                <a:lnTo>
+                  <a:pt x="52354" y="26177"/>
+                </a:lnTo>
+                <a:lnTo>
+                  <a:pt x="50297" y="15986"/>
+                </a:lnTo>
+                <a:lnTo>
+                  <a:pt x="44688" y="7665"/>
+                </a:lnTo>
+                <a:lnTo>
+                  <a:pt x="36367" y="2056"/>
+                </a:lnTo>
+                <a:lnTo>
+                  <a:pt x="26177" y="0"/>
+                </a:lnTo>
+                <a:close/>
+              </a:path>
+            </a:pathLst>
+          </a:custGeom>
+          <a:solidFill>
+            <a:srgbClr val="C1272C"/>
+          </a:solidFill>
+        </p:spPr>
+        <p:txBody>
+          <a:bodyPr wrap="square" lIns="0" tIns="0" rIns="0" bIns="0" rtlCol="0"/>
+          <a:lstStyle/>
+          <a:p>
+            <a:endParaRPr/>
+          </a:p>
+        </p:txBody>
+      </p:sp>
+      <p:sp>
+        <p:nvSpPr>
+          <p:cNvPr id="20" name="object 20">
+            <a:extLst>
+              <a:ext uri="{FF2B5EF4-FFF2-40B4-BE49-F238E27FC236}">
+                <a16:creationId xmlns:a16="http://schemas.microsoft.com/office/drawing/2014/main" id="{DE6C24C5-1FB4-FBE7-6736-799FF197A484}"/>
+              </a:ext>
+            </a:extLst>
+          </p:cNvPr>
+          <p:cNvSpPr/>
+          <p:nvPr/>
+        </p:nvSpPr>
+        <p:spPr>
+          <a:xfrm>
+            <a:off x="19004657" y="10366176"/>
+            <a:ext cx="52705" cy="52705"/>
+          </a:xfrm>
+          <a:custGeom>
+            <a:avLst/>
+            <a:gdLst/>
+            <a:ahLst/>
+            <a:cxnLst/>
+            <a:rect l="l" t="t" r="r" b="b"/>
+            <a:pathLst>
+              <a:path w="52705" h="52704">
+                <a:moveTo>
+                  <a:pt x="26177" y="0"/>
+                </a:moveTo>
+                <a:lnTo>
+                  <a:pt x="15986" y="2056"/>
+                </a:lnTo>
+                <a:lnTo>
+                  <a:pt x="7665" y="7665"/>
+                </a:lnTo>
+                <a:lnTo>
+                  <a:pt x="2056" y="15986"/>
+                </a:lnTo>
+                <a:lnTo>
+                  <a:pt x="0" y="26177"/>
+                </a:lnTo>
+                <a:lnTo>
+                  <a:pt x="2056" y="36367"/>
+                </a:lnTo>
+                <a:lnTo>
+                  <a:pt x="7665" y="44688"/>
+                </a:lnTo>
+                <a:lnTo>
+                  <a:pt x="15986" y="50297"/>
+                </a:lnTo>
+                <a:lnTo>
+                  <a:pt x="26177" y="52354"/>
+                </a:lnTo>
+                <a:lnTo>
+                  <a:pt x="36367" y="50297"/>
+                </a:lnTo>
+                <a:lnTo>
+                  <a:pt x="44688" y="44688"/>
+                </a:lnTo>
+                <a:lnTo>
+                  <a:pt x="50297" y="36367"/>
+                </a:lnTo>
+                <a:lnTo>
+                  <a:pt x="52354" y="26177"/>
+                </a:lnTo>
+                <a:lnTo>
+                  <a:pt x="50297" y="15986"/>
+                </a:lnTo>
+                <a:lnTo>
+                  <a:pt x="44688" y="7665"/>
+                </a:lnTo>
+                <a:lnTo>
+                  <a:pt x="36367" y="2056"/>
+                </a:lnTo>
+                <a:lnTo>
+                  <a:pt x="26177" y="0"/>
+                </a:lnTo>
+                <a:close/>
+              </a:path>
+            </a:pathLst>
+          </a:custGeom>
+          <a:solidFill>
+            <a:srgbClr val="C1272C"/>
+          </a:solidFill>
+        </p:spPr>
+        <p:txBody>
+          <a:bodyPr wrap="square" lIns="0" tIns="0" rIns="0" bIns="0" rtlCol="0"/>
+          <a:lstStyle/>
+          <a:p>
+            <a:endParaRPr/>
+          </a:p>
+        </p:txBody>
+      </p:sp>
+      <p:sp>
+        <p:nvSpPr>
+          <p:cNvPr id="21" name="object 21">
+            <a:extLst>
+              <a:ext uri="{FF2B5EF4-FFF2-40B4-BE49-F238E27FC236}">
+                <a16:creationId xmlns:a16="http://schemas.microsoft.com/office/drawing/2014/main" id="{18B91537-915C-F06D-D199-40F9E667C15C}"/>
+              </a:ext>
+            </a:extLst>
+          </p:cNvPr>
+          <p:cNvSpPr/>
+          <p:nvPr/>
+        </p:nvSpPr>
+        <p:spPr>
+          <a:xfrm>
+            <a:off x="19004657" y="10104404"/>
+            <a:ext cx="52705" cy="52705"/>
+          </a:xfrm>
+          <a:custGeom>
+            <a:avLst/>
+            <a:gdLst/>
+            <a:ahLst/>
+            <a:cxnLst/>
+            <a:rect l="l" t="t" r="r" b="b"/>
+            <a:pathLst>
+              <a:path w="52705" h="52704">
+                <a:moveTo>
+                  <a:pt x="26177" y="0"/>
+                </a:moveTo>
+                <a:lnTo>
+                  <a:pt x="15986" y="2056"/>
+                </a:lnTo>
+                <a:lnTo>
+                  <a:pt x="7665" y="7665"/>
+                </a:lnTo>
+                <a:lnTo>
+                  <a:pt x="2056" y="15986"/>
+                </a:lnTo>
+                <a:lnTo>
+                  <a:pt x="0" y="26177"/>
+                </a:lnTo>
+                <a:lnTo>
+                  <a:pt x="2056" y="36367"/>
+                </a:lnTo>
+                <a:lnTo>
+                  <a:pt x="7665" y="44688"/>
+                </a:lnTo>
+                <a:lnTo>
+                  <a:pt x="15986" y="50297"/>
+                </a:lnTo>
+                <a:lnTo>
+                  <a:pt x="26177" y="52354"/>
+                </a:lnTo>
+                <a:lnTo>
+                  <a:pt x="36367" y="50297"/>
+                </a:lnTo>
+                <a:lnTo>
+                  <a:pt x="44688" y="44688"/>
+                </a:lnTo>
+                <a:lnTo>
+                  <a:pt x="50297" y="36367"/>
+                </a:lnTo>
+                <a:lnTo>
+                  <a:pt x="52354" y="26177"/>
+                </a:lnTo>
+                <a:lnTo>
+                  <a:pt x="50297" y="15986"/>
+                </a:lnTo>
+                <a:lnTo>
+                  <a:pt x="44688" y="7665"/>
+                </a:lnTo>
+                <a:lnTo>
+                  <a:pt x="36367" y="2056"/>
+                </a:lnTo>
+                <a:lnTo>
+                  <a:pt x="26177" y="0"/>
+                </a:lnTo>
+                <a:close/>
+              </a:path>
+            </a:pathLst>
+          </a:custGeom>
+          <a:solidFill>
+            <a:srgbClr val="C1272C"/>
+          </a:solidFill>
+        </p:spPr>
+        <p:txBody>
+          <a:bodyPr wrap="square" lIns="0" tIns="0" rIns="0" bIns="0" rtlCol="0"/>
+          <a:lstStyle/>
+          <a:p>
+            <a:endParaRPr/>
+          </a:p>
+        </p:txBody>
+      </p:sp>
+      <p:sp>
+        <p:nvSpPr>
+          <p:cNvPr id="22" name="object 22">
+            <a:extLst>
+              <a:ext uri="{FF2B5EF4-FFF2-40B4-BE49-F238E27FC236}">
+                <a16:creationId xmlns:a16="http://schemas.microsoft.com/office/drawing/2014/main" id="{F205ADDA-6173-9F10-61D9-0BCC19981C48}"/>
+              </a:ext>
+            </a:extLst>
+          </p:cNvPr>
+          <p:cNvSpPr/>
+          <p:nvPr/>
+        </p:nvSpPr>
+        <p:spPr>
+          <a:xfrm>
+            <a:off x="19004657" y="9842632"/>
+            <a:ext cx="52705" cy="52705"/>
+          </a:xfrm>
+          <a:custGeom>
+            <a:avLst/>
+            <a:gdLst/>
+            <a:ahLst/>
+            <a:cxnLst/>
+            <a:rect l="l" t="t" r="r" b="b"/>
+            <a:pathLst>
+              <a:path w="52705" h="52704">
+                <a:moveTo>
+                  <a:pt x="26177" y="0"/>
+                </a:moveTo>
+                <a:lnTo>
+                  <a:pt x="15986" y="2056"/>
+                </a:lnTo>
+                <a:lnTo>
+                  <a:pt x="7665" y="7665"/>
+                </a:lnTo>
+                <a:lnTo>
+                  <a:pt x="2056" y="15986"/>
+                </a:lnTo>
+                <a:lnTo>
+                  <a:pt x="0" y="26177"/>
+                </a:lnTo>
+                <a:lnTo>
+                  <a:pt x="2056" y="36367"/>
+                </a:lnTo>
+                <a:lnTo>
+                  <a:pt x="7665" y="44688"/>
+                </a:lnTo>
+                <a:lnTo>
+                  <a:pt x="15986" y="50297"/>
+                </a:lnTo>
+                <a:lnTo>
+                  <a:pt x="26177" y="52354"/>
+                </a:lnTo>
+                <a:lnTo>
+                  <a:pt x="36367" y="50297"/>
+                </a:lnTo>
+                <a:lnTo>
+                  <a:pt x="44688" y="44688"/>
+                </a:lnTo>
+                <a:lnTo>
+                  <a:pt x="50297" y="36367"/>
+                </a:lnTo>
+                <a:lnTo>
+                  <a:pt x="52354" y="26177"/>
+                </a:lnTo>
+                <a:lnTo>
+                  <a:pt x="50297" y="15986"/>
+                </a:lnTo>
+                <a:lnTo>
+                  <a:pt x="44688" y="7665"/>
+                </a:lnTo>
+                <a:lnTo>
+                  <a:pt x="36367" y="2056"/>
+                </a:lnTo>
+                <a:lnTo>
+                  <a:pt x="26177" y="0"/>
+                </a:lnTo>
+                <a:close/>
+              </a:path>
+            </a:pathLst>
+          </a:custGeom>
+          <a:solidFill>
+            <a:srgbClr val="C1272C"/>
+          </a:solidFill>
+        </p:spPr>
+        <p:txBody>
+          <a:bodyPr wrap="square" lIns="0" tIns="0" rIns="0" bIns="0" rtlCol="0"/>
+          <a:lstStyle/>
+          <a:p>
+            <a:endParaRPr/>
+          </a:p>
+        </p:txBody>
+      </p:sp>
+      <p:sp>
+        <p:nvSpPr>
+          <p:cNvPr id="23" name="object 23">
+            <a:extLst>
+              <a:ext uri="{FF2B5EF4-FFF2-40B4-BE49-F238E27FC236}">
+                <a16:creationId xmlns:a16="http://schemas.microsoft.com/office/drawing/2014/main" id="{5D9A6A54-E90D-456E-B44F-D59E94516943}"/>
+              </a:ext>
+            </a:extLst>
+          </p:cNvPr>
+          <p:cNvSpPr/>
+          <p:nvPr/>
+        </p:nvSpPr>
+        <p:spPr>
+          <a:xfrm>
+            <a:off x="19266428" y="10366176"/>
+            <a:ext cx="52705" cy="52705"/>
+          </a:xfrm>
+          <a:custGeom>
+            <a:avLst/>
+            <a:gdLst/>
+            <a:ahLst/>
+            <a:cxnLst/>
+            <a:rect l="l" t="t" r="r" b="b"/>
+            <a:pathLst>
+              <a:path w="52705" h="52704">
+                <a:moveTo>
+                  <a:pt x="26177" y="0"/>
+                </a:moveTo>
+                <a:lnTo>
+                  <a:pt x="15986" y="2056"/>
+                </a:lnTo>
+                <a:lnTo>
+                  <a:pt x="7665" y="7665"/>
+                </a:lnTo>
+                <a:lnTo>
+                  <a:pt x="2056" y="15986"/>
+                </a:lnTo>
+                <a:lnTo>
+                  <a:pt x="0" y="26177"/>
+                </a:lnTo>
+                <a:lnTo>
+                  <a:pt x="2056" y="36367"/>
+                </a:lnTo>
+                <a:lnTo>
+                  <a:pt x="7665" y="44688"/>
+                </a:lnTo>
+                <a:lnTo>
+                  <a:pt x="15986" y="50297"/>
+                </a:lnTo>
+                <a:lnTo>
+                  <a:pt x="26177" y="52354"/>
+                </a:lnTo>
+                <a:lnTo>
+                  <a:pt x="36367" y="50297"/>
+                </a:lnTo>
+                <a:lnTo>
+                  <a:pt x="44688" y="44688"/>
+                </a:lnTo>
+                <a:lnTo>
+                  <a:pt x="50297" y="36367"/>
+                </a:lnTo>
+                <a:lnTo>
+                  <a:pt x="52354" y="26177"/>
+                </a:lnTo>
+                <a:lnTo>
+                  <a:pt x="50297" y="15986"/>
+                </a:lnTo>
+                <a:lnTo>
+                  <a:pt x="44688" y="7665"/>
+                </a:lnTo>
+                <a:lnTo>
+                  <a:pt x="36367" y="2056"/>
+                </a:lnTo>
+                <a:lnTo>
+                  <a:pt x="26177" y="0"/>
+                </a:lnTo>
+                <a:close/>
+              </a:path>
+            </a:pathLst>
+          </a:custGeom>
+          <a:solidFill>
+            <a:srgbClr val="C1272C"/>
+          </a:solidFill>
+        </p:spPr>
+        <p:txBody>
+          <a:bodyPr wrap="square" lIns="0" tIns="0" rIns="0" bIns="0" rtlCol="0"/>
+          <a:lstStyle/>
+          <a:p>
+            <a:endParaRPr/>
+          </a:p>
+        </p:txBody>
+      </p:sp>
+      <p:sp>
+        <p:nvSpPr>
+          <p:cNvPr id="24" name="object 24">
+            <a:extLst>
+              <a:ext uri="{FF2B5EF4-FFF2-40B4-BE49-F238E27FC236}">
+                <a16:creationId xmlns:a16="http://schemas.microsoft.com/office/drawing/2014/main" id="{7EB6CDA5-54BC-4390-E511-2DB1615DCDF1}"/>
+              </a:ext>
+            </a:extLst>
+          </p:cNvPr>
+          <p:cNvSpPr/>
+          <p:nvPr/>
+        </p:nvSpPr>
+        <p:spPr>
+          <a:xfrm>
+            <a:off x="19266428" y="10104404"/>
+            <a:ext cx="52705" cy="52705"/>
+          </a:xfrm>
+          <a:custGeom>
+            <a:avLst/>
+            <a:gdLst/>
+            <a:ahLst/>
+            <a:cxnLst/>
+            <a:rect l="l" t="t" r="r" b="b"/>
+            <a:pathLst>
+              <a:path w="52705" h="52704">
+                <a:moveTo>
+                  <a:pt x="26177" y="0"/>
+                </a:moveTo>
+                <a:lnTo>
+                  <a:pt x="15986" y="2056"/>
+                </a:lnTo>
+                <a:lnTo>
+                  <a:pt x="7665" y="7665"/>
+                </a:lnTo>
+                <a:lnTo>
+                  <a:pt x="2056" y="15986"/>
+                </a:lnTo>
+                <a:lnTo>
+                  <a:pt x="0" y="26177"/>
+                </a:lnTo>
+                <a:lnTo>
+                  <a:pt x="2056" y="36367"/>
+                </a:lnTo>
+                <a:lnTo>
+                  <a:pt x="7665" y="44688"/>
+                </a:lnTo>
+                <a:lnTo>
+                  <a:pt x="15986" y="50297"/>
+                </a:lnTo>
+                <a:lnTo>
+                  <a:pt x="26177" y="52354"/>
+                </a:lnTo>
+                <a:lnTo>
+                  <a:pt x="36367" y="50297"/>
+                </a:lnTo>
+                <a:lnTo>
+                  <a:pt x="44688" y="44688"/>
+                </a:lnTo>
+                <a:lnTo>
+                  <a:pt x="50297" y="36367"/>
+                </a:lnTo>
+                <a:lnTo>
+                  <a:pt x="52354" y="26177"/>
+                </a:lnTo>
+                <a:lnTo>
+                  <a:pt x="50297" y="15986"/>
+                </a:lnTo>
+                <a:lnTo>
+                  <a:pt x="44688" y="7665"/>
+                </a:lnTo>
+                <a:lnTo>
+                  <a:pt x="36367" y="2056"/>
+                </a:lnTo>
+                <a:lnTo>
+                  <a:pt x="26177" y="0"/>
+                </a:lnTo>
+                <a:close/>
+              </a:path>
+            </a:pathLst>
+          </a:custGeom>
+          <a:solidFill>
+            <a:srgbClr val="C1272C"/>
+          </a:solidFill>
+        </p:spPr>
+        <p:txBody>
+          <a:bodyPr wrap="square" lIns="0" tIns="0" rIns="0" bIns="0" rtlCol="0"/>
+          <a:lstStyle/>
+          <a:p>
+            <a:endParaRPr/>
+          </a:p>
+        </p:txBody>
+      </p:sp>
+      <p:sp>
+        <p:nvSpPr>
+          <p:cNvPr id="25" name="object 25">
+            <a:extLst>
+              <a:ext uri="{FF2B5EF4-FFF2-40B4-BE49-F238E27FC236}">
+                <a16:creationId xmlns:a16="http://schemas.microsoft.com/office/drawing/2014/main" id="{47025E88-C48C-4425-662F-F79E8B30A770}"/>
+              </a:ext>
+            </a:extLst>
+          </p:cNvPr>
+          <p:cNvSpPr/>
+          <p:nvPr/>
+        </p:nvSpPr>
+        <p:spPr>
+          <a:xfrm>
+            <a:off x="19266428" y="9842632"/>
+            <a:ext cx="52705" cy="52705"/>
+          </a:xfrm>
+          <a:custGeom>
+            <a:avLst/>
+            <a:gdLst/>
+            <a:ahLst/>
+            <a:cxnLst/>
+            <a:rect l="l" t="t" r="r" b="b"/>
+            <a:pathLst>
+              <a:path w="52705" h="52704">
+                <a:moveTo>
+                  <a:pt x="26177" y="0"/>
+                </a:moveTo>
+                <a:lnTo>
+                  <a:pt x="15986" y="2056"/>
+                </a:lnTo>
+                <a:lnTo>
+                  <a:pt x="7665" y="7665"/>
+                </a:lnTo>
+                <a:lnTo>
+                  <a:pt x="2056" y="15986"/>
+                </a:lnTo>
+                <a:lnTo>
+                  <a:pt x="0" y="26177"/>
+                </a:lnTo>
+                <a:lnTo>
+                  <a:pt x="2056" y="36367"/>
+                </a:lnTo>
+                <a:lnTo>
+                  <a:pt x="7665" y="44688"/>
+                </a:lnTo>
+                <a:lnTo>
+                  <a:pt x="15986" y="50297"/>
+                </a:lnTo>
+                <a:lnTo>
+                  <a:pt x="26177" y="52354"/>
+                </a:lnTo>
+                <a:lnTo>
+                  <a:pt x="36367" y="50297"/>
+                </a:lnTo>
+                <a:lnTo>
+                  <a:pt x="44688" y="44688"/>
+                </a:lnTo>
+                <a:lnTo>
+                  <a:pt x="50297" y="36367"/>
+                </a:lnTo>
+                <a:lnTo>
+                  <a:pt x="52354" y="26177"/>
+                </a:lnTo>
+                <a:lnTo>
+                  <a:pt x="50297" y="15986"/>
+                </a:lnTo>
+                <a:lnTo>
+                  <a:pt x="44688" y="7665"/>
+                </a:lnTo>
+                <a:lnTo>
+                  <a:pt x="36367" y="2056"/>
+                </a:lnTo>
+                <a:lnTo>
+                  <a:pt x="26177" y="0"/>
+                </a:lnTo>
+                <a:close/>
+              </a:path>
+            </a:pathLst>
+          </a:custGeom>
+          <a:solidFill>
+            <a:srgbClr val="C1272C"/>
+          </a:solidFill>
+        </p:spPr>
+        <p:txBody>
+          <a:bodyPr wrap="square" lIns="0" tIns="0" rIns="0" bIns="0" rtlCol="0"/>
+          <a:lstStyle/>
+          <a:p>
+            <a:endParaRPr/>
+          </a:p>
+        </p:txBody>
+      </p:sp>
+      <p:sp>
+        <p:nvSpPr>
+          <p:cNvPr id="26" name="object 26">
+            <a:extLst>
+              <a:ext uri="{FF2B5EF4-FFF2-40B4-BE49-F238E27FC236}">
+                <a16:creationId xmlns:a16="http://schemas.microsoft.com/office/drawing/2014/main" id="{3F39FE87-4E26-E884-821C-ADA9886E2FA1}"/>
+              </a:ext>
+            </a:extLst>
+          </p:cNvPr>
+          <p:cNvSpPr/>
+          <p:nvPr/>
+        </p:nvSpPr>
+        <p:spPr>
+          <a:xfrm>
+            <a:off x="19528201" y="10366176"/>
+            <a:ext cx="52705" cy="52705"/>
+          </a:xfrm>
+          <a:custGeom>
+            <a:avLst/>
+            <a:gdLst/>
+            <a:ahLst/>
+            <a:cxnLst/>
+            <a:rect l="l" t="t" r="r" b="b"/>
+            <a:pathLst>
+              <a:path w="52705" h="52704">
+                <a:moveTo>
+                  <a:pt x="26177" y="0"/>
+                </a:moveTo>
+                <a:lnTo>
+                  <a:pt x="15986" y="2056"/>
+                </a:lnTo>
+                <a:lnTo>
+                  <a:pt x="7665" y="7665"/>
+                </a:lnTo>
+                <a:lnTo>
+                  <a:pt x="2056" y="15986"/>
+                </a:lnTo>
+                <a:lnTo>
+                  <a:pt x="0" y="26177"/>
+                </a:lnTo>
+                <a:lnTo>
+                  <a:pt x="2056" y="36367"/>
+                </a:lnTo>
+                <a:lnTo>
+                  <a:pt x="7665" y="44688"/>
+                </a:lnTo>
+                <a:lnTo>
+                  <a:pt x="15986" y="50297"/>
+                </a:lnTo>
+                <a:lnTo>
+                  <a:pt x="26177" y="52354"/>
+                </a:lnTo>
+                <a:lnTo>
+                  <a:pt x="36367" y="50297"/>
+                </a:lnTo>
+                <a:lnTo>
+                  <a:pt x="44688" y="44688"/>
+                </a:lnTo>
+                <a:lnTo>
+                  <a:pt x="50297" y="36367"/>
+                </a:lnTo>
+                <a:lnTo>
+                  <a:pt x="52354" y="26177"/>
+                </a:lnTo>
+                <a:lnTo>
+                  <a:pt x="50297" y="15986"/>
+                </a:lnTo>
+                <a:lnTo>
+                  <a:pt x="44688" y="7665"/>
+                </a:lnTo>
+                <a:lnTo>
+                  <a:pt x="36367" y="2056"/>
+                </a:lnTo>
+                <a:lnTo>
+                  <a:pt x="26177" y="0"/>
+                </a:lnTo>
+                <a:close/>
+              </a:path>
+            </a:pathLst>
+          </a:custGeom>
+          <a:solidFill>
+            <a:srgbClr val="C1272C"/>
+          </a:solidFill>
+        </p:spPr>
+        <p:txBody>
+          <a:bodyPr wrap="square" lIns="0" tIns="0" rIns="0" bIns="0" rtlCol="0"/>
+          <a:lstStyle/>
+          <a:p>
+            <a:endParaRPr/>
+          </a:p>
+        </p:txBody>
+      </p:sp>
+      <p:sp>
+        <p:nvSpPr>
+          <p:cNvPr id="27" name="object 27">
+            <a:extLst>
+              <a:ext uri="{FF2B5EF4-FFF2-40B4-BE49-F238E27FC236}">
+                <a16:creationId xmlns:a16="http://schemas.microsoft.com/office/drawing/2014/main" id="{2737AFA5-D653-DA93-FA86-6933893E9F59}"/>
+              </a:ext>
+            </a:extLst>
+          </p:cNvPr>
+          <p:cNvSpPr/>
+          <p:nvPr/>
+        </p:nvSpPr>
+        <p:spPr>
+          <a:xfrm>
+            <a:off x="19528201" y="10104404"/>
+            <a:ext cx="52705" cy="52705"/>
+          </a:xfrm>
+          <a:custGeom>
+            <a:avLst/>
+            <a:gdLst/>
+            <a:ahLst/>
+            <a:cxnLst/>
+            <a:rect l="l" t="t" r="r" b="b"/>
+            <a:pathLst>
+              <a:path w="52705" h="52704">
+                <a:moveTo>
+                  <a:pt x="26177" y="0"/>
+                </a:moveTo>
+                <a:lnTo>
+                  <a:pt x="15986" y="2056"/>
+                </a:lnTo>
+                <a:lnTo>
+                  <a:pt x="7665" y="7665"/>
+                </a:lnTo>
+                <a:lnTo>
+                  <a:pt x="2056" y="15986"/>
+                </a:lnTo>
+                <a:lnTo>
+                  <a:pt x="0" y="26177"/>
+                </a:lnTo>
+                <a:lnTo>
+                  <a:pt x="2056" y="36367"/>
+                </a:lnTo>
+                <a:lnTo>
+                  <a:pt x="7665" y="44688"/>
+                </a:lnTo>
+                <a:lnTo>
+                  <a:pt x="15986" y="50297"/>
+                </a:lnTo>
+                <a:lnTo>
+                  <a:pt x="26177" y="52354"/>
+                </a:lnTo>
+                <a:lnTo>
+                  <a:pt x="36367" y="50297"/>
+                </a:lnTo>
+                <a:lnTo>
+                  <a:pt x="44688" y="44688"/>
+                </a:lnTo>
+                <a:lnTo>
+                  <a:pt x="50297" y="36367"/>
+                </a:lnTo>
+                <a:lnTo>
+                  <a:pt x="52354" y="26177"/>
+                </a:lnTo>
+                <a:lnTo>
+                  <a:pt x="50297" y="15986"/>
+                </a:lnTo>
+                <a:lnTo>
+                  <a:pt x="44688" y="7665"/>
+                </a:lnTo>
+                <a:lnTo>
+                  <a:pt x="36367" y="2056"/>
+                </a:lnTo>
+                <a:lnTo>
+                  <a:pt x="26177" y="0"/>
+                </a:lnTo>
+                <a:close/>
+              </a:path>
+            </a:pathLst>
+          </a:custGeom>
+          <a:solidFill>
+            <a:srgbClr val="C1272C"/>
+          </a:solidFill>
+        </p:spPr>
+        <p:txBody>
+          <a:bodyPr wrap="square" lIns="0" tIns="0" rIns="0" bIns="0" rtlCol="0"/>
+          <a:lstStyle/>
+          <a:p>
+            <a:endParaRPr/>
+          </a:p>
+        </p:txBody>
+      </p:sp>
+      <p:sp>
+        <p:nvSpPr>
+          <p:cNvPr id="28" name="object 28">
+            <a:extLst>
+              <a:ext uri="{FF2B5EF4-FFF2-40B4-BE49-F238E27FC236}">
+                <a16:creationId xmlns:a16="http://schemas.microsoft.com/office/drawing/2014/main" id="{DC846E0B-0519-7B71-8716-1AD780537D21}"/>
+              </a:ext>
+            </a:extLst>
+          </p:cNvPr>
+          <p:cNvSpPr/>
+          <p:nvPr/>
+        </p:nvSpPr>
+        <p:spPr>
+          <a:xfrm>
+            <a:off x="19528201" y="9842632"/>
+            <a:ext cx="52705" cy="52705"/>
+          </a:xfrm>
+          <a:custGeom>
+            <a:avLst/>
+            <a:gdLst/>
+            <a:ahLst/>
+            <a:cxnLst/>
+            <a:rect l="l" t="t" r="r" b="b"/>
+            <a:pathLst>
+              <a:path w="52705" h="52704">
+                <a:moveTo>
+                  <a:pt x="26177" y="0"/>
+                </a:moveTo>
+                <a:lnTo>
+                  <a:pt x="15986" y="2056"/>
+                </a:lnTo>
+                <a:lnTo>
+                  <a:pt x="7665" y="7665"/>
+                </a:lnTo>
+                <a:lnTo>
+                  <a:pt x="2056" y="15986"/>
+                </a:lnTo>
+                <a:lnTo>
+                  <a:pt x="0" y="26177"/>
+                </a:lnTo>
+                <a:lnTo>
+                  <a:pt x="2056" y="36367"/>
+                </a:lnTo>
+                <a:lnTo>
+                  <a:pt x="7665" y="44688"/>
+                </a:lnTo>
+                <a:lnTo>
+                  <a:pt x="15986" y="50297"/>
+                </a:lnTo>
+                <a:lnTo>
+                  <a:pt x="26177" y="52354"/>
+                </a:lnTo>
+                <a:lnTo>
+                  <a:pt x="36367" y="50297"/>
+                </a:lnTo>
+                <a:lnTo>
+                  <a:pt x="44688" y="44688"/>
+                </a:lnTo>
+                <a:lnTo>
+                  <a:pt x="50297" y="36367"/>
+                </a:lnTo>
+                <a:lnTo>
+                  <a:pt x="52354" y="26177"/>
+                </a:lnTo>
+                <a:lnTo>
+                  <a:pt x="50297" y="15986"/>
+                </a:lnTo>
+                <a:lnTo>
+                  <a:pt x="44688" y="7665"/>
+                </a:lnTo>
+                <a:lnTo>
+                  <a:pt x="36367" y="2056"/>
+                </a:lnTo>
+                <a:lnTo>
+                  <a:pt x="26177" y="0"/>
+                </a:lnTo>
+                <a:close/>
+              </a:path>
+            </a:pathLst>
+          </a:custGeom>
+          <a:solidFill>
+            <a:srgbClr val="C1272C"/>
+          </a:solidFill>
+        </p:spPr>
+        <p:txBody>
+          <a:bodyPr wrap="square" lIns="0" tIns="0" rIns="0" bIns="0" rtlCol="0"/>
+          <a:lstStyle/>
+          <a:p>
+            <a:endParaRPr/>
+          </a:p>
+        </p:txBody>
+      </p:sp>
+      <p:sp>
+        <p:nvSpPr>
+          <p:cNvPr id="29" name="object 29">
+            <a:extLst>
+              <a:ext uri="{FF2B5EF4-FFF2-40B4-BE49-F238E27FC236}">
+                <a16:creationId xmlns:a16="http://schemas.microsoft.com/office/drawing/2014/main" id="{A8E58707-6519-9AB1-CA20-740792B93FF9}"/>
+              </a:ext>
+            </a:extLst>
+          </p:cNvPr>
+          <p:cNvSpPr/>
+          <p:nvPr/>
+        </p:nvSpPr>
+        <p:spPr>
+          <a:xfrm>
+            <a:off x="19789973" y="10366176"/>
+            <a:ext cx="52705" cy="52705"/>
+          </a:xfrm>
+          <a:custGeom>
+            <a:avLst/>
+            <a:gdLst/>
+            <a:ahLst/>
+            <a:cxnLst/>
+            <a:rect l="l" t="t" r="r" b="b"/>
+            <a:pathLst>
+              <a:path w="52705" h="52704">
+                <a:moveTo>
+                  <a:pt x="26177" y="0"/>
+                </a:moveTo>
+                <a:lnTo>
+                  <a:pt x="15986" y="2056"/>
+                </a:lnTo>
+                <a:lnTo>
+                  <a:pt x="7665" y="7665"/>
+                </a:lnTo>
+                <a:lnTo>
+                  <a:pt x="2056" y="15986"/>
+                </a:lnTo>
+                <a:lnTo>
+                  <a:pt x="0" y="26177"/>
+                </a:lnTo>
+                <a:lnTo>
+                  <a:pt x="2056" y="36367"/>
+                </a:lnTo>
+                <a:lnTo>
+                  <a:pt x="7665" y="44688"/>
+                </a:lnTo>
+                <a:lnTo>
+                  <a:pt x="15986" y="50297"/>
+                </a:lnTo>
+                <a:lnTo>
+                  <a:pt x="26177" y="52354"/>
+                </a:lnTo>
+                <a:lnTo>
+                  <a:pt x="36367" y="50297"/>
+                </a:lnTo>
+                <a:lnTo>
+                  <a:pt x="44688" y="44688"/>
+                </a:lnTo>
+                <a:lnTo>
+                  <a:pt x="50297" y="36367"/>
+                </a:lnTo>
+                <a:lnTo>
+                  <a:pt x="52354" y="26177"/>
+                </a:lnTo>
+                <a:lnTo>
+                  <a:pt x="50297" y="15986"/>
+                </a:lnTo>
+                <a:lnTo>
+                  <a:pt x="44688" y="7665"/>
+                </a:lnTo>
+                <a:lnTo>
+                  <a:pt x="36367" y="2056"/>
+                </a:lnTo>
+                <a:lnTo>
+                  <a:pt x="26177" y="0"/>
+                </a:lnTo>
+                <a:close/>
+              </a:path>
+            </a:pathLst>
+          </a:custGeom>
+          <a:solidFill>
+            <a:srgbClr val="C1272C"/>
+          </a:solidFill>
+        </p:spPr>
+        <p:txBody>
+          <a:bodyPr wrap="square" lIns="0" tIns="0" rIns="0" bIns="0" rtlCol="0"/>
+          <a:lstStyle/>
+          <a:p>
+            <a:endParaRPr/>
+          </a:p>
+        </p:txBody>
+      </p:sp>
+      <p:sp>
+        <p:nvSpPr>
+          <p:cNvPr id="30" name="object 30">
+            <a:extLst>
+              <a:ext uri="{FF2B5EF4-FFF2-40B4-BE49-F238E27FC236}">
+                <a16:creationId xmlns:a16="http://schemas.microsoft.com/office/drawing/2014/main" id="{CDC35C44-6054-6C3D-2450-C770EC1668D8}"/>
+              </a:ext>
+            </a:extLst>
+          </p:cNvPr>
+          <p:cNvSpPr/>
+          <p:nvPr/>
+        </p:nvSpPr>
+        <p:spPr>
+          <a:xfrm>
+            <a:off x="19789973" y="10104404"/>
+            <a:ext cx="52705" cy="52705"/>
+          </a:xfrm>
+          <a:custGeom>
+            <a:avLst/>
+            <a:gdLst/>
+            <a:ahLst/>
+            <a:cxnLst/>
+            <a:rect l="l" t="t" r="r" b="b"/>
+            <a:pathLst>
+              <a:path w="52705" h="52704">
+                <a:moveTo>
+                  <a:pt x="26177" y="0"/>
+                </a:moveTo>
+                <a:lnTo>
+                  <a:pt x="15986" y="2056"/>
+                </a:lnTo>
+                <a:lnTo>
+                  <a:pt x="7665" y="7665"/>
+                </a:lnTo>
+                <a:lnTo>
+                  <a:pt x="2056" y="15986"/>
+                </a:lnTo>
+                <a:lnTo>
+                  <a:pt x="0" y="26177"/>
+                </a:lnTo>
+                <a:lnTo>
+                  <a:pt x="2056" y="36367"/>
+                </a:lnTo>
+                <a:lnTo>
+                  <a:pt x="7665" y="44688"/>
+                </a:lnTo>
+                <a:lnTo>
+                  <a:pt x="15986" y="50297"/>
+                </a:lnTo>
+                <a:lnTo>
+                  <a:pt x="26177" y="52354"/>
+                </a:lnTo>
+                <a:lnTo>
+                  <a:pt x="36367" y="50297"/>
+                </a:lnTo>
+                <a:lnTo>
+                  <a:pt x="44688" y="44688"/>
+                </a:lnTo>
+                <a:lnTo>
+                  <a:pt x="50297" y="36367"/>
+                </a:lnTo>
+                <a:lnTo>
+                  <a:pt x="52354" y="26177"/>
+                </a:lnTo>
+                <a:lnTo>
+                  <a:pt x="50297" y="15986"/>
+                </a:lnTo>
+                <a:lnTo>
+                  <a:pt x="44688" y="7665"/>
+                </a:lnTo>
+                <a:lnTo>
+                  <a:pt x="36367" y="2056"/>
+                </a:lnTo>
+                <a:lnTo>
+                  <a:pt x="26177" y="0"/>
+                </a:lnTo>
+                <a:close/>
+              </a:path>
+            </a:pathLst>
+          </a:custGeom>
+          <a:solidFill>
+            <a:srgbClr val="C1272C"/>
+          </a:solidFill>
+        </p:spPr>
+        <p:txBody>
+          <a:bodyPr wrap="square" lIns="0" tIns="0" rIns="0" bIns="0" rtlCol="0"/>
+          <a:lstStyle/>
+          <a:p>
+            <a:endParaRPr/>
+          </a:p>
+        </p:txBody>
+      </p:sp>
+      <p:sp>
+        <p:nvSpPr>
+          <p:cNvPr id="31" name="object 31">
+            <a:extLst>
+              <a:ext uri="{FF2B5EF4-FFF2-40B4-BE49-F238E27FC236}">
+                <a16:creationId xmlns:a16="http://schemas.microsoft.com/office/drawing/2014/main" id="{AA5C7764-3DEA-35F5-AD84-D31BAE58BC66}"/>
+              </a:ext>
+            </a:extLst>
+          </p:cNvPr>
+          <p:cNvSpPr/>
+          <p:nvPr/>
+        </p:nvSpPr>
+        <p:spPr>
+          <a:xfrm>
+            <a:off x="19789973" y="9842632"/>
+            <a:ext cx="52705" cy="52705"/>
+          </a:xfrm>
+          <a:custGeom>
+            <a:avLst/>
+            <a:gdLst/>
+            <a:ahLst/>
+            <a:cxnLst/>
+            <a:rect l="l" t="t" r="r" b="b"/>
+            <a:pathLst>
+              <a:path w="52705" h="52704">
+                <a:moveTo>
+                  <a:pt x="26177" y="0"/>
+                </a:moveTo>
+                <a:lnTo>
+                  <a:pt x="15986" y="2056"/>
+                </a:lnTo>
+                <a:lnTo>
+                  <a:pt x="7665" y="7665"/>
+                </a:lnTo>
+                <a:lnTo>
+                  <a:pt x="2056" y="15986"/>
+                </a:lnTo>
+                <a:lnTo>
+                  <a:pt x="0" y="26177"/>
+                </a:lnTo>
+                <a:lnTo>
+                  <a:pt x="2056" y="36367"/>
+                </a:lnTo>
+                <a:lnTo>
+                  <a:pt x="7665" y="44688"/>
+                </a:lnTo>
+                <a:lnTo>
+                  <a:pt x="15986" y="50297"/>
+                </a:lnTo>
+                <a:lnTo>
+                  <a:pt x="26177" y="52354"/>
+                </a:lnTo>
+                <a:lnTo>
+                  <a:pt x="36367" y="50297"/>
+                </a:lnTo>
+                <a:lnTo>
+                  <a:pt x="44688" y="44688"/>
+                </a:lnTo>
+                <a:lnTo>
+                  <a:pt x="50297" y="36367"/>
+                </a:lnTo>
+                <a:lnTo>
+                  <a:pt x="52354" y="26177"/>
+                </a:lnTo>
+                <a:lnTo>
+                  <a:pt x="50297" y="15986"/>
+                </a:lnTo>
+                <a:lnTo>
+                  <a:pt x="44688" y="7665"/>
+                </a:lnTo>
+                <a:lnTo>
+                  <a:pt x="36367" y="2056"/>
+                </a:lnTo>
+                <a:lnTo>
+                  <a:pt x="26177" y="0"/>
+                </a:lnTo>
+                <a:close/>
+              </a:path>
+            </a:pathLst>
+          </a:custGeom>
+          <a:solidFill>
+            <a:srgbClr val="C1272C"/>
+          </a:solidFill>
+        </p:spPr>
+        <p:txBody>
+          <a:bodyPr wrap="square" lIns="0" tIns="0" rIns="0" bIns="0" rtlCol="0"/>
+          <a:lstStyle/>
+          <a:p>
+            <a:endParaRPr/>
+          </a:p>
+        </p:txBody>
+      </p:sp>
+      <p:sp>
+        <p:nvSpPr>
+          <p:cNvPr id="36" name="object 36">
+            <a:extLst>
+              <a:ext uri="{FF2B5EF4-FFF2-40B4-BE49-F238E27FC236}">
+                <a16:creationId xmlns:a16="http://schemas.microsoft.com/office/drawing/2014/main" id="{0F3849E0-35F5-8B5D-31AE-2CD2CF72433A}"/>
+              </a:ext>
+            </a:extLst>
+          </p:cNvPr>
+          <p:cNvSpPr txBox="1">
+            <a:spLocks noGrp="1"/>
+          </p:cNvSpPr>
+          <p:nvPr>
+            <p:ph type="title"/>
+          </p:nvPr>
+        </p:nvSpPr>
+        <p:spPr>
+          <a:xfrm>
+            <a:off x="1509065" y="984549"/>
+            <a:ext cx="12581579" cy="1525418"/>
+          </a:xfrm>
+          <a:prstGeom prst="rect">
+            <a:avLst/>
+          </a:prstGeom>
+        </p:spPr>
+        <p:txBody>
+          <a:bodyPr vert="horz" wrap="square" lIns="0" tIns="12065" rIns="0" bIns="0" rtlCol="0" anchor="t">
+            <a:spAutoFit/>
+          </a:bodyPr>
+          <a:lstStyle/>
+          <a:p>
+            <a:pPr marL="12700">
+              <a:lnSpc>
+                <a:spcPts val="5940"/>
+              </a:lnSpc>
+              <a:spcBef>
+                <a:spcPts val="95"/>
+              </a:spcBef>
+            </a:pPr>
+            <a:r>
+              <a:rPr lang="pt-BR" sz="4950" b="1" spc="-15" dirty="0">
+                <a:solidFill>
+                  <a:srgbClr val="F1F1F1"/>
+                </a:solidFill>
+                <a:latin typeface="Montserrat ExtraBold"/>
+              </a:rPr>
+              <a:t>Levantamento de Requisitos</a:t>
+            </a:r>
+            <a:br>
+              <a:rPr lang="pt-BR" sz="4950" b="1" spc="-15" dirty="0">
+                <a:solidFill>
+                  <a:srgbClr val="F1F1F1"/>
+                </a:solidFill>
+                <a:latin typeface="Montserrat ExtraBold"/>
+              </a:rPr>
+            </a:br>
+            <a:endParaRPr lang="pt-BR" sz="4950" spc="-25" dirty="0">
+              <a:solidFill>
+                <a:srgbClr val="F1F1F1"/>
+              </a:solidFill>
+              <a:latin typeface="Montserrat"/>
+              <a:cs typeface="Montserrat"/>
+            </a:endParaRPr>
+          </a:p>
+        </p:txBody>
+      </p:sp>
+      <p:pic>
+        <p:nvPicPr>
+          <p:cNvPr id="32" name="Picture 2" descr="Quais são as principais funções, responsabilidades e preocupações da equipe  de desenvolvimento no Ciclo de Vida do Desenvolvimento de Software (SDLC) -  Ubiminds">
+            <a:extLst>
+              <a:ext uri="{FF2B5EF4-FFF2-40B4-BE49-F238E27FC236}">
+                <a16:creationId xmlns:a16="http://schemas.microsoft.com/office/drawing/2014/main" id="{1A75F30D-01E1-EDCA-30ED-771FA44E3C26}"/>
+              </a:ext>
+            </a:extLst>
+          </p:cNvPr>
+          <p:cNvPicPr>
+            <a:picLocks noChangeAspect="1" noChangeArrowheads="1"/>
+          </p:cNvPicPr>
+          <p:nvPr/>
+        </p:nvPicPr>
+        <p:blipFill>
+          <a:blip r:embed="rId3">
+            <a:extLst>
+              <a:ext uri="{28A0092B-C50C-407E-A947-70E740481C1C}">
+                <a14:useLocalDpi xmlns:a14="http://schemas.microsoft.com/office/drawing/2010/main" val="0"/>
+              </a:ext>
+            </a:extLst>
+          </a:blip>
+          <a:srcRect/>
+          <a:stretch>
+            <a:fillRect/>
+          </a:stretch>
+        </p:blipFill>
+        <p:spPr bwMode="auto">
+          <a:xfrm>
+            <a:off x="5234996" y="1517820"/>
+            <a:ext cx="9604473" cy="9604473"/>
+          </a:xfrm>
+          <a:prstGeom prst="rect">
+            <a:avLst/>
+          </a:prstGeom>
+          <a:noFill/>
+          <a:extLst>
+            <a:ext uri="{909E8E84-426E-40DD-AFC4-6F175D3DCCD1}">
+              <a14:hiddenFill xmlns:a14="http://schemas.microsoft.com/office/drawing/2010/main">
+                <a:solidFill>
+                  <a:srgbClr val="FFFFFF"/>
+                </a:solidFill>
+              </a14:hiddenFill>
+            </a:ext>
+          </a:extLst>
+        </p:spPr>
+      </p:pic>
+    </p:spTree>
+    <p:extLst>
+      <p:ext uri="{BB962C8B-B14F-4D97-AF65-F5344CB8AC3E}">
+        <p14:creationId xmlns:p14="http://schemas.microsoft.com/office/powerpoint/2010/main" val="1099880800"/>
+      </p:ext>
+    </p:extLst>
+  </p:cSld>
+  <p:clrMapOvr>
+    <a:masterClrMapping/>
+  </p:clrMapOvr>
+</p:sld>
+</file>
+
+<file path=ppt/slides/slide20.xml><?xml version="1.0" encoding="utf-8"?>
 <p:sld xmlns:a="http://schemas.openxmlformats.org/drawingml/2006/main" xmlns:r="http://schemas.openxmlformats.org/officeDocument/2006/relationships" xmlns:p="http://schemas.openxmlformats.org/presentationml/2006/main">
   <p:cSld>
     <p:spTree>
@@ -31797,7 +36078,7 @@
 </p:sld>
 </file>
 
-<file path=ppt/slides/slide2.xml><?xml version="1.0" encoding="utf-8"?>
+<file path=ppt/slides/slide3.xml><?xml version="1.0" encoding="utf-8"?>
 <p:sld xmlns:a="http://schemas.openxmlformats.org/drawingml/2006/main" xmlns:r="http://schemas.openxmlformats.org/officeDocument/2006/relationships" xmlns:p="http://schemas.openxmlformats.org/presentationml/2006/main">
   <p:cSld>
     <p:spTree>
@@ -34822,7 +39103,7 @@
 </p:sld>
 </file>
 
-<file path=ppt/slides/slide3.xml><?xml version="1.0" encoding="utf-8"?>
+<file path=ppt/slides/slide4.xml><?xml version="1.0" encoding="utf-8"?>
 <p:sld xmlns:a="http://schemas.openxmlformats.org/drawingml/2006/main" xmlns:r="http://schemas.openxmlformats.org/officeDocument/2006/relationships" xmlns:p="http://schemas.openxmlformats.org/presentationml/2006/main">
   <p:cSld>
     <p:spTree>
@@ -35773,7 +40054,7 @@
 </p:sld>
 </file>
 
-<file path=ppt/slides/slide4.xml><?xml version="1.0" encoding="utf-8"?>
+<file path=ppt/slides/slide5.xml><?xml version="1.0" encoding="utf-8"?>
 <p:sld xmlns:a="http://schemas.openxmlformats.org/drawingml/2006/main" xmlns:r="http://schemas.openxmlformats.org/officeDocument/2006/relationships" xmlns:p="http://schemas.openxmlformats.org/presentationml/2006/main">
   <p:cSld>
     <p:spTree>
@@ -36709,7 +40990,7 @@
 </p:sld>
 </file>
 
-<file path=ppt/slides/slide5.xml><?xml version="1.0" encoding="utf-8"?>
+<file path=ppt/slides/slide6.xml><?xml version="1.0" encoding="utf-8"?>
 <p:sld xmlns:a="http://schemas.openxmlformats.org/drawingml/2006/main" xmlns:r="http://schemas.openxmlformats.org/officeDocument/2006/relationships" xmlns:p="http://schemas.openxmlformats.org/presentationml/2006/main">
   <p:cSld>
     <p:spTree>
@@ -37677,7 +41958,7 @@
 </p:sld>
 </file>
 
-<file path=ppt/slides/slide6.xml><?xml version="1.0" encoding="utf-8"?>
+<file path=ppt/slides/slide7.xml><?xml version="1.0" encoding="utf-8"?>
 <p:sld xmlns:a="http://schemas.openxmlformats.org/drawingml/2006/main" xmlns:r="http://schemas.openxmlformats.org/officeDocument/2006/relationships" xmlns:p="http://schemas.openxmlformats.org/presentationml/2006/main">
   <p:cSld>
     <p:spTree>
@@ -38673,7 +42954,7 @@
 </p:sld>
 </file>
 
-<file path=ppt/slides/slide7.xml><?xml version="1.0" encoding="utf-8"?>
+<file path=ppt/slides/slide8.xml><?xml version="1.0" encoding="utf-8"?>
 <p:sld xmlns:a="http://schemas.openxmlformats.org/drawingml/2006/main" xmlns:r="http://schemas.openxmlformats.org/officeDocument/2006/relationships" xmlns:p="http://schemas.openxmlformats.org/presentationml/2006/main">
   <p:cSld>
     <p:spTree>
@@ -39597,7 +43878,7 @@
 </p:sld>
 </file>
 
-<file path=ppt/slides/slide8.xml><?xml version="1.0" encoding="utf-8"?>
+<file path=ppt/slides/slide9.xml><?xml version="1.0" encoding="utf-8"?>
 <p:sld xmlns:a="http://schemas.openxmlformats.org/drawingml/2006/main" xmlns:r="http://schemas.openxmlformats.org/officeDocument/2006/relationships" xmlns:p="http://schemas.openxmlformats.org/presentationml/2006/main">
   <p:cSld>
     <p:spTree>
@@ -40515,961 +44796,6 @@
     <p:extLst>
       <p:ext uri="{BB962C8B-B14F-4D97-AF65-F5344CB8AC3E}">
         <p14:creationId xmlns:p14="http://schemas.microsoft.com/office/powerpoint/2010/main" val="740955910"/>
-      </p:ext>
-    </p:extLst>
-  </p:cSld>
-  <p:clrMapOvr>
-    <a:masterClrMapping/>
-  </p:clrMapOvr>
-</p:sld>
-</file>
-
-<file path=ppt/slides/slide9.xml><?xml version="1.0" encoding="utf-8"?>
-<p:sld xmlns:a="http://schemas.openxmlformats.org/drawingml/2006/main" xmlns:r="http://schemas.openxmlformats.org/officeDocument/2006/relationships" xmlns:p="http://schemas.openxmlformats.org/presentationml/2006/main">
-  <p:cSld>
-    <p:spTree>
-      <p:nvGrpSpPr>
-        <p:cNvPr id="1" name="">
-          <a:extLst>
-            <a:ext uri="{FF2B5EF4-FFF2-40B4-BE49-F238E27FC236}">
-              <a16:creationId xmlns:a16="http://schemas.microsoft.com/office/drawing/2014/main" id="{FEA02BDF-731E-8384-C96F-B683068CEC98}"/>
-            </a:ext>
-          </a:extLst>
-        </p:cNvPr>
-        <p:cNvGrpSpPr/>
-        <p:nvPr/>
-      </p:nvGrpSpPr>
-      <p:grpSpPr>
-        <a:xfrm>
-          <a:off x="0" y="0"/>
-          <a:ext cx="0" cy="0"/>
-          <a:chOff x="0" y="0"/>
-          <a:chExt cx="0" cy="0"/>
-        </a:xfrm>
-      </p:grpSpPr>
-      <p:grpSp>
-        <p:nvGrpSpPr>
-          <p:cNvPr id="3" name="object 3">
-            <a:extLst>
-              <a:ext uri="{FF2B5EF4-FFF2-40B4-BE49-F238E27FC236}">
-                <a16:creationId xmlns:a16="http://schemas.microsoft.com/office/drawing/2014/main" id="{C1F49C39-B26F-1916-E23C-53F93C3F077E}"/>
-              </a:ext>
-            </a:extLst>
-          </p:cNvPr>
-          <p:cNvGrpSpPr/>
-          <p:nvPr/>
-        </p:nvGrpSpPr>
-        <p:grpSpPr>
-          <a:xfrm>
-            <a:off x="15364003" y="1047088"/>
-            <a:ext cx="3693160" cy="942975"/>
-            <a:chOff x="15364003" y="1047088"/>
-            <a:chExt cx="3693160" cy="942975"/>
-          </a:xfrm>
-        </p:grpSpPr>
-        <p:sp>
-          <p:nvSpPr>
-            <p:cNvPr id="4" name="object 4">
-              <a:extLst>
-                <a:ext uri="{FF2B5EF4-FFF2-40B4-BE49-F238E27FC236}">
-                  <a16:creationId xmlns:a16="http://schemas.microsoft.com/office/drawing/2014/main" id="{1F829799-90D3-ECE0-61D4-58DAC689DF5C}"/>
-                </a:ext>
-              </a:extLst>
-            </p:cNvPr>
-            <p:cNvSpPr/>
-            <p:nvPr/>
-          </p:nvSpPr>
-          <p:spPr>
-            <a:xfrm>
-              <a:off x="15364066" y="1047088"/>
-              <a:ext cx="3693160" cy="942975"/>
-            </a:xfrm>
-            <a:custGeom>
-              <a:avLst/>
-              <a:gdLst/>
-              <a:ahLst/>
-              <a:cxnLst/>
-              <a:rect l="l" t="t" r="r" b="b"/>
-              <a:pathLst>
-                <a:path w="3693159" h="942975">
-                  <a:moveTo>
-                    <a:pt x="3692945" y="0"/>
-                  </a:moveTo>
-                  <a:lnTo>
-                    <a:pt x="0" y="0"/>
-                  </a:lnTo>
-                  <a:lnTo>
-                    <a:pt x="0" y="942379"/>
-                  </a:lnTo>
-                  <a:lnTo>
-                    <a:pt x="3692945" y="942379"/>
-                  </a:lnTo>
-                  <a:lnTo>
-                    <a:pt x="3692945" y="0"/>
-                  </a:lnTo>
-                  <a:close/>
-                </a:path>
-              </a:pathLst>
-            </a:custGeom>
-            <a:solidFill>
-              <a:srgbClr val="E21013"/>
-            </a:solidFill>
-          </p:spPr>
-          <p:txBody>
-            <a:bodyPr wrap="square" lIns="0" tIns="0" rIns="0" bIns="0" rtlCol="0"/>
-            <a:lstStyle/>
-            <a:p>
-              <a:endParaRPr/>
-            </a:p>
-          </p:txBody>
-        </p:sp>
-        <p:sp>
-          <p:nvSpPr>
-            <p:cNvPr id="5" name="object 5">
-              <a:extLst>
-                <a:ext uri="{FF2B5EF4-FFF2-40B4-BE49-F238E27FC236}">
-                  <a16:creationId xmlns:a16="http://schemas.microsoft.com/office/drawing/2014/main" id="{7424D621-A0C9-F36F-59C2-7D762EB82EFE}"/>
-                </a:ext>
-              </a:extLst>
-            </p:cNvPr>
-            <p:cNvSpPr/>
-            <p:nvPr/>
-          </p:nvSpPr>
-          <p:spPr>
-            <a:xfrm>
-              <a:off x="15364003" y="1167618"/>
-              <a:ext cx="3693160" cy="700405"/>
-            </a:xfrm>
-            <a:custGeom>
-              <a:avLst/>
-              <a:gdLst/>
-              <a:ahLst/>
-              <a:cxnLst/>
-              <a:rect l="l" t="t" r="r" b="b"/>
-              <a:pathLst>
-                <a:path w="3693159" h="700405">
-                  <a:moveTo>
-                    <a:pt x="198348" y="660984"/>
-                  </a:moveTo>
-                  <a:lnTo>
-                    <a:pt x="0" y="660984"/>
-                  </a:lnTo>
-                  <a:lnTo>
-                    <a:pt x="0" y="685812"/>
-                  </a:lnTo>
-                  <a:lnTo>
-                    <a:pt x="198348" y="685812"/>
-                  </a:lnTo>
-                  <a:lnTo>
-                    <a:pt x="198348" y="660984"/>
-                  </a:lnTo>
-                  <a:close/>
-                </a:path>
-                <a:path w="3693159" h="700405">
-                  <a:moveTo>
-                    <a:pt x="198348" y="502246"/>
-                  </a:moveTo>
-                  <a:lnTo>
-                    <a:pt x="0" y="502246"/>
-                  </a:lnTo>
-                  <a:lnTo>
-                    <a:pt x="0" y="527050"/>
-                  </a:lnTo>
-                  <a:lnTo>
-                    <a:pt x="198348" y="527050"/>
-                  </a:lnTo>
-                  <a:lnTo>
-                    <a:pt x="198348" y="502246"/>
-                  </a:lnTo>
-                  <a:close/>
-                </a:path>
-                <a:path w="3693159" h="700405">
-                  <a:moveTo>
-                    <a:pt x="198348" y="337540"/>
-                  </a:moveTo>
-                  <a:lnTo>
-                    <a:pt x="0" y="337540"/>
-                  </a:lnTo>
-                  <a:lnTo>
-                    <a:pt x="0" y="362356"/>
-                  </a:lnTo>
-                  <a:lnTo>
-                    <a:pt x="198348" y="362356"/>
-                  </a:lnTo>
-                  <a:lnTo>
-                    <a:pt x="198348" y="337540"/>
-                  </a:lnTo>
-                  <a:close/>
-                </a:path>
-                <a:path w="3693159" h="700405">
-                  <a:moveTo>
-                    <a:pt x="198348" y="175044"/>
-                  </a:moveTo>
-                  <a:lnTo>
-                    <a:pt x="0" y="175044"/>
-                  </a:lnTo>
-                  <a:lnTo>
-                    <a:pt x="0" y="199898"/>
-                  </a:lnTo>
-                  <a:lnTo>
-                    <a:pt x="198348" y="199898"/>
-                  </a:lnTo>
-                  <a:lnTo>
-                    <a:pt x="198348" y="175044"/>
-                  </a:lnTo>
-                  <a:close/>
-                </a:path>
-                <a:path w="3693159" h="700405">
-                  <a:moveTo>
-                    <a:pt x="198348" y="16789"/>
-                  </a:moveTo>
-                  <a:lnTo>
-                    <a:pt x="0" y="16789"/>
-                  </a:lnTo>
-                  <a:lnTo>
-                    <a:pt x="0" y="41592"/>
-                  </a:lnTo>
-                  <a:lnTo>
-                    <a:pt x="198348" y="41592"/>
-                  </a:lnTo>
-                  <a:lnTo>
-                    <a:pt x="198348" y="16789"/>
-                  </a:lnTo>
-                  <a:close/>
-                </a:path>
-                <a:path w="3693159" h="700405">
-                  <a:moveTo>
-                    <a:pt x="908519" y="161366"/>
-                  </a:moveTo>
-                  <a:lnTo>
-                    <a:pt x="906360" y="130289"/>
-                  </a:lnTo>
-                  <a:lnTo>
-                    <a:pt x="905611" y="119291"/>
-                  </a:lnTo>
-                  <a:lnTo>
-                    <a:pt x="892365" y="84505"/>
-                  </a:lnTo>
-                  <a:lnTo>
-                    <a:pt x="840524" y="34785"/>
-                  </a:lnTo>
-                  <a:lnTo>
-                    <a:pt x="804722" y="18783"/>
-                  </a:lnTo>
-                  <a:lnTo>
-                    <a:pt x="764197" y="8001"/>
-                  </a:lnTo>
-                  <a:lnTo>
-                    <a:pt x="720369" y="1905"/>
-                  </a:lnTo>
-                  <a:lnTo>
-                    <a:pt x="674636" y="0"/>
-                  </a:lnTo>
-                  <a:lnTo>
-                    <a:pt x="627634" y="1714"/>
-                  </a:lnTo>
-                  <a:lnTo>
-                    <a:pt x="580974" y="7264"/>
-                  </a:lnTo>
-                  <a:lnTo>
-                    <a:pt x="535597" y="17233"/>
-                  </a:lnTo>
-                  <a:lnTo>
-                    <a:pt x="492467" y="32207"/>
-                  </a:lnTo>
-                  <a:lnTo>
-                    <a:pt x="452539" y="52793"/>
-                  </a:lnTo>
-                  <a:lnTo>
-                    <a:pt x="416775" y="79552"/>
-                  </a:lnTo>
-                  <a:lnTo>
-                    <a:pt x="386105" y="113106"/>
-                  </a:lnTo>
-                  <a:lnTo>
-                    <a:pt x="361505" y="154012"/>
-                  </a:lnTo>
-                  <a:lnTo>
-                    <a:pt x="343928" y="202895"/>
-                  </a:lnTo>
-                  <a:lnTo>
-                    <a:pt x="339178" y="254914"/>
-                  </a:lnTo>
-                  <a:lnTo>
-                    <a:pt x="348348" y="300837"/>
-                  </a:lnTo>
-                  <a:lnTo>
-                    <a:pt x="371932" y="338734"/>
-                  </a:lnTo>
-                  <a:lnTo>
-                    <a:pt x="410464" y="366699"/>
-                  </a:lnTo>
-                  <a:lnTo>
-                    <a:pt x="460248" y="387223"/>
-                  </a:lnTo>
-                  <a:lnTo>
-                    <a:pt x="508927" y="402183"/>
-                  </a:lnTo>
-                  <a:lnTo>
-                    <a:pt x="594918" y="424510"/>
-                  </a:lnTo>
-                  <a:lnTo>
-                    <a:pt x="628230" y="436435"/>
-                  </a:lnTo>
-                  <a:lnTo>
-                    <a:pt x="652437" y="451891"/>
-                  </a:lnTo>
-                  <a:lnTo>
-                    <a:pt x="665518" y="473189"/>
-                  </a:lnTo>
-                  <a:lnTo>
-                    <a:pt x="665480" y="502577"/>
-                  </a:lnTo>
-                  <a:lnTo>
-                    <a:pt x="650036" y="531888"/>
-                  </a:lnTo>
-                  <a:lnTo>
-                    <a:pt x="622058" y="552818"/>
-                  </a:lnTo>
-                  <a:lnTo>
-                    <a:pt x="587781" y="565378"/>
-                  </a:lnTo>
-                  <a:lnTo>
-                    <a:pt x="553491" y="569556"/>
-                  </a:lnTo>
-                  <a:lnTo>
-                    <a:pt x="508863" y="563194"/>
-                  </a:lnTo>
-                  <a:lnTo>
-                    <a:pt x="477088" y="544436"/>
-                  </a:lnTo>
-                  <a:lnTo>
-                    <a:pt x="460565" y="513829"/>
-                  </a:lnTo>
-                  <a:lnTo>
-                    <a:pt x="461657" y="471868"/>
-                  </a:lnTo>
-                  <a:lnTo>
-                    <a:pt x="275513" y="471868"/>
-                  </a:lnTo>
-                  <a:lnTo>
-                    <a:pt x="269417" y="527735"/>
-                  </a:lnTo>
-                  <a:lnTo>
-                    <a:pt x="274345" y="574230"/>
-                  </a:lnTo>
-                  <a:lnTo>
-                    <a:pt x="289204" y="612089"/>
-                  </a:lnTo>
-                  <a:lnTo>
-                    <a:pt x="312864" y="642086"/>
-                  </a:lnTo>
-                  <a:lnTo>
-                    <a:pt x="344195" y="664946"/>
-                  </a:lnTo>
-                  <a:lnTo>
-                    <a:pt x="382104" y="681418"/>
-                  </a:lnTo>
-                  <a:lnTo>
-                    <a:pt x="425462" y="692264"/>
-                  </a:lnTo>
-                  <a:lnTo>
-                    <a:pt x="473138" y="698233"/>
-                  </a:lnTo>
-                  <a:lnTo>
-                    <a:pt x="524040" y="700049"/>
-                  </a:lnTo>
-                  <a:lnTo>
-                    <a:pt x="575614" y="697547"/>
-                  </a:lnTo>
-                  <a:lnTo>
-                    <a:pt x="626071" y="690016"/>
-                  </a:lnTo>
-                  <a:lnTo>
-                    <a:pt x="674395" y="677392"/>
-                  </a:lnTo>
-                  <a:lnTo>
-                    <a:pt x="719594" y="659612"/>
-                  </a:lnTo>
-                  <a:lnTo>
-                    <a:pt x="760653" y="636625"/>
-                  </a:lnTo>
-                  <a:lnTo>
-                    <a:pt x="796569" y="608368"/>
-                  </a:lnTo>
-                  <a:lnTo>
-                    <a:pt x="826338" y="574776"/>
-                  </a:lnTo>
-                  <a:lnTo>
-                    <a:pt x="829360" y="569556"/>
-                  </a:lnTo>
-                  <a:lnTo>
-                    <a:pt x="848944" y="535813"/>
-                  </a:lnTo>
-                  <a:lnTo>
-                    <a:pt x="863396" y="491388"/>
-                  </a:lnTo>
-                  <a:lnTo>
-                    <a:pt x="869175" y="436956"/>
-                  </a:lnTo>
-                  <a:lnTo>
-                    <a:pt x="862241" y="393573"/>
-                  </a:lnTo>
-                  <a:lnTo>
-                    <a:pt x="844702" y="359727"/>
-                  </a:lnTo>
-                  <a:lnTo>
-                    <a:pt x="786168" y="314388"/>
-                  </a:lnTo>
-                  <a:lnTo>
-                    <a:pt x="749376" y="299808"/>
-                  </a:lnTo>
-                  <a:lnTo>
-                    <a:pt x="710349" y="288569"/>
-                  </a:lnTo>
-                  <a:lnTo>
-                    <a:pt x="633984" y="269887"/>
-                  </a:lnTo>
-                  <a:lnTo>
-                    <a:pt x="598474" y="259105"/>
-                  </a:lnTo>
-                  <a:lnTo>
-                    <a:pt x="566496" y="244411"/>
-                  </a:lnTo>
-                  <a:lnTo>
-                    <a:pt x="545185" y="222910"/>
-                  </a:lnTo>
-                  <a:lnTo>
-                    <a:pt x="541693" y="191706"/>
-                  </a:lnTo>
-                  <a:lnTo>
-                    <a:pt x="553224" y="167970"/>
-                  </a:lnTo>
-                  <a:lnTo>
-                    <a:pt x="574852" y="148424"/>
-                  </a:lnTo>
-                  <a:lnTo>
-                    <a:pt x="603161" y="135166"/>
-                  </a:lnTo>
-                  <a:lnTo>
-                    <a:pt x="634758" y="130289"/>
-                  </a:lnTo>
-                  <a:lnTo>
-                    <a:pt x="656818" y="131673"/>
-                  </a:lnTo>
-                  <a:lnTo>
-                    <a:pt x="701903" y="151714"/>
-                  </a:lnTo>
-                  <a:lnTo>
-                    <a:pt x="716381" y="192925"/>
-                  </a:lnTo>
-                  <a:lnTo>
-                    <a:pt x="713574" y="211251"/>
-                  </a:lnTo>
-                  <a:lnTo>
-                    <a:pt x="899693" y="211251"/>
-                  </a:lnTo>
-                  <a:lnTo>
-                    <a:pt x="908519" y="161366"/>
-                  </a:lnTo>
-                  <a:close/>
-                </a:path>
-                <a:path w="3693159" h="700405">
-                  <a:moveTo>
-                    <a:pt x="1580972" y="13944"/>
-                  </a:moveTo>
-                  <a:lnTo>
-                    <a:pt x="1069098" y="13944"/>
-                  </a:lnTo>
-                  <a:lnTo>
-                    <a:pt x="926249" y="685927"/>
-                  </a:lnTo>
-                  <a:lnTo>
-                    <a:pt x="1438135" y="685927"/>
-                  </a:lnTo>
-                  <a:lnTo>
-                    <a:pt x="1465884" y="555599"/>
-                  </a:lnTo>
-                  <a:lnTo>
-                    <a:pt x="1140129" y="555599"/>
-                  </a:lnTo>
-                  <a:lnTo>
-                    <a:pt x="1170381" y="413207"/>
-                  </a:lnTo>
-                  <a:lnTo>
-                    <a:pt x="1470063" y="413207"/>
-                  </a:lnTo>
-                  <a:lnTo>
-                    <a:pt x="1497672" y="282956"/>
-                  </a:lnTo>
-                  <a:lnTo>
-                    <a:pt x="1197978" y="282956"/>
-                  </a:lnTo>
-                  <a:lnTo>
-                    <a:pt x="1227455" y="144233"/>
-                  </a:lnTo>
-                  <a:lnTo>
-                    <a:pt x="1553210" y="144233"/>
-                  </a:lnTo>
-                  <a:lnTo>
-                    <a:pt x="1580972" y="13944"/>
-                  </a:lnTo>
-                  <a:close/>
-                </a:path>
-                <a:path w="3693159" h="700405">
-                  <a:moveTo>
-                    <a:pt x="2341346" y="13944"/>
-                  </a:moveTo>
-                  <a:lnTo>
-                    <a:pt x="2173833" y="13944"/>
-                  </a:lnTo>
-                  <a:lnTo>
-                    <a:pt x="2067725" y="512775"/>
-                  </a:lnTo>
-                  <a:lnTo>
-                    <a:pt x="2065553" y="514680"/>
-                  </a:lnTo>
-                  <a:lnTo>
-                    <a:pt x="1984070" y="171272"/>
-                  </a:lnTo>
-                  <a:lnTo>
-                    <a:pt x="1946732" y="13944"/>
-                  </a:lnTo>
-                  <a:lnTo>
-                    <a:pt x="1686140" y="13944"/>
-                  </a:lnTo>
-                  <a:lnTo>
-                    <a:pt x="1543278" y="685927"/>
-                  </a:lnTo>
-                  <a:lnTo>
-                    <a:pt x="1710817" y="685927"/>
-                  </a:lnTo>
-                  <a:lnTo>
-                    <a:pt x="1820189" y="171272"/>
-                  </a:lnTo>
-                  <a:lnTo>
-                    <a:pt x="1822030" y="171272"/>
-                  </a:lnTo>
-                  <a:lnTo>
-                    <a:pt x="1940687" y="685927"/>
-                  </a:lnTo>
-                  <a:lnTo>
-                    <a:pt x="2198497" y="685927"/>
-                  </a:lnTo>
-                  <a:lnTo>
-                    <a:pt x="2234895" y="514680"/>
-                  </a:lnTo>
-                  <a:lnTo>
-                    <a:pt x="2341346" y="13944"/>
-                  </a:lnTo>
-                  <a:close/>
-                </a:path>
-                <a:path w="3693159" h="700405">
-                  <a:moveTo>
-                    <a:pt x="3024949" y="685927"/>
-                  </a:moveTo>
-                  <a:lnTo>
-                    <a:pt x="3001048" y="554685"/>
-                  </a:lnTo>
-                  <a:lnTo>
-                    <a:pt x="2977324" y="424395"/>
-                  </a:lnTo>
-                  <a:lnTo>
-                    <a:pt x="2926461" y="145148"/>
-                  </a:lnTo>
-                  <a:lnTo>
-                    <a:pt x="2902572" y="13944"/>
-                  </a:lnTo>
-                  <a:lnTo>
-                    <a:pt x="2779877" y="13944"/>
-                  </a:lnTo>
-                  <a:lnTo>
-                    <a:pt x="2779877" y="424395"/>
-                  </a:lnTo>
-                  <a:lnTo>
-                    <a:pt x="2600248" y="424395"/>
-                  </a:lnTo>
-                  <a:lnTo>
-                    <a:pt x="2750858" y="145148"/>
-                  </a:lnTo>
-                  <a:lnTo>
-                    <a:pt x="2753639" y="145148"/>
-                  </a:lnTo>
-                  <a:lnTo>
-                    <a:pt x="2779877" y="424395"/>
-                  </a:lnTo>
-                  <a:lnTo>
-                    <a:pt x="2779877" y="13944"/>
-                  </a:lnTo>
-                  <a:lnTo>
-                    <a:pt x="2675471" y="13944"/>
-                  </a:lnTo>
-                  <a:lnTo>
-                    <a:pt x="2267343" y="685927"/>
-                  </a:lnTo>
-                  <a:lnTo>
-                    <a:pt x="2453513" y="685927"/>
-                  </a:lnTo>
-                  <a:lnTo>
-                    <a:pt x="2525153" y="554685"/>
-                  </a:lnTo>
-                  <a:lnTo>
-                    <a:pt x="2797873" y="554685"/>
-                  </a:lnTo>
-                  <a:lnTo>
-                    <a:pt x="2814612" y="685927"/>
-                  </a:lnTo>
-                  <a:lnTo>
-                    <a:pt x="3024949" y="685927"/>
-                  </a:lnTo>
-                  <a:close/>
-                </a:path>
-                <a:path w="3693159" h="700405">
-                  <a:moveTo>
-                    <a:pt x="3424669" y="13944"/>
-                  </a:moveTo>
-                  <a:lnTo>
-                    <a:pt x="3238538" y="13944"/>
-                  </a:lnTo>
-                  <a:lnTo>
-                    <a:pt x="3095663" y="685927"/>
-                  </a:lnTo>
-                  <a:lnTo>
-                    <a:pt x="3281819" y="685927"/>
-                  </a:lnTo>
-                  <a:lnTo>
-                    <a:pt x="3424669" y="13944"/>
-                  </a:lnTo>
-                  <a:close/>
-                </a:path>
-                <a:path w="3693159" h="700405">
-                  <a:moveTo>
-                    <a:pt x="3692918" y="660984"/>
-                  </a:moveTo>
-                  <a:lnTo>
-                    <a:pt x="3494570" y="660984"/>
-                  </a:lnTo>
-                  <a:lnTo>
-                    <a:pt x="3494570" y="685812"/>
-                  </a:lnTo>
-                  <a:lnTo>
-                    <a:pt x="3692918" y="685812"/>
-                  </a:lnTo>
-                  <a:lnTo>
-                    <a:pt x="3692918" y="660984"/>
-                  </a:lnTo>
-                  <a:close/>
-                </a:path>
-                <a:path w="3693159" h="700405">
-                  <a:moveTo>
-                    <a:pt x="3692918" y="502246"/>
-                  </a:moveTo>
-                  <a:lnTo>
-                    <a:pt x="3494570" y="502246"/>
-                  </a:lnTo>
-                  <a:lnTo>
-                    <a:pt x="3494570" y="527050"/>
-                  </a:lnTo>
-                  <a:lnTo>
-                    <a:pt x="3692918" y="527050"/>
-                  </a:lnTo>
-                  <a:lnTo>
-                    <a:pt x="3692918" y="502246"/>
-                  </a:lnTo>
-                  <a:close/>
-                </a:path>
-                <a:path w="3693159" h="700405">
-                  <a:moveTo>
-                    <a:pt x="3692918" y="337540"/>
-                  </a:moveTo>
-                  <a:lnTo>
-                    <a:pt x="3494570" y="337540"/>
-                  </a:lnTo>
-                  <a:lnTo>
-                    <a:pt x="3494570" y="362356"/>
-                  </a:lnTo>
-                  <a:lnTo>
-                    <a:pt x="3692918" y="362356"/>
-                  </a:lnTo>
-                  <a:lnTo>
-                    <a:pt x="3692918" y="337540"/>
-                  </a:lnTo>
-                  <a:close/>
-                </a:path>
-                <a:path w="3693159" h="700405">
-                  <a:moveTo>
-                    <a:pt x="3692918" y="175044"/>
-                  </a:moveTo>
-                  <a:lnTo>
-                    <a:pt x="3494570" y="175044"/>
-                  </a:lnTo>
-                  <a:lnTo>
-                    <a:pt x="3494570" y="199898"/>
-                  </a:lnTo>
-                  <a:lnTo>
-                    <a:pt x="3692918" y="199898"/>
-                  </a:lnTo>
-                  <a:lnTo>
-                    <a:pt x="3692918" y="175044"/>
-                  </a:lnTo>
-                  <a:close/>
-                </a:path>
-                <a:path w="3693159" h="700405">
-                  <a:moveTo>
-                    <a:pt x="3692918" y="16789"/>
-                  </a:moveTo>
-                  <a:lnTo>
-                    <a:pt x="3494570" y="16789"/>
-                  </a:lnTo>
-                  <a:lnTo>
-                    <a:pt x="3494570" y="41592"/>
-                  </a:lnTo>
-                  <a:lnTo>
-                    <a:pt x="3692918" y="41592"/>
-                  </a:lnTo>
-                  <a:lnTo>
-                    <a:pt x="3692918" y="16789"/>
-                  </a:lnTo>
-                  <a:close/>
-                </a:path>
-              </a:pathLst>
-            </a:custGeom>
-            <a:solidFill>
-              <a:srgbClr val="FFFFFF"/>
-            </a:solidFill>
-          </p:spPr>
-          <p:txBody>
-            <a:bodyPr wrap="square" lIns="0" tIns="0" rIns="0" bIns="0" rtlCol="0"/>
-            <a:lstStyle/>
-            <a:p>
-              <a:endParaRPr/>
-            </a:p>
-          </p:txBody>
-        </p:sp>
-      </p:grpSp>
-      <p:sp>
-        <p:nvSpPr>
-          <p:cNvPr id="6" name="object 6">
-            <a:extLst>
-              <a:ext uri="{FF2B5EF4-FFF2-40B4-BE49-F238E27FC236}">
-                <a16:creationId xmlns:a16="http://schemas.microsoft.com/office/drawing/2014/main" id="{6D6CA1DE-B624-7988-9395-E9F9FD5AFC38}"/>
-              </a:ext>
-            </a:extLst>
-          </p:cNvPr>
-          <p:cNvSpPr/>
-          <p:nvPr/>
-        </p:nvSpPr>
-        <p:spPr>
-          <a:xfrm>
-            <a:off x="1047088" y="1047088"/>
-            <a:ext cx="0" cy="1466215"/>
-          </a:xfrm>
-          <a:custGeom>
-            <a:avLst/>
-            <a:gdLst/>
-            <a:ahLst/>
-            <a:cxnLst/>
-            <a:rect l="l" t="t" r="r" b="b"/>
-            <a:pathLst>
-              <a:path h="1466214">
-                <a:moveTo>
-                  <a:pt x="0" y="0"/>
-                </a:moveTo>
-                <a:lnTo>
-                  <a:pt x="0" y="1465923"/>
-                </a:lnTo>
-              </a:path>
-            </a:pathLst>
-          </a:custGeom>
-          <a:ln w="104708">
-            <a:solidFill>
-              <a:srgbClr val="C1272C"/>
-            </a:solidFill>
-          </a:ln>
-        </p:spPr>
-        <p:txBody>
-          <a:bodyPr wrap="square" lIns="0" tIns="0" rIns="0" bIns="0" rtlCol="0"/>
-          <a:lstStyle/>
-          <a:p>
-            <a:endParaRPr/>
-          </a:p>
-        </p:txBody>
-      </p:sp>
-      <p:sp>
-        <p:nvSpPr>
-          <p:cNvPr id="7" name="object 7">
-            <a:extLst>
-              <a:ext uri="{FF2B5EF4-FFF2-40B4-BE49-F238E27FC236}">
-                <a16:creationId xmlns:a16="http://schemas.microsoft.com/office/drawing/2014/main" id="{09C8175D-10AE-2599-5DC1-90698FFC6FDC}"/>
-              </a:ext>
-            </a:extLst>
-          </p:cNvPr>
-          <p:cNvSpPr/>
-          <p:nvPr/>
-        </p:nvSpPr>
-        <p:spPr>
-          <a:xfrm>
-            <a:off x="0" y="11151492"/>
-            <a:ext cx="20104100" cy="157480"/>
-          </a:xfrm>
-          <a:custGeom>
-            <a:avLst/>
-            <a:gdLst/>
-            <a:ahLst/>
-            <a:cxnLst/>
-            <a:rect l="l" t="t" r="r" b="b"/>
-            <a:pathLst>
-              <a:path w="20104100" h="157479">
-                <a:moveTo>
-                  <a:pt x="20104099" y="0"/>
-                </a:moveTo>
-                <a:lnTo>
-                  <a:pt x="0" y="0"/>
-                </a:lnTo>
-                <a:lnTo>
-                  <a:pt x="0" y="157063"/>
-                </a:lnTo>
-                <a:lnTo>
-                  <a:pt x="20104099" y="157063"/>
-                </a:lnTo>
-                <a:lnTo>
-                  <a:pt x="20104099" y="0"/>
-                </a:lnTo>
-                <a:close/>
-              </a:path>
-            </a:pathLst>
-          </a:custGeom>
-          <a:solidFill>
-            <a:srgbClr val="C1272C"/>
-          </a:solidFill>
-        </p:spPr>
-        <p:txBody>
-          <a:bodyPr wrap="square" lIns="0" tIns="0" rIns="0" bIns="0" rtlCol="0"/>
-          <a:lstStyle/>
-          <a:p>
-            <a:endParaRPr/>
-          </a:p>
-        </p:txBody>
-      </p:sp>
-      <p:sp>
-        <p:nvSpPr>
-          <p:cNvPr id="15" name="object 15">
-            <a:extLst>
-              <a:ext uri="{FF2B5EF4-FFF2-40B4-BE49-F238E27FC236}">
-                <a16:creationId xmlns:a16="http://schemas.microsoft.com/office/drawing/2014/main" id="{BEC099FE-2F8F-B26D-8373-E4D614D284E7}"/>
-              </a:ext>
-            </a:extLst>
-          </p:cNvPr>
-          <p:cNvSpPr txBox="1">
-            <a:spLocks noGrp="1"/>
-          </p:cNvSpPr>
-          <p:nvPr>
-            <p:ph type="title"/>
-          </p:nvPr>
-        </p:nvSpPr>
-        <p:spPr>
-          <a:xfrm>
-            <a:off x="1526490" y="1167618"/>
-            <a:ext cx="12411753" cy="768800"/>
-          </a:xfrm>
-          <a:prstGeom prst="rect">
-            <a:avLst/>
-          </a:prstGeom>
-        </p:spPr>
-        <p:txBody>
-          <a:bodyPr vert="horz" wrap="square" lIns="0" tIns="12065" rIns="0" bIns="0" rtlCol="0" anchor="t">
-            <a:spAutoFit/>
-          </a:bodyPr>
-          <a:lstStyle/>
-          <a:p>
-            <a:pPr marL="12700">
-              <a:lnSpc>
-                <a:spcPts val="5940"/>
-              </a:lnSpc>
-              <a:spcBef>
-                <a:spcPts val="95"/>
-              </a:spcBef>
-            </a:pPr>
-            <a:r>
-              <a:rPr lang="pt-BR" sz="5400" b="1" dirty="0">
-                <a:latin typeface="Montserrat ExtraBold" panose="00000900000000000000" pitchFamily="2" charset="0"/>
-              </a:rPr>
-              <a:t>Regras de negócios</a:t>
-            </a:r>
-            <a:endParaRPr lang="pt-BR" sz="4950" b="1" spc="-15" dirty="0">
-              <a:latin typeface="Montserrat ExtraBold" panose="00000900000000000000" pitchFamily="2" charset="0"/>
-              <a:cs typeface="Montserrat ExtraBold"/>
-            </a:endParaRPr>
-          </a:p>
-        </p:txBody>
-      </p:sp>
-      <p:sp>
-        <p:nvSpPr>
-          <p:cNvPr id="10" name="CaixaDeTexto 9">
-            <a:extLst>
-              <a:ext uri="{FF2B5EF4-FFF2-40B4-BE49-F238E27FC236}">
-                <a16:creationId xmlns:a16="http://schemas.microsoft.com/office/drawing/2014/main" id="{78DB7CDA-2A9E-9F53-3A81-C08815B1CA16}"/>
-              </a:ext>
-            </a:extLst>
-          </p:cNvPr>
-          <p:cNvSpPr txBox="1"/>
-          <p:nvPr/>
-        </p:nvSpPr>
-        <p:spPr>
-          <a:xfrm>
-            <a:off x="1526491" y="3063875"/>
-            <a:ext cx="16911842" cy="4401205"/>
-          </a:xfrm>
-          <a:prstGeom prst="rect">
-            <a:avLst/>
-          </a:prstGeom>
-          <a:noFill/>
-        </p:spPr>
-        <p:txBody>
-          <a:bodyPr wrap="square" rtlCol="0">
-            <a:spAutoFit/>
-          </a:bodyPr>
-          <a:lstStyle/>
-          <a:p>
-            <a:r>
-              <a:rPr lang="pt-BR" sz="4000" dirty="0"/>
-              <a:t>São diretrizes, políticas, leis, regulamentos ou definições que restringem ou ditam como uma organização opera. Elas representam a inteligência e a lógica da empresa.</a:t>
-            </a:r>
-            <a:br>
-              <a:rPr lang="pt-BR" sz="4000" dirty="0"/>
-            </a:br>
-            <a:endParaRPr lang="pt-BR" sz="4000" dirty="0"/>
-          </a:p>
-          <a:p>
-            <a:r>
-              <a:rPr lang="pt-BR" sz="4000" dirty="0"/>
-              <a:t>O ponto chave é: </a:t>
-            </a:r>
-            <a:r>
-              <a:rPr lang="pt-BR" sz="4000" b="1" dirty="0"/>
-              <a:t>A Regra de Negócio existe mesmo se o software não existir.</a:t>
-            </a:r>
-            <a:br>
-              <a:rPr lang="pt-BR" sz="4000" b="1" dirty="0"/>
-            </a:br>
-            <a:br>
-              <a:rPr lang="pt-BR" sz="4000" b="1" dirty="0"/>
-            </a:br>
-            <a:r>
-              <a:rPr lang="pt-BR" sz="4000" b="1" dirty="0"/>
-              <a:t>Exemplo: </a:t>
-            </a:r>
-            <a:r>
-              <a:rPr lang="pt-BR" sz="4000" dirty="0"/>
-              <a:t>Meia entrada somente com carteira de estudante.</a:t>
-            </a:r>
-          </a:p>
-        </p:txBody>
-      </p:sp>
-    </p:spTree>
-    <p:extLst>
-      <p:ext uri="{BB962C8B-B14F-4D97-AF65-F5344CB8AC3E}">
-        <p14:creationId xmlns:p14="http://schemas.microsoft.com/office/powerpoint/2010/main" val="3775333069"/>
       </p:ext>
     </p:extLst>
   </p:cSld>
@@ -42067,6 +45393,12 @@
 </file>
 
 <file path=customXml/item2.xml><?xml version="1.0" encoding="utf-8"?>
+<p:properties xmlns:p="http://schemas.microsoft.com/office/2006/metadata/properties" xmlns:xsi="http://www.w3.org/2001/XMLSchema-instance" xmlns:pc="http://schemas.microsoft.com/office/infopath/2007/PartnerControls">
+  <documentManagement/>
+</p:properties>
+</file>
+
+<file path=customXml/item3.xml><?xml version="1.0" encoding="utf-8"?>
 <ct:contentTypeSchema xmlns:ct="http://schemas.microsoft.com/office/2006/metadata/contentType" xmlns:ma="http://schemas.microsoft.com/office/2006/metadata/properties/metaAttributes" ct:_="" ma:_="" ma:contentTypeName="Documento" ma:contentTypeID="0x010100A0D1E2450D2CCF4B94B30D13213EC305" ma:contentTypeVersion="14" ma:contentTypeDescription="Crie um novo documento." ma:contentTypeScope="" ma:versionID="80af2ae99a390bb8f99db6a6f71dbd11">
   <xsd:schema xmlns:xsd="http://www.w3.org/2001/XMLSchema" xmlns:xs="http://www.w3.org/2001/XMLSchema" xmlns:p="http://schemas.microsoft.com/office/2006/metadata/properties" xmlns:ns3="e2750cde-43d6-4eda-a582-fdf0d091b109" xmlns:ns4="b37a9e9f-dabd-4ec4-96f1-5ea18684f50e" targetNamespace="http://schemas.microsoft.com/office/2006/metadata/properties" ma:root="true" ma:fieldsID="2dc6d4c45140fd29241634ff7e109878" ns3:_="" ns4:_="">
     <xsd:import namespace="e2750cde-43d6-4eda-a582-fdf0d091b109"/>
@@ -42295,12 +45627,6 @@
 </ct:contentTypeSchema>
 </file>
 
-<file path=customXml/item3.xml><?xml version="1.0" encoding="utf-8"?>
-<p:properties xmlns:p="http://schemas.microsoft.com/office/2006/metadata/properties" xmlns:xsi="http://www.w3.org/2001/XMLSchema-instance" xmlns:pc="http://schemas.microsoft.com/office/infopath/2007/PartnerControls">
-  <documentManagement/>
-</p:properties>
-</file>
-
 <file path=customXml/itemProps1.xml><?xml version="1.0" encoding="utf-8"?>
 <ds:datastoreItem xmlns:ds="http://schemas.openxmlformats.org/officeDocument/2006/customXml" ds:itemID="{65F35E67-04E6-4922-B19E-6681FBF95DE2}">
   <ds:schemaRefs>
@@ -42310,6 +45636,23 @@
 </file>
 
 <file path=customXml/itemProps2.xml><?xml version="1.0" encoding="utf-8"?>
+<ds:datastoreItem xmlns:ds="http://schemas.openxmlformats.org/officeDocument/2006/customXml" ds:itemID="{AAA42D19-56A1-4D0B-AB84-67451006DC5A}">
+  <ds:schemaRefs>
+    <ds:schemaRef ds:uri="http://purl.org/dc/elements/1.1/"/>
+    <ds:schemaRef ds:uri="http://schemas.microsoft.com/office/2006/metadata/properties"/>
+    <ds:schemaRef ds:uri="b37a9e9f-dabd-4ec4-96f1-5ea18684f50e"/>
+    <ds:schemaRef ds:uri="http://purl.org/dc/terms/"/>
+    <ds:schemaRef ds:uri="http://schemas.openxmlformats.org/package/2006/metadata/core-properties"/>
+    <ds:schemaRef ds:uri="e2750cde-43d6-4eda-a582-fdf0d091b109"/>
+    <ds:schemaRef ds:uri="http://schemas.microsoft.com/office/2006/documentManagement/types"/>
+    <ds:schemaRef ds:uri="http://schemas.microsoft.com/office/infopath/2007/PartnerControls"/>
+    <ds:schemaRef ds:uri="http://www.w3.org/XML/1998/namespace"/>
+    <ds:schemaRef ds:uri="http://purl.org/dc/dcmitype/"/>
+  </ds:schemaRefs>
+</ds:datastoreItem>
+</file>
+
+<file path=customXml/itemProps3.xml><?xml version="1.0" encoding="utf-8"?>
 <ds:datastoreItem xmlns:ds="http://schemas.openxmlformats.org/officeDocument/2006/customXml" ds:itemID="{B1169B78-FDA6-4A96-82D9-CDF50108CDA4}">
   <ds:schemaRefs>
     <ds:schemaRef ds:uri="http://schemas.microsoft.com/office/2006/metadata/contentType"/>
@@ -42328,23 +45671,6 @@
 </ds:datastoreItem>
 </file>
 
-<file path=customXml/itemProps3.xml><?xml version="1.0" encoding="utf-8"?>
-<ds:datastoreItem xmlns:ds="http://schemas.openxmlformats.org/officeDocument/2006/customXml" ds:itemID="{AAA42D19-56A1-4D0B-AB84-67451006DC5A}">
-  <ds:schemaRefs>
-    <ds:schemaRef ds:uri="http://purl.org/dc/elements/1.1/"/>
-    <ds:schemaRef ds:uri="http://schemas.microsoft.com/office/2006/metadata/properties"/>
-    <ds:schemaRef ds:uri="b37a9e9f-dabd-4ec4-96f1-5ea18684f50e"/>
-    <ds:schemaRef ds:uri="http://purl.org/dc/terms/"/>
-    <ds:schemaRef ds:uri="http://schemas.openxmlformats.org/package/2006/metadata/core-properties"/>
-    <ds:schemaRef ds:uri="e2750cde-43d6-4eda-a582-fdf0d091b109"/>
-    <ds:schemaRef ds:uri="http://schemas.microsoft.com/office/2006/documentManagement/types"/>
-    <ds:schemaRef ds:uri="http://schemas.microsoft.com/office/infopath/2007/PartnerControls"/>
-    <ds:schemaRef ds:uri="http://www.w3.org/XML/1998/namespace"/>
-    <ds:schemaRef ds:uri="http://purl.org/dc/dcmitype/"/>
-  </ds:schemaRefs>
-</ds:datastoreItem>
-</file>
-
 <file path=docMetadata/LabelInfo.xml><?xml version="1.0" encoding="utf-8"?>
 <clbl:labelList xmlns:clbl="http://schemas.microsoft.com/office/2020/mipLabelMetadata">
   <clbl:label id="{4148a6de-0dd1-4d04-a4c5-78e374e4f6d6}" enabled="0" method="" siteId="{4148a6de-0dd1-4d04-a4c5-78e374e4f6d6}" removed="1"/>

--- a/ds/seduc/1des/03-ler/Aula01/Levantamento de Requisitos.pptx
+++ b/ds/seduc/1des/03-ler/Aula01/Levantamento de Requisitos.pptx
@@ -265,7 +265,7 @@
           <a:p>
             <a:fld id="{4E511300-05A8-42F5-84F5-2A0388843EF7}" type="datetimeFigureOut">
               <a:rPr lang="pt-BR" smtClean="0"/>
-              <a:t>03/02/2026</a:t>
+              <a:t>09/02/2026</a:t>
             </a:fld>
             <a:endParaRPr lang="pt-BR"/>
           </a:p>
@@ -3141,7 +3141,7 @@
           <a:p>
             <a:fld id="{1D8BD707-D9CF-40AE-B4C6-C98DA3205C09}" type="datetimeFigureOut">
               <a:rPr lang="en-US"/>
-              <a:t>2/3/2026</a:t>
+              <a:t>2/9/2026</a:t>
             </a:fld>
             <a:endParaRPr lang="en-US"/>
           </a:p>
@@ -3318,7 +3318,7 @@
           <a:p>
             <a:fld id="{1D8BD707-D9CF-40AE-B4C6-C98DA3205C09}" type="datetimeFigureOut">
               <a:rPr lang="en-US"/>
-              <a:t>2/3/2026</a:t>
+              <a:t>2/9/2026</a:t>
             </a:fld>
             <a:endParaRPr lang="en-US"/>
           </a:p>
@@ -4367,7 +4367,7 @@
           <a:p>
             <a:fld id="{1D8BD707-D9CF-40AE-B4C6-C98DA3205C09}" type="datetimeFigureOut">
               <a:rPr lang="en-US"/>
-              <a:t>2/3/2026</a:t>
+              <a:t>2/9/2026</a:t>
             </a:fld>
             <a:endParaRPr lang="en-US"/>
           </a:p>
@@ -4573,7 +4573,7 @@
           <a:p>
             <a:fld id="{1D8BD707-D9CF-40AE-B4C6-C98DA3205C09}" type="datetimeFigureOut">
               <a:rPr lang="en-US"/>
-              <a:t>2/3/2026</a:t>
+              <a:t>2/9/2026</a:t>
             </a:fld>
             <a:endParaRPr lang="en-US"/>
           </a:p>
@@ -4692,7 +4692,7 @@
           <a:p>
             <a:fld id="{1D8BD707-D9CF-40AE-B4C6-C98DA3205C09}" type="datetimeFigureOut">
               <a:rPr lang="en-US"/>
-              <a:t>2/3/2026</a:t>
+              <a:t>2/9/2026</a:t>
             </a:fld>
             <a:endParaRPr lang="en-US"/>
           </a:p>
@@ -5378,7 +5378,7 @@
           <a:p>
             <a:fld id="{1D8BD707-D9CF-40AE-B4C6-C98DA3205C09}" type="datetimeFigureOut">
               <a:rPr lang="en-US"/>
-              <a:t>2/3/2026</a:t>
+              <a:t>2/9/2026</a:t>
             </a:fld>
             <a:endParaRPr lang="en-US"/>
           </a:p>
@@ -15352,7 +15352,7 @@
         </p:nvSpPr>
         <p:spPr>
           <a:xfrm>
-            <a:off x="0" y="-18370"/>
+            <a:off x="0" y="-378"/>
             <a:ext cx="20104100" cy="11151870"/>
           </a:xfrm>
           <a:custGeom>
@@ -18582,203 +18582,6 @@
               </a:rPr>
               <a:t> é a fase de "descoberta". É o processo de interagir com clientes e usuários para entender o que o software deve resolver. Se essa fase falha, o projeto todo corre risco.</a:t>
             </a:r>
-          </a:p>
-        </p:txBody>
-      </p:sp>
-      <p:sp>
-        <p:nvSpPr>
-          <p:cNvPr id="34" name="Rectangle 1">
-            <a:extLst>
-              <a:ext uri="{FF2B5EF4-FFF2-40B4-BE49-F238E27FC236}">
-                <a16:creationId xmlns:a16="http://schemas.microsoft.com/office/drawing/2014/main" id="{E5E23B5D-6FC2-08B4-3962-A6EEEF34EA46}"/>
-              </a:ext>
-            </a:extLst>
-          </p:cNvPr>
-          <p:cNvSpPr>
-            <a:spLocks noChangeArrowheads="1"/>
-          </p:cNvSpPr>
-          <p:nvPr/>
-        </p:nvSpPr>
-        <p:spPr bwMode="auto">
-          <a:xfrm>
-            <a:off x="0" y="0"/>
-            <a:ext cx="20104100" cy="0"/>
-          </a:xfrm>
-          <a:prstGeom prst="rect">
-            <a:avLst/>
-          </a:prstGeom>
-          <a:noFill/>
-          <a:ln>
-            <a:noFill/>
-          </a:ln>
-          <a:effectLst/>
-          <a:extLst>
-            <a:ext uri="{909E8E84-426E-40DD-AFC4-6F175D3DCCD1}">
-              <a14:hiddenFill xmlns:a14="http://schemas.microsoft.com/office/drawing/2010/main">
-                <a:solidFill>
-                  <a:schemeClr val="accent1"/>
-                </a:solidFill>
-              </a14:hiddenFill>
-            </a:ext>
-            <a:ext uri="{91240B29-F687-4F45-9708-019B960494DF}">
-              <a14:hiddenLine xmlns:a14="http://schemas.microsoft.com/office/drawing/2010/main" w="9525">
-                <a:solidFill>
-                  <a:schemeClr val="tx1"/>
-                </a:solidFill>
-                <a:miter lim="800000"/>
-                <a:headEnd/>
-                <a:tailEnd/>
-              </a14:hiddenLine>
-            </a:ext>
-            <a:ext uri="{AF507438-7753-43E0-B8FC-AC1667EBCBE1}">
-              <a14:hiddenEffects xmlns:a14="http://schemas.microsoft.com/office/drawing/2010/main">
-                <a:effectLst>
-                  <a:outerShdw dist="35921" dir="2700000" algn="ctr" rotWithShape="0">
-                    <a:schemeClr val="bg2"/>
-                  </a:outerShdw>
-                </a:effectLst>
-              </a14:hiddenEffects>
-            </a:ext>
-          </a:extLst>
-        </p:spPr>
-        <p:txBody>
-          <a:bodyPr vert="horz" wrap="none" lIns="91440" tIns="45720" rIns="91440" bIns="45720" numCol="1" anchor="ctr" anchorCtr="0" compatLnSpc="1">
-            <a:prstTxWarp prst="textNoShape">
-              <a:avLst/>
-            </a:prstTxWarp>
-            <a:spAutoFit/>
-          </a:bodyPr>
-          <a:lstStyle/>
-          <a:p>
-            <a:pPr marL="0" marR="0" lvl="0" indent="0" algn="l" defTabSz="914400" rtl="0" eaLnBrk="0" fontAlgn="base" latinLnBrk="0" hangingPunct="0">
-              <a:lnSpc>
-                <a:spcPct val="100000"/>
-              </a:lnSpc>
-              <a:spcBef>
-                <a:spcPct val="0"/>
-              </a:spcBef>
-              <a:spcAft>
-                <a:spcPct val="0"/>
-              </a:spcAft>
-              <a:buClrTx/>
-              <a:buSzTx/>
-              <a:buFontTx/>
-              <a:buChar char="•"/>
-              <a:tabLst/>
-            </a:pPr>
-            <a:r>
-              <a:rPr kumimoji="0" lang="pt-BR" altLang="pt-BR" sz="1800" b="1" i="0" u="none" strike="noStrike" cap="none" normalizeH="0" baseline="0">
-                <a:ln>
-                  <a:noFill/>
-                </a:ln>
-                <a:solidFill>
-                  <a:schemeClr val="tx1"/>
-                </a:solidFill>
-                <a:effectLst/>
-                <a:latin typeface="Arial" panose="020B0604020202020204" pitchFamily="34" charset="0"/>
-              </a:rPr>
-              <a:t>Definição do Projeto:</a:t>
-            </a:r>
-            <a:endParaRPr kumimoji="0" lang="pt-BR" altLang="pt-BR" sz="1800" b="0" i="0" u="none" strike="noStrike" cap="none" normalizeH="0" baseline="0">
-              <a:ln>
-                <a:noFill/>
-              </a:ln>
-              <a:solidFill>
-                <a:schemeClr val="tx1"/>
-              </a:solidFill>
-              <a:effectLst/>
-              <a:latin typeface="Arial" panose="020B0604020202020204" pitchFamily="34" charset="0"/>
-            </a:endParaRPr>
-          </a:p>
-          <a:p>
-            <a:pPr marL="0" marR="0" lvl="0" indent="0" algn="l" defTabSz="914400" rtl="0" eaLnBrk="0" fontAlgn="base" latinLnBrk="0" hangingPunct="0">
-              <a:lnSpc>
-                <a:spcPct val="100000"/>
-              </a:lnSpc>
-              <a:spcBef>
-                <a:spcPct val="0"/>
-              </a:spcBef>
-              <a:spcAft>
-                <a:spcPct val="0"/>
-              </a:spcAft>
-              <a:buClrTx/>
-              <a:buSzTx/>
-              <a:buFontTx/>
-              <a:buChar char="•"/>
-              <a:tabLst/>
-            </a:pPr>
-            <a:r>
-              <a:rPr kumimoji="0" lang="pt-BR" altLang="pt-BR" sz="1800" b="0" i="0" u="none" strike="noStrike" cap="none" normalizeH="0" baseline="0">
-                <a:ln>
-                  <a:noFill/>
-                </a:ln>
-                <a:solidFill>
-                  <a:schemeClr val="tx1"/>
-                </a:solidFill>
-                <a:effectLst/>
-                <a:latin typeface="Arial" panose="020B0604020202020204" pitchFamily="34" charset="0"/>
-              </a:rPr>
-              <a:t>Determine um software a ser desenvolvido (exemplo: aplicativo de delivery, plataforma de ensino online, sistema de gestão empresarial, etc.).</a:t>
-            </a:r>
-          </a:p>
-          <a:p>
-            <a:pPr marL="0" marR="0" lvl="0" indent="0" algn="l" defTabSz="914400" rtl="0" eaLnBrk="0" fontAlgn="base" latinLnBrk="0" hangingPunct="0">
-              <a:lnSpc>
-                <a:spcPct val="100000"/>
-              </a:lnSpc>
-              <a:spcBef>
-                <a:spcPct val="0"/>
-              </a:spcBef>
-              <a:spcAft>
-                <a:spcPct val="0"/>
-              </a:spcAft>
-              <a:buClrTx/>
-              <a:buSzTx/>
-              <a:buFontTx/>
-              <a:buChar char="•"/>
-              <a:tabLst/>
-            </a:pPr>
-            <a:r>
-              <a:rPr kumimoji="0" lang="pt-BR" altLang="pt-BR" sz="1800" b="0" i="0" u="none" strike="noStrike" cap="none" normalizeH="0" baseline="0">
-                <a:ln>
-                  <a:noFill/>
-                </a:ln>
-                <a:solidFill>
-                  <a:schemeClr val="tx1"/>
-                </a:solidFill>
-                <a:effectLst/>
-                <a:latin typeface="Arial" panose="020B0604020202020204" pitchFamily="34" charset="0"/>
-              </a:rPr>
-              <a:t>Descreva brevemente o propósito do software e seus principais objetivos.</a:t>
-            </a:r>
-          </a:p>
-          <a:p>
-            <a:pPr marL="0" marR="0" lvl="0" indent="0" algn="l" defTabSz="914400" rtl="0" eaLnBrk="0" fontAlgn="base" latinLnBrk="0" hangingPunct="0">
-              <a:lnSpc>
-                <a:spcPct val="100000"/>
-              </a:lnSpc>
-              <a:spcBef>
-                <a:spcPct val="0"/>
-              </a:spcBef>
-              <a:spcAft>
-                <a:spcPct val="0"/>
-              </a:spcAft>
-              <a:buClrTx/>
-              <a:buSzTx/>
-              <a:buFontTx/>
-              <a:buNone/>
-              <a:tabLst/>
-            </a:pPr>
-            <a:endParaRPr kumimoji="0" lang="pt-BR" altLang="pt-BR" sz="1800" b="0" i="0" u="none" strike="noStrike" cap="none" normalizeH="0" baseline="0">
-              <a:ln>
-                <a:noFill/>
-              </a:ln>
-              <a:solidFill>
-                <a:schemeClr val="tx1"/>
-              </a:solidFill>
-              <a:effectLst/>
-              <a:latin typeface="Arial" panose="020B0604020202020204" pitchFamily="34" charset="0"/>
-            </a:endParaRPr>
           </a:p>
         </p:txBody>
       </p:sp>
@@ -22455,7 +22258,7 @@
         </p:nvSpPr>
         <p:spPr>
           <a:xfrm>
-            <a:off x="0" y="-136525"/>
+            <a:off x="0" y="-2471"/>
             <a:ext cx="20104100" cy="11151870"/>
           </a:xfrm>
           <a:custGeom>
@@ -25831,203 +25634,6 @@
               <a:solidFill>
                 <a:schemeClr val="bg1"/>
               </a:solidFill>
-            </a:endParaRPr>
-          </a:p>
-        </p:txBody>
-      </p:sp>
-      <p:sp>
-        <p:nvSpPr>
-          <p:cNvPr id="34" name="Rectangle 1">
-            <a:extLst>
-              <a:ext uri="{FF2B5EF4-FFF2-40B4-BE49-F238E27FC236}">
-                <a16:creationId xmlns:a16="http://schemas.microsoft.com/office/drawing/2014/main" id="{54A79E25-7A38-449F-2180-C4383BF0E84D}"/>
-              </a:ext>
-            </a:extLst>
-          </p:cNvPr>
-          <p:cNvSpPr>
-            <a:spLocks noChangeArrowheads="1"/>
-          </p:cNvSpPr>
-          <p:nvPr/>
-        </p:nvSpPr>
-        <p:spPr bwMode="auto">
-          <a:xfrm>
-            <a:off x="0" y="0"/>
-            <a:ext cx="20104100" cy="0"/>
-          </a:xfrm>
-          <a:prstGeom prst="rect">
-            <a:avLst/>
-          </a:prstGeom>
-          <a:noFill/>
-          <a:ln>
-            <a:noFill/>
-          </a:ln>
-          <a:effectLst/>
-          <a:extLst>
-            <a:ext uri="{909E8E84-426E-40DD-AFC4-6F175D3DCCD1}">
-              <a14:hiddenFill xmlns:a14="http://schemas.microsoft.com/office/drawing/2010/main">
-                <a:solidFill>
-                  <a:schemeClr val="accent1"/>
-                </a:solidFill>
-              </a14:hiddenFill>
-            </a:ext>
-            <a:ext uri="{91240B29-F687-4F45-9708-019B960494DF}">
-              <a14:hiddenLine xmlns:a14="http://schemas.microsoft.com/office/drawing/2010/main" w="9525">
-                <a:solidFill>
-                  <a:schemeClr val="tx1"/>
-                </a:solidFill>
-                <a:miter lim="800000"/>
-                <a:headEnd/>
-                <a:tailEnd/>
-              </a14:hiddenLine>
-            </a:ext>
-            <a:ext uri="{AF507438-7753-43E0-B8FC-AC1667EBCBE1}">
-              <a14:hiddenEffects xmlns:a14="http://schemas.microsoft.com/office/drawing/2010/main">
-                <a:effectLst>
-                  <a:outerShdw dist="35921" dir="2700000" algn="ctr" rotWithShape="0">
-                    <a:schemeClr val="bg2"/>
-                  </a:outerShdw>
-                </a:effectLst>
-              </a14:hiddenEffects>
-            </a:ext>
-          </a:extLst>
-        </p:spPr>
-        <p:txBody>
-          <a:bodyPr vert="horz" wrap="none" lIns="91440" tIns="45720" rIns="91440" bIns="45720" numCol="1" anchor="ctr" anchorCtr="0" compatLnSpc="1">
-            <a:prstTxWarp prst="textNoShape">
-              <a:avLst/>
-            </a:prstTxWarp>
-            <a:spAutoFit/>
-          </a:bodyPr>
-          <a:lstStyle/>
-          <a:p>
-            <a:pPr marL="0" marR="0" lvl="0" indent="0" algn="l" defTabSz="914400" rtl="0" eaLnBrk="0" fontAlgn="base" latinLnBrk="0" hangingPunct="0">
-              <a:lnSpc>
-                <a:spcPct val="100000"/>
-              </a:lnSpc>
-              <a:spcBef>
-                <a:spcPct val="0"/>
-              </a:spcBef>
-              <a:spcAft>
-                <a:spcPct val="0"/>
-              </a:spcAft>
-              <a:buClrTx/>
-              <a:buSzTx/>
-              <a:buFontTx/>
-              <a:buChar char="•"/>
-              <a:tabLst/>
-            </a:pPr>
-            <a:r>
-              <a:rPr kumimoji="0" lang="pt-BR" altLang="pt-BR" sz="1800" b="1" i="0" u="none" strike="noStrike" cap="none" normalizeH="0" baseline="0">
-                <a:ln>
-                  <a:noFill/>
-                </a:ln>
-                <a:solidFill>
-                  <a:schemeClr val="tx1"/>
-                </a:solidFill>
-                <a:effectLst/>
-                <a:latin typeface="Arial" panose="020B0604020202020204" pitchFamily="34" charset="0"/>
-              </a:rPr>
-              <a:t>Definição do Projeto:</a:t>
-            </a:r>
-            <a:endParaRPr kumimoji="0" lang="pt-BR" altLang="pt-BR" sz="1800" b="0" i="0" u="none" strike="noStrike" cap="none" normalizeH="0" baseline="0">
-              <a:ln>
-                <a:noFill/>
-              </a:ln>
-              <a:solidFill>
-                <a:schemeClr val="tx1"/>
-              </a:solidFill>
-              <a:effectLst/>
-              <a:latin typeface="Arial" panose="020B0604020202020204" pitchFamily="34" charset="0"/>
-            </a:endParaRPr>
-          </a:p>
-          <a:p>
-            <a:pPr marL="0" marR="0" lvl="0" indent="0" algn="l" defTabSz="914400" rtl="0" eaLnBrk="0" fontAlgn="base" latinLnBrk="0" hangingPunct="0">
-              <a:lnSpc>
-                <a:spcPct val="100000"/>
-              </a:lnSpc>
-              <a:spcBef>
-                <a:spcPct val="0"/>
-              </a:spcBef>
-              <a:spcAft>
-                <a:spcPct val="0"/>
-              </a:spcAft>
-              <a:buClrTx/>
-              <a:buSzTx/>
-              <a:buFontTx/>
-              <a:buChar char="•"/>
-              <a:tabLst/>
-            </a:pPr>
-            <a:r>
-              <a:rPr kumimoji="0" lang="pt-BR" altLang="pt-BR" sz="1800" b="0" i="0" u="none" strike="noStrike" cap="none" normalizeH="0" baseline="0">
-                <a:ln>
-                  <a:noFill/>
-                </a:ln>
-                <a:solidFill>
-                  <a:schemeClr val="tx1"/>
-                </a:solidFill>
-                <a:effectLst/>
-                <a:latin typeface="Arial" panose="020B0604020202020204" pitchFamily="34" charset="0"/>
-              </a:rPr>
-              <a:t>Determine um software a ser desenvolvido (exemplo: aplicativo de delivery, plataforma de ensino online, sistema de gestão empresarial, etc.).</a:t>
-            </a:r>
-          </a:p>
-          <a:p>
-            <a:pPr marL="0" marR="0" lvl="0" indent="0" algn="l" defTabSz="914400" rtl="0" eaLnBrk="0" fontAlgn="base" latinLnBrk="0" hangingPunct="0">
-              <a:lnSpc>
-                <a:spcPct val="100000"/>
-              </a:lnSpc>
-              <a:spcBef>
-                <a:spcPct val="0"/>
-              </a:spcBef>
-              <a:spcAft>
-                <a:spcPct val="0"/>
-              </a:spcAft>
-              <a:buClrTx/>
-              <a:buSzTx/>
-              <a:buFontTx/>
-              <a:buChar char="•"/>
-              <a:tabLst/>
-            </a:pPr>
-            <a:r>
-              <a:rPr kumimoji="0" lang="pt-BR" altLang="pt-BR" sz="1800" b="0" i="0" u="none" strike="noStrike" cap="none" normalizeH="0" baseline="0">
-                <a:ln>
-                  <a:noFill/>
-                </a:ln>
-                <a:solidFill>
-                  <a:schemeClr val="tx1"/>
-                </a:solidFill>
-                <a:effectLst/>
-                <a:latin typeface="Arial" panose="020B0604020202020204" pitchFamily="34" charset="0"/>
-              </a:rPr>
-              <a:t>Descreva brevemente o propósito do software e seus principais objetivos.</a:t>
-            </a:r>
-          </a:p>
-          <a:p>
-            <a:pPr marL="0" marR="0" lvl="0" indent="0" algn="l" defTabSz="914400" rtl="0" eaLnBrk="0" fontAlgn="base" latinLnBrk="0" hangingPunct="0">
-              <a:lnSpc>
-                <a:spcPct val="100000"/>
-              </a:lnSpc>
-              <a:spcBef>
-                <a:spcPct val="0"/>
-              </a:spcBef>
-              <a:spcAft>
-                <a:spcPct val="0"/>
-              </a:spcAft>
-              <a:buClrTx/>
-              <a:buSzTx/>
-              <a:buFontTx/>
-              <a:buNone/>
-              <a:tabLst/>
-            </a:pPr>
-            <a:endParaRPr kumimoji="0" lang="pt-BR" altLang="pt-BR" sz="1800" b="0" i="0" u="none" strike="noStrike" cap="none" normalizeH="0" baseline="0">
-              <a:ln>
-                <a:noFill/>
-              </a:ln>
-              <a:solidFill>
-                <a:schemeClr val="tx1"/>
-              </a:solidFill>
-              <a:effectLst/>
-              <a:latin typeface="Arial" panose="020B0604020202020204" pitchFamily="34" charset="0"/>
             </a:endParaRPr>
           </a:p>
         </p:txBody>
@@ -26082,7 +25688,7 @@
         </p:nvSpPr>
         <p:spPr>
           <a:xfrm>
-            <a:off x="0" y="-136525"/>
+            <a:off x="0" y="0"/>
             <a:ext cx="20104100" cy="11151870"/>
           </a:xfrm>
           <a:custGeom>
@@ -29430,203 +29036,6 @@
               <a:solidFill>
                 <a:schemeClr val="bg1"/>
               </a:solidFill>
-            </a:endParaRPr>
-          </a:p>
-        </p:txBody>
-      </p:sp>
-      <p:sp>
-        <p:nvSpPr>
-          <p:cNvPr id="34" name="Rectangle 1">
-            <a:extLst>
-              <a:ext uri="{FF2B5EF4-FFF2-40B4-BE49-F238E27FC236}">
-                <a16:creationId xmlns:a16="http://schemas.microsoft.com/office/drawing/2014/main" id="{ED5351BD-A85C-E18A-4C83-C8C7CAAB0EA4}"/>
-              </a:ext>
-            </a:extLst>
-          </p:cNvPr>
-          <p:cNvSpPr>
-            <a:spLocks noChangeArrowheads="1"/>
-          </p:cNvSpPr>
-          <p:nvPr/>
-        </p:nvSpPr>
-        <p:spPr bwMode="auto">
-          <a:xfrm>
-            <a:off x="0" y="0"/>
-            <a:ext cx="20104100" cy="0"/>
-          </a:xfrm>
-          <a:prstGeom prst="rect">
-            <a:avLst/>
-          </a:prstGeom>
-          <a:noFill/>
-          <a:ln>
-            <a:noFill/>
-          </a:ln>
-          <a:effectLst/>
-          <a:extLst>
-            <a:ext uri="{909E8E84-426E-40DD-AFC4-6F175D3DCCD1}">
-              <a14:hiddenFill xmlns:a14="http://schemas.microsoft.com/office/drawing/2010/main">
-                <a:solidFill>
-                  <a:schemeClr val="accent1"/>
-                </a:solidFill>
-              </a14:hiddenFill>
-            </a:ext>
-            <a:ext uri="{91240B29-F687-4F45-9708-019B960494DF}">
-              <a14:hiddenLine xmlns:a14="http://schemas.microsoft.com/office/drawing/2010/main" w="9525">
-                <a:solidFill>
-                  <a:schemeClr val="tx1"/>
-                </a:solidFill>
-                <a:miter lim="800000"/>
-                <a:headEnd/>
-                <a:tailEnd/>
-              </a14:hiddenLine>
-            </a:ext>
-            <a:ext uri="{AF507438-7753-43E0-B8FC-AC1667EBCBE1}">
-              <a14:hiddenEffects xmlns:a14="http://schemas.microsoft.com/office/drawing/2010/main">
-                <a:effectLst>
-                  <a:outerShdw dist="35921" dir="2700000" algn="ctr" rotWithShape="0">
-                    <a:schemeClr val="bg2"/>
-                  </a:outerShdw>
-                </a:effectLst>
-              </a14:hiddenEffects>
-            </a:ext>
-          </a:extLst>
-        </p:spPr>
-        <p:txBody>
-          <a:bodyPr vert="horz" wrap="none" lIns="91440" tIns="45720" rIns="91440" bIns="45720" numCol="1" anchor="ctr" anchorCtr="0" compatLnSpc="1">
-            <a:prstTxWarp prst="textNoShape">
-              <a:avLst/>
-            </a:prstTxWarp>
-            <a:spAutoFit/>
-          </a:bodyPr>
-          <a:lstStyle/>
-          <a:p>
-            <a:pPr marL="0" marR="0" lvl="0" indent="0" algn="l" defTabSz="914400" rtl="0" eaLnBrk="0" fontAlgn="base" latinLnBrk="0" hangingPunct="0">
-              <a:lnSpc>
-                <a:spcPct val="100000"/>
-              </a:lnSpc>
-              <a:spcBef>
-                <a:spcPct val="0"/>
-              </a:spcBef>
-              <a:spcAft>
-                <a:spcPct val="0"/>
-              </a:spcAft>
-              <a:buClrTx/>
-              <a:buSzTx/>
-              <a:buFontTx/>
-              <a:buChar char="•"/>
-              <a:tabLst/>
-            </a:pPr>
-            <a:r>
-              <a:rPr kumimoji="0" lang="pt-BR" altLang="pt-BR" sz="1800" b="1" i="0" u="none" strike="noStrike" cap="none" normalizeH="0" baseline="0">
-                <a:ln>
-                  <a:noFill/>
-                </a:ln>
-                <a:solidFill>
-                  <a:schemeClr val="tx1"/>
-                </a:solidFill>
-                <a:effectLst/>
-                <a:latin typeface="Arial" panose="020B0604020202020204" pitchFamily="34" charset="0"/>
-              </a:rPr>
-              <a:t>Definição do Projeto:</a:t>
-            </a:r>
-            <a:endParaRPr kumimoji="0" lang="pt-BR" altLang="pt-BR" sz="1800" b="0" i="0" u="none" strike="noStrike" cap="none" normalizeH="0" baseline="0">
-              <a:ln>
-                <a:noFill/>
-              </a:ln>
-              <a:solidFill>
-                <a:schemeClr val="tx1"/>
-              </a:solidFill>
-              <a:effectLst/>
-              <a:latin typeface="Arial" panose="020B0604020202020204" pitchFamily="34" charset="0"/>
-            </a:endParaRPr>
-          </a:p>
-          <a:p>
-            <a:pPr marL="0" marR="0" lvl="0" indent="0" algn="l" defTabSz="914400" rtl="0" eaLnBrk="0" fontAlgn="base" latinLnBrk="0" hangingPunct="0">
-              <a:lnSpc>
-                <a:spcPct val="100000"/>
-              </a:lnSpc>
-              <a:spcBef>
-                <a:spcPct val="0"/>
-              </a:spcBef>
-              <a:spcAft>
-                <a:spcPct val="0"/>
-              </a:spcAft>
-              <a:buClrTx/>
-              <a:buSzTx/>
-              <a:buFontTx/>
-              <a:buChar char="•"/>
-              <a:tabLst/>
-            </a:pPr>
-            <a:r>
-              <a:rPr kumimoji="0" lang="pt-BR" altLang="pt-BR" sz="1800" b="0" i="0" u="none" strike="noStrike" cap="none" normalizeH="0" baseline="0">
-                <a:ln>
-                  <a:noFill/>
-                </a:ln>
-                <a:solidFill>
-                  <a:schemeClr val="tx1"/>
-                </a:solidFill>
-                <a:effectLst/>
-                <a:latin typeface="Arial" panose="020B0604020202020204" pitchFamily="34" charset="0"/>
-              </a:rPr>
-              <a:t>Determine um software a ser desenvolvido (exemplo: aplicativo de delivery, plataforma de ensino online, sistema de gestão empresarial, etc.).</a:t>
-            </a:r>
-          </a:p>
-          <a:p>
-            <a:pPr marL="0" marR="0" lvl="0" indent="0" algn="l" defTabSz="914400" rtl="0" eaLnBrk="0" fontAlgn="base" latinLnBrk="0" hangingPunct="0">
-              <a:lnSpc>
-                <a:spcPct val="100000"/>
-              </a:lnSpc>
-              <a:spcBef>
-                <a:spcPct val="0"/>
-              </a:spcBef>
-              <a:spcAft>
-                <a:spcPct val="0"/>
-              </a:spcAft>
-              <a:buClrTx/>
-              <a:buSzTx/>
-              <a:buFontTx/>
-              <a:buChar char="•"/>
-              <a:tabLst/>
-            </a:pPr>
-            <a:r>
-              <a:rPr kumimoji="0" lang="pt-BR" altLang="pt-BR" sz="1800" b="0" i="0" u="none" strike="noStrike" cap="none" normalizeH="0" baseline="0">
-                <a:ln>
-                  <a:noFill/>
-                </a:ln>
-                <a:solidFill>
-                  <a:schemeClr val="tx1"/>
-                </a:solidFill>
-                <a:effectLst/>
-                <a:latin typeface="Arial" panose="020B0604020202020204" pitchFamily="34" charset="0"/>
-              </a:rPr>
-              <a:t>Descreva brevemente o propósito do software e seus principais objetivos.</a:t>
-            </a:r>
-          </a:p>
-          <a:p>
-            <a:pPr marL="0" marR="0" lvl="0" indent="0" algn="l" defTabSz="914400" rtl="0" eaLnBrk="0" fontAlgn="base" latinLnBrk="0" hangingPunct="0">
-              <a:lnSpc>
-                <a:spcPct val="100000"/>
-              </a:lnSpc>
-              <a:spcBef>
-                <a:spcPct val="0"/>
-              </a:spcBef>
-              <a:spcAft>
-                <a:spcPct val="0"/>
-              </a:spcAft>
-              <a:buClrTx/>
-              <a:buSzTx/>
-              <a:buFontTx/>
-              <a:buNone/>
-              <a:tabLst/>
-            </a:pPr>
-            <a:endParaRPr kumimoji="0" lang="pt-BR" altLang="pt-BR" sz="1800" b="0" i="0" u="none" strike="noStrike" cap="none" normalizeH="0" baseline="0">
-              <a:ln>
-                <a:noFill/>
-              </a:ln>
-              <a:solidFill>
-                <a:schemeClr val="tx1"/>
-              </a:solidFill>
-              <a:effectLst/>
-              <a:latin typeface="Arial" panose="020B0604020202020204" pitchFamily="34" charset="0"/>
             </a:endParaRPr>
           </a:p>
         </p:txBody>
@@ -45384,18 +44793,18 @@
 </file>
 
 <file path=customXml/item1.xml><?xml version="1.0" encoding="utf-8"?>
+<p:properties xmlns:p="http://schemas.microsoft.com/office/2006/metadata/properties" xmlns:xsi="http://www.w3.org/2001/XMLSchema-instance" xmlns:pc="http://schemas.microsoft.com/office/infopath/2007/PartnerControls">
+  <documentManagement/>
+</p:properties>
+</file>
+
+<file path=customXml/item2.xml><?xml version="1.0" encoding="utf-8"?>
 <?mso-contentType ?>
 <FormTemplates xmlns="http://schemas.microsoft.com/sharepoint/v3/contenttype/forms">
   <Display>DocumentLibraryForm</Display>
   <Edit>DocumentLibraryForm</Edit>
   <New>DocumentLibraryForm</New>
 </FormTemplates>
-</file>
-
-<file path=customXml/item2.xml><?xml version="1.0" encoding="utf-8"?>
-<p:properties xmlns:p="http://schemas.microsoft.com/office/2006/metadata/properties" xmlns:xsi="http://www.w3.org/2001/XMLSchema-instance" xmlns:pc="http://schemas.microsoft.com/office/infopath/2007/PartnerControls">
-  <documentManagement/>
-</p:properties>
 </file>
 
 <file path=customXml/item3.xml><?xml version="1.0" encoding="utf-8"?>
@@ -45628,14 +45037,6 @@
 </file>
 
 <file path=customXml/itemProps1.xml><?xml version="1.0" encoding="utf-8"?>
-<ds:datastoreItem xmlns:ds="http://schemas.openxmlformats.org/officeDocument/2006/customXml" ds:itemID="{65F35E67-04E6-4922-B19E-6681FBF95DE2}">
-  <ds:schemaRefs>
-    <ds:schemaRef ds:uri="http://schemas.microsoft.com/sharepoint/v3/contenttype/forms"/>
-  </ds:schemaRefs>
-</ds:datastoreItem>
-</file>
-
-<file path=customXml/itemProps2.xml><?xml version="1.0" encoding="utf-8"?>
 <ds:datastoreItem xmlns:ds="http://schemas.openxmlformats.org/officeDocument/2006/customXml" ds:itemID="{AAA42D19-56A1-4D0B-AB84-67451006DC5A}">
   <ds:schemaRefs>
     <ds:schemaRef ds:uri="http://purl.org/dc/elements/1.1/"/>
@@ -45648,6 +45049,14 @@
     <ds:schemaRef ds:uri="http://schemas.microsoft.com/office/infopath/2007/PartnerControls"/>
     <ds:schemaRef ds:uri="http://www.w3.org/XML/1998/namespace"/>
     <ds:schemaRef ds:uri="http://purl.org/dc/dcmitype/"/>
+  </ds:schemaRefs>
+</ds:datastoreItem>
+</file>
+
+<file path=customXml/itemProps2.xml><?xml version="1.0" encoding="utf-8"?>
+<ds:datastoreItem xmlns:ds="http://schemas.openxmlformats.org/officeDocument/2006/customXml" ds:itemID="{65F35E67-04E6-4922-B19E-6681FBF95DE2}">
+  <ds:schemaRefs>
+    <ds:schemaRef ds:uri="http://schemas.microsoft.com/sharepoint/v3/contenttype/forms"/>
   </ds:schemaRefs>
 </ds:datastoreItem>
 </file>

--- a/ds/seduc/1des/03-ler/Aula01/Levantamento de Requisitos.pptx
+++ b/ds/seduc/1des/03-ler/Aula01/Levantamento de Requisitos.pptx
@@ -265,7 +265,7 @@
           <a:p>
             <a:fld id="{4E511300-05A8-42F5-84F5-2A0388843EF7}" type="datetimeFigureOut">
               <a:rPr lang="pt-BR" smtClean="0"/>
-              <a:t>09/02/2026</a:t>
+              <a:t>10/02/2026</a:t>
             </a:fld>
             <a:endParaRPr lang="pt-BR"/>
           </a:p>
@@ -3141,7 +3141,7 @@
           <a:p>
             <a:fld id="{1D8BD707-D9CF-40AE-B4C6-C98DA3205C09}" type="datetimeFigureOut">
               <a:rPr lang="en-US"/>
-              <a:t>2/9/2026</a:t>
+              <a:t>2/10/2026</a:t>
             </a:fld>
             <a:endParaRPr lang="en-US"/>
           </a:p>
@@ -3318,7 +3318,7 @@
           <a:p>
             <a:fld id="{1D8BD707-D9CF-40AE-B4C6-C98DA3205C09}" type="datetimeFigureOut">
               <a:rPr lang="en-US"/>
-              <a:t>2/9/2026</a:t>
+              <a:t>2/10/2026</a:t>
             </a:fld>
             <a:endParaRPr lang="en-US"/>
           </a:p>
@@ -4367,7 +4367,7 @@
           <a:p>
             <a:fld id="{1D8BD707-D9CF-40AE-B4C6-C98DA3205C09}" type="datetimeFigureOut">
               <a:rPr lang="en-US"/>
-              <a:t>2/9/2026</a:t>
+              <a:t>2/10/2026</a:t>
             </a:fld>
             <a:endParaRPr lang="en-US"/>
           </a:p>
@@ -4573,7 +4573,7 @@
           <a:p>
             <a:fld id="{1D8BD707-D9CF-40AE-B4C6-C98DA3205C09}" type="datetimeFigureOut">
               <a:rPr lang="en-US"/>
-              <a:t>2/9/2026</a:t>
+              <a:t>2/10/2026</a:t>
             </a:fld>
             <a:endParaRPr lang="en-US"/>
           </a:p>
@@ -4692,7 +4692,7 @@
           <a:p>
             <a:fld id="{1D8BD707-D9CF-40AE-B4C6-C98DA3205C09}" type="datetimeFigureOut">
               <a:rPr lang="en-US"/>
-              <a:t>2/9/2026</a:t>
+              <a:t>2/10/2026</a:t>
             </a:fld>
             <a:endParaRPr lang="en-US"/>
           </a:p>
@@ -5378,7 +5378,7 @@
           <a:p>
             <a:fld id="{1D8BD707-D9CF-40AE-B4C6-C98DA3205C09}" type="datetimeFigureOut">
               <a:rPr lang="en-US"/>
-              <a:t>2/9/2026</a:t>
+              <a:t>2/10/2026</a:t>
             </a:fld>
             <a:endParaRPr lang="en-US"/>
           </a:p>
@@ -44793,18 +44793,18 @@
 </file>
 
 <file path=customXml/item1.xml><?xml version="1.0" encoding="utf-8"?>
-<p:properties xmlns:p="http://schemas.microsoft.com/office/2006/metadata/properties" xmlns:xsi="http://www.w3.org/2001/XMLSchema-instance" xmlns:pc="http://schemas.microsoft.com/office/infopath/2007/PartnerControls">
-  <documentManagement/>
-</p:properties>
-</file>
-
-<file path=customXml/item2.xml><?xml version="1.0" encoding="utf-8"?>
 <?mso-contentType ?>
 <FormTemplates xmlns="http://schemas.microsoft.com/sharepoint/v3/contenttype/forms">
   <Display>DocumentLibraryForm</Display>
   <Edit>DocumentLibraryForm</Edit>
   <New>DocumentLibraryForm</New>
 </FormTemplates>
+</file>
+
+<file path=customXml/item2.xml><?xml version="1.0" encoding="utf-8"?>
+<p:properties xmlns:p="http://schemas.microsoft.com/office/2006/metadata/properties" xmlns:xsi="http://www.w3.org/2001/XMLSchema-instance" xmlns:pc="http://schemas.microsoft.com/office/infopath/2007/PartnerControls">
+  <documentManagement/>
+</p:properties>
 </file>
 
 <file path=customXml/item3.xml><?xml version="1.0" encoding="utf-8"?>
@@ -45037,6 +45037,14 @@
 </file>
 
 <file path=customXml/itemProps1.xml><?xml version="1.0" encoding="utf-8"?>
+<ds:datastoreItem xmlns:ds="http://schemas.openxmlformats.org/officeDocument/2006/customXml" ds:itemID="{65F35E67-04E6-4922-B19E-6681FBF95DE2}">
+  <ds:schemaRefs>
+    <ds:schemaRef ds:uri="http://schemas.microsoft.com/sharepoint/v3/contenttype/forms"/>
+  </ds:schemaRefs>
+</ds:datastoreItem>
+</file>
+
+<file path=customXml/itemProps2.xml><?xml version="1.0" encoding="utf-8"?>
 <ds:datastoreItem xmlns:ds="http://schemas.openxmlformats.org/officeDocument/2006/customXml" ds:itemID="{AAA42D19-56A1-4D0B-AB84-67451006DC5A}">
   <ds:schemaRefs>
     <ds:schemaRef ds:uri="http://purl.org/dc/elements/1.1/"/>
@@ -45049,14 +45057,6 @@
     <ds:schemaRef ds:uri="http://schemas.microsoft.com/office/infopath/2007/PartnerControls"/>
     <ds:schemaRef ds:uri="http://www.w3.org/XML/1998/namespace"/>
     <ds:schemaRef ds:uri="http://purl.org/dc/dcmitype/"/>
-  </ds:schemaRefs>
-</ds:datastoreItem>
-</file>
-
-<file path=customXml/itemProps2.xml><?xml version="1.0" encoding="utf-8"?>
-<ds:datastoreItem xmlns:ds="http://schemas.openxmlformats.org/officeDocument/2006/customXml" ds:itemID="{65F35E67-04E6-4922-B19E-6681FBF95DE2}">
-  <ds:schemaRefs>
-    <ds:schemaRef ds:uri="http://schemas.microsoft.com/sharepoint/v3/contenttype/forms"/>
   </ds:schemaRefs>
 </ds:datastoreItem>
 </file>
